--- a/Iterator/présentation iterator.pptx
+++ b/Iterator/présentation iterator.pptx
@@ -5,7 +5,7 @@
     <p:sldMasterId id="2147483673" r:id="rId1"/>
   </p:sldMasterIdLst>
   <p:notesMasterIdLst>
-    <p:notesMasterId r:id="rId20"/>
+    <p:notesMasterId r:id="rId19"/>
   </p:notesMasterIdLst>
   <p:sldIdLst>
     <p:sldId id="256" r:id="rId2"/>
@@ -17,15 +17,14 @@
     <p:sldId id="264" r:id="rId8"/>
     <p:sldId id="268" r:id="rId9"/>
     <p:sldId id="265" r:id="rId10"/>
-    <p:sldId id="266" r:id="rId11"/>
-    <p:sldId id="271" r:id="rId12"/>
-    <p:sldId id="270" r:id="rId13"/>
+    <p:sldId id="271" r:id="rId11"/>
+    <p:sldId id="270" r:id="rId12"/>
+    <p:sldId id="273" r:id="rId13"/>
     <p:sldId id="272" r:id="rId14"/>
-    <p:sldId id="273" r:id="rId15"/>
-    <p:sldId id="269" r:id="rId16"/>
+    <p:sldId id="269" r:id="rId15"/>
+    <p:sldId id="276" r:id="rId16"/>
     <p:sldId id="275" r:id="rId17"/>
-    <p:sldId id="276" r:id="rId18"/>
-    <p:sldId id="274" r:id="rId19"/>
+    <p:sldId id="274" r:id="rId18"/>
   </p:sldIdLst>
   <p:sldSz cx="12192000" cy="6858000"/>
   <p:notesSz cx="6858000" cy="9144000"/>
@@ -148,99 +147,14 @@
           <inkml:channelProperty channel="F" name="resolution" value="0" units="1/dev"/>
         </inkml:channelProperties>
       </inkml:inkSource>
-      <inkml:timestamp xml:id="ts0" timeString="2024-11-27T14:21:38.628"/>
+      <inkml:timestamp xml:id="ts0" timeString="2024-12-03T09:57:35.224"/>
     </inkml:context>
     <inkml:brush xml:id="br0">
       <inkml:brushProperty name="width" value="0.035" units="cm"/>
       <inkml:brushProperty name="height" value="0.035" units="cm"/>
-      <inkml:brushProperty name="color" value="#E71224"/>
     </inkml:brush>
   </inkml:definitions>
-  <inkml:trace contextRef="#ctx0" brushRef="#br0">1548 3 24575,'-166'-2'0,"-178"5"0,324-1 0,1 1 0,0 0 0,0 2 0,0 1 0,1 0 0,-1 1 0,1 1 0,1 0 0,-33 22 0,-2 8 0,-80 75 0,19-14 0,80-75 0,-1 0 0,-1-3 0,0-1 0,-58 23 0,86-39 0,0-1 0,1 2 0,-1-1 0,1 0 0,0 1 0,0 0 0,1 1 0,-1-1 0,1 1 0,0 0 0,1 1 0,-1-1 0,-4 11 0,-5 12 0,1 0 0,-9 33 0,4-12 0,12-31 0,0 1 0,2 0 0,0 1 0,1-1 0,0 41 0,-3 29 0,3-74 0,-1-1 0,0 0 0,-10 21 0,8-22 0,1 0 0,0 1 0,-5 29 0,4-3 0,-16 49 0,14-60 0,1 1 0,1 1 0,-3 46 0,11 338 0,-1-388 0,2-1 0,7 32 0,-5-29 0,3 46 0,-7-37 0,-2-14 0,2-1 0,0 1 0,1-1 0,1 0 0,2 1 0,0-2 0,2 1 0,16 41 0,-11-42 0,0-1 0,1 0 0,1 0 0,24 27 0,-30-41 0,0 0 0,0-1 0,1 0 0,0 0 0,1-1 0,-1 0 0,1 0 0,0-1 0,1-1 0,-1 0 0,1 0 0,16 3 0,21 0 0,1-2 0,-1-3 0,83-5 0,-19 0 0,-63 3 0,-1 1 0,81 14 0,-99-9 0,0 0 0,-1 2 0,1 1 0,-2 1 0,46 23 0,-51-20 0,1-1 0,1-1 0,-1-2 0,1 0 0,1-2 0,0 0 0,0-2 0,34 2 0,-7-1 0,0 2 0,0 3 0,71 23 0,-99-27 0,0-1 0,0-1 0,0-1 0,36 1 0,107-7 0,-60-2 0,454 4 0,-537-1 0,-1-1 0,1-1 0,-1-1 0,0-1 0,-1-1 0,1-1 0,-1-1 0,0-1 0,-1-2 0,0 0 0,35-24 0,-24 10 0,-1 0 0,-1-3 0,-1 0 0,-1-2 0,-2-1 0,27-39 0,-32 38 0,37-65 0,-53 84 0,-1-1 0,0 1 0,-1-1 0,0 0 0,-1 1 0,0-2 0,-2 1 0,1-23 0,-7-454 0,3 456 0,-10-60 0,6 56 0,-2-44 0,11-90 0,-6-91 0,-11 190 0,10 54 0,0 0 0,-2-32 0,6 44 0,-1-20 0,-1-1 0,-7-38 0,7 57 0,-1 0 0,0 0 0,0 1 0,-1 0 0,-1 0 0,0 0 0,0 0 0,0 0 0,-1 1 0,-10-11 0,-7-2 0,-1 0 0,0 2 0,-1 1 0,-1 1 0,-1 1 0,-41-17 0,15 5 0,33 15 0,0 0 0,1-2 0,1-1 0,0 0 0,1-1 0,1-1 0,-16-21 0,19 21 0,-2 0 0,0 1 0,-1 0 0,-1 2 0,0 0 0,-1 0 0,-1 2 0,-24-14 0,11 11 0,-1 2 0,0 1 0,0 1 0,-1 2 0,-59-10 0,25 11 0,-101-7 0,140 14 0,1-1 0,-1-2 0,-41-12 0,36 8 0,-62-8 0,-104 14 32,113 5-1429,64-2-5429</inkml:trace>
-</inkml:ink>
-</file>
-
-<file path=ppt/ink/ink2.xml><?xml version="1.0" encoding="utf-8"?>
-<inkml:ink xmlns:inkml="http://www.w3.org/2003/InkML">
-  <inkml:definitions>
-    <inkml:context xml:id="ctx0">
-      <inkml:inkSource xml:id="inkSrc0">
-        <inkml:traceFormat>
-          <inkml:channel name="X" type="integer" min="-2.14748E9" max="2.14748E9" units="cm"/>
-          <inkml:channel name="Y" type="integer" min="-2.14748E9" max="2.14748E9" units="cm"/>
-          <inkml:channel name="F" type="integer" max="32767" units="dev"/>
-        </inkml:traceFormat>
-        <inkml:channelProperties>
-          <inkml:channelProperty channel="X" name="resolution" value="1000" units="1/cm"/>
-          <inkml:channelProperty channel="Y" name="resolution" value="1000" units="1/cm"/>
-          <inkml:channelProperty channel="F" name="resolution" value="0" units="1/dev"/>
-        </inkml:channelProperties>
-      </inkml:inkSource>
-      <inkml:timestamp xml:id="ts0" timeString="2024-11-27T14:20:32.153"/>
-    </inkml:context>
-    <inkml:brush xml:id="br0">
-      <inkml:brushProperty name="width" value="0.035" units="cm"/>
-      <inkml:brushProperty name="height" value="0.035" units="cm"/>
-      <inkml:brushProperty name="color" value="#E71224"/>
-    </inkml:brush>
-  </inkml:definitions>
-  <inkml:trace contextRef="#ctx0" brushRef="#br0">2265 32 24575,'-201'-2'0,"-221"5"0,354 3 0,1 2 0,-74 19 0,-130 47 0,225-60 0,-37 15 0,1 4 0,-105 58 0,130-62 0,25-11 0,2 2 0,0 1 0,-35 31 0,-4 5 0,55-47 0,1 2 0,0 0 0,1 1 0,0 0 0,1 0 0,1 1 0,0 1 0,1 0 0,0 0 0,1 1 0,-7 20 0,-58 125 0,31-62 0,23-58 0,-16 50 0,14-33 0,14-43 0,2 0 0,-1 1 0,2 0 0,0 0 0,-2 19 0,-23 320 0,17-250 0,5-60 0,0 53 0,8 890 0,1-960 0,2 0 0,1 0 0,2-1 0,0 0 0,2 0 0,21 45 0,-12-28 0,7 9 0,62 100 0,9 18 0,-85-148 0,1 0 0,1 0 0,1-1 0,1-1 0,1-1 0,1 0 0,23 22 0,-26-30 0,0-1 0,1 0 0,0-1 0,1 0 0,0-1 0,0-1 0,0-1 0,1 0 0,1-2 0,-1 1 0,21 2 0,59 6 0,-46-7 0,1 1 0,-2 3 0,98 33 0,-91-23 0,1-2 0,0-3 0,2-2 0,96 9 0,-13 4 0,-37-5 0,-17-7 0,248 29 0,-222-42 0,80 6 0,-7 8 0,251-12 0,-225-6 0,602 2 0,-740-3 0,0-3 0,122-25 0,-125 12 0,0-3 0,78-36 0,-11-15 0,-104 51 0,1 3 0,75-30 0,-74 36 0,-1-1 0,0-2 0,-2-2 0,0-1 0,64-47 0,-40 19 0,-3-2 0,68-75 0,-80 75 0,2 3 0,93-74 0,-2 1 0,-74 60 0,-56 53 0,0-1 0,0 0 0,-1-1 0,0 1 0,0-1 0,-1-1 0,0 1 0,-1 0 0,0-1 0,0 0 0,5-18 0,-4 2 0,-2-1 0,0 1 0,-1-29 0,0 3 0,14-54 0,-6 44 0,-3 15 0,2-17 0,3-90 0,2-81 0,0-18 0,-14 194 0,2 28 0,-2 0 0,-2 1 0,0-1 0,-13-54 0,-14-21 0,12 39 0,-2 2 0,-3 0 0,-3 1 0,-45-83 0,47 110 0,-1 2 0,-1 1 0,-39-39 0,-99-95 0,-1-7 0,19 19 0,98 114 0,-2 1 0,-2 3 0,-1 2 0,-2 2 0,-1 3 0,-2 2 0,0 2 0,-2 3 0,-61-15 0,62 23 0,0 3 0,0 2 0,-87-3 0,-183 13 0,141 3 0,109-2 0,-16 0 0,-166-19 0,164 8 0,0 4 0,-112 9 0,57-1 0,147-2 0,-48-1 0,0 1 0,0 3 0,0 3 0,0 1 0,-54 16 0,76-16 0,-1-1 0,-56 4 0,-10 2 0,58-8 19,0-1-1,0-2 1,0-2-1,-75-11 1,-31-1-1477,120 12-5368</inkml:trace>
-</inkml:ink>
-</file>
-
-<file path=ppt/ink/ink3.xml><?xml version="1.0" encoding="utf-8"?>
-<inkml:ink xmlns:inkml="http://www.w3.org/2003/InkML">
-  <inkml:definitions>
-    <inkml:context xml:id="ctx0">
-      <inkml:inkSource xml:id="inkSrc0">
-        <inkml:traceFormat>
-          <inkml:channel name="X" type="integer" min="-2.14748E9" max="2.14748E9" units="cm"/>
-          <inkml:channel name="Y" type="integer" min="-2.14748E9" max="2.14748E9" units="cm"/>
-          <inkml:channel name="F" type="integer" max="32767" units="dev"/>
-        </inkml:traceFormat>
-        <inkml:channelProperties>
-          <inkml:channelProperty channel="X" name="resolution" value="1000" units="1/cm"/>
-          <inkml:channelProperty channel="Y" name="resolution" value="1000" units="1/cm"/>
-          <inkml:channelProperty channel="F" name="resolution" value="0" units="1/dev"/>
-        </inkml:channelProperties>
-      </inkml:inkSource>
-      <inkml:timestamp xml:id="ts0" timeString="2024-11-27T14:19:10.758"/>
-    </inkml:context>
-    <inkml:brush xml:id="br0">
-      <inkml:brushProperty name="width" value="0.035" units="cm"/>
-      <inkml:brushProperty name="height" value="0.035" units="cm"/>
-      <inkml:brushProperty name="color" value="#E71224"/>
-    </inkml:brush>
-  </inkml:definitions>
-  <inkml:trace contextRef="#ctx0" brushRef="#br0">1495 32 24575,'-92'-1'0,"-3"-1"0,-1 5 0,-94 15 0,113-9 0,46-5 0,0 0 0,-51 15 0,-29 13 0,-46 15 0,135-38 0,2 0 0,-2 2 0,3-1 0,-2 2 0,-18 16 0,11-6 0,11-10 0,1 0 0,-1 1 0,2 1 0,1 0 0,0 1 0,0 0 0,2 1 0,0 1 0,0 0 0,-10 23 0,-5 21 0,13-31 0,1-2 0,1 2 0,2-1 0,-9 49 0,-6 65 0,7-47 0,4 1 0,0 103 0,-1 11 0,1 13 0,13-113 0,0-19 0,12 100 0,-8-162 0,2-1 0,2 1 0,1 0 0,0-2 0,3 1 0,0-1 0,21 36 0,193 336 0,-198-356 0,3-1 0,1-2 0,2-1 0,2-1 0,0-1 0,77 58 0,-94-84 0,2 0 0,-1-2 0,2 1 0,-1-3 0,1 0 0,0 0 0,30 3 0,-1 3 0,12 2 0,113 12 0,-48-10 0,260 47 0,-115-29 0,-166-28 0,161-8 0,-108-3 0,-114 4 0,-20 0 0,1-1 0,-1 0 0,1-2 0,-1-1 0,-1 0 0,1-3 0,33-10 0,0-12 0,0-2 0,-1-4 0,-2-2 0,97-83 0,-139 109 0,-1-2 0,0 0 0,-1-1 0,0 0 0,-2-1 0,1 0 0,-1 0 0,-1-1 0,0-1 0,-2 0 0,1 1 0,-2-1 0,6-27 0,-3-9 0,-3 0 0,-2 0 0,-3-58 0,0 96 0,-3-97 0,6-197 0,26 117 0,-17 128 0,8-124 0,-18 162 0,1-1 0,0 1 0,3 1 0,9-29 0,-6 26 0,-3 1 0,1-1 0,1-38 0,-7-260 0,-3 148 0,1 156 0,0 1 0,-2-1 0,0 2 0,-2-2 0,1 2 0,-3-1 0,1 2 0,-2-1 0,-10-20 0,4 14 0,-1 1 0,-1 0 0,-2 2 0,0 0 0,0 1 0,-24-19 0,24 25 0,-1 1 0,-1 0 0,0 2 0,-2 0 0,0 2 0,1 0 0,-2 1 0,0 2 0,1-1 0,-1 3 0,-26-4 0,19 2 0,-47-14 0,-24-6 0,76 23 0,-119-28 0,130 29 0,1-1 0,0-2 0,1 1 0,-1-2 0,1 1 0,0-2 0,0 1 0,-14-14 0,-4-4 0,0 3 0,-61-35 0,73 49 0,-2 0 0,2 2 0,-3-1 0,2 3 0,-1-1 0,0 2 0,-1 1 0,-30 0 0,-30-6 0,-75-24 71,106 19-550,-1 3 1,-60-5-1,86 14-6347</inkml:trace>
-</inkml:ink>
-</file>
-
-<file path=ppt/ink/ink4.xml><?xml version="1.0" encoding="utf-8"?>
-<inkml:ink xmlns:inkml="http://www.w3.org/2003/InkML">
-  <inkml:definitions>
-    <inkml:context xml:id="ctx0">
-      <inkml:inkSource xml:id="inkSrc0">
-        <inkml:traceFormat>
-          <inkml:channel name="X" type="integer" min="-2.14748E9" max="2.14748E9" units="cm"/>
-          <inkml:channel name="Y" type="integer" min="-2.14748E9" max="2.14748E9" units="cm"/>
-          <inkml:channel name="F" type="integer" max="32767" units="dev"/>
-        </inkml:traceFormat>
-        <inkml:channelProperties>
-          <inkml:channelProperty channel="X" name="resolution" value="1000" units="1/cm"/>
-          <inkml:channelProperty channel="Y" name="resolution" value="1000" units="1/cm"/>
-          <inkml:channelProperty channel="F" name="resolution" value="0" units="1/dev"/>
-        </inkml:channelProperties>
-      </inkml:inkSource>
-      <inkml:timestamp xml:id="ts0" timeString="2024-11-27T14:20:01.798"/>
-    </inkml:context>
-    <inkml:brush xml:id="br0">
-      <inkml:brushProperty name="width" value="0.035" units="cm"/>
-      <inkml:brushProperty name="height" value="0.035" units="cm"/>
-      <inkml:brushProperty name="color" value="#E71224"/>
-    </inkml:brush>
-  </inkml:definitions>
-  <inkml:trace contextRef="#ctx0" brushRef="#br0">1576 29 24575,'-500'0'0,"466"2"0,1 2 0,-1 0 0,-62 19 0,56-10 0,1 2 0,1 1 0,-46 27 0,-105 75 0,136-83 0,26-18 0,0 2 0,0 1 0,2 1 0,1 1 0,1 1 0,0 1 0,2 1 0,1 1 0,1 1 0,1 1 0,2 0 0,-14 32 0,-30 113 0,30-81 0,22-60 0,2 1 0,1 0 0,2 0 0,1 0 0,1 1 0,6 44 0,-2 17 0,0 106 0,-6 258 0,-11-345 0,8-68 0,-2 53 0,7-38 0,4 114 0,-1-166 0,0-1 0,1 1 0,-1-1 0,2 0 0,-1 1 0,1-1 0,1-1 0,-1 1 0,1-1 0,1 0 0,7 9 0,13 20 0,-1 2 0,68 98 0,-82-122 0,1 0 0,1-1 0,-1 0 0,2-1 0,0-1 0,27 18 0,-24-22 0,1-1 0,-1-1 0,1 0 0,0-1 0,1-1 0,-1 0 0,0-2 0,33-1 0,30 4 0,133 7 0,-200-9 0,1 1 0,0 0 0,-1 1 0,22 10 0,-22-8 0,1-1 0,0 0 0,0-1 0,23 3 0,211 22 0,-229-25 0,0 2 0,0 0 0,-1 1 0,0 1 0,-1 0 0,1 2 0,24 17 0,-17-11 0,1-1 0,40 16 0,13-8 0,1-3 0,144 16 0,-82-15 0,-57-12 0,1-3 0,115-8 0,-56-1 0,-7 5 0,153-5 0,-279 3 0,1-2 0,-1 1 0,0-2 0,0 0 0,0 0 0,0-1 0,0-1 0,-1 0 0,18-10 0,-22 9 0,0 1 0,-1-2 0,0 1 0,0-1 0,0 0 0,-1 0 0,0-1 0,0 1 0,-1-2 0,0 1 0,-1 0 0,0-1 0,6-17 0,-8 19 0,16-38 0,-2-2 0,-3 0 0,-2-1 0,-1 0 0,4-69 0,-12 79 0,1 1 0,3 0 0,1 1 0,1-1 0,22-55 0,-23 69 0,-1 0 0,-1 0 0,-1-1 0,1-37 0,-6-98 0,-2 67 0,3-475 0,2 537 0,1 1 0,2 0 0,1 0 0,1 1 0,13-33 0,-10 32 0,-1 0 0,-2-1 0,0 0 0,3-50 0,-13-440 0,3 504 0,-1-1 0,0 1 0,-2 0 0,0-1 0,-1 1 0,0 0 0,-1 0 0,-1 1 0,0 0 0,-2 0 0,1 0 0,-2 1 0,0 0 0,-1 1 0,0 0 0,-1 0 0,-18-17 0,21 24 0,0 1 0,0 0 0,0 0 0,-1 0 0,0 1 0,1 1 0,-2-1 0,-17-3 0,-4 1 0,-45-2 0,-12-2 0,-1-7 0,0 5 0,-140-3 0,199 15 0,1-1 0,-1-1 0,1-2 0,0 0 0,-52-17 0,31 5 0,-72-14 0,-92 9 0,114 4 0,-1 5 0,-141 2 0,215 10-1365,4 0-5461</inkml:trace>
+  <inkml:trace contextRef="#ctx0" brushRef="#br0">1 177 24575,'0'-5'0,"2"-1"0,-1 1 0,0 0 0,1-1 0,0 1 0,1 0 0,-1 0 0,1 0 0,0 0 0,5-6 0,15-32 0,-23 41 0,1 1 0,-1-1 0,1 1 0,-1 0 0,1-1 0,-1 1 0,1 0 0,0-1 0,-1 1 0,1 0 0,0 0 0,0 0 0,0 0 0,0 0 0,0 0 0,0 0 0,0 0 0,1 0 0,-1 0 0,0 0 0,0 1 0,1-1 0,-1 0 0,0 1 0,1-1 0,-1 1 0,1 0 0,-1-1 0,1 1 0,-1 0 0,0 0 0,1 0 0,-1 0 0,1 0 0,-1 0 0,1 1 0,-1-1 0,1 0 0,-1 1 0,0-1 0,2 2 0,0-1 0,-1 0 0,0 0 0,1 1 0,-1 0 0,0-1 0,0 1 0,0 0 0,-1 0 0,1 0 0,0 0 0,-1 0 0,1 0 0,-1 0 0,1 1 0,-1-1 0,0 1 0,0-1 0,0 1 0,-1-1 0,1 1 0,-1-1 0,1 5 0,0 7 0,-3 167 0,1-176 0,-1-7 0,-1-17 0,0-27 0,4-13 0,-2-92 0,1 150 0,0 1 0,0-1 0,0 1 0,0-1 0,0 0 0,0 1 0,0-1 0,0 0 0,0 1 0,0-1 0,0 0 0,0 1 0,0-1 0,-1 0 0,1 1 0,0-1 0,0 1 0,-1-1 0,1 0 0,-1 1 0,1-1 0,0 1 0,-1-1 0,1 1 0,-1-1 0,1 1 0,-1 0 0,1-1 0,-1 1 0,1-1 0,-1 1 0,0 0 0,1 0 0,-1-1 0,1 1 0,-1 0 0,0 0 0,0 0 0,-1 0 0,0 1 0,0 0 0,0 0 0,0 0 0,0 0 0,0 0 0,0 0 0,1 1 0,-1-1 0,0 0 0,-2 4 0,-36 48 0,31-34-1365,5-11-5461</inkml:trace>
 </inkml:ink>
 </file>
 
@@ -326,7 +240,7 @@
           <a:p>
             <a:fld id="{C12EE09F-724B-4FDB-834F-9B71A09FEBA6}" type="datetimeFigureOut">
               <a:rPr lang="fr-FR" smtClean="0"/>
-              <a:t>02/12/2024</a:t>
+              <a:t>03/12/2024</a:t>
             </a:fld>
             <a:endParaRPr lang="fr-FR"/>
           </a:p>
@@ -744,6 +658,283 @@
           <a:bodyPr/>
           <a:lstStyle/>
           <a:p>
+            <a:pPr>
+              <a:lnSpc>
+                <a:spcPct val="115000"/>
+              </a:lnSpc>
+              <a:spcAft>
+                <a:spcPts val="800"/>
+              </a:spcAft>
+            </a:pPr>
+            <a:r>
+              <a:rPr lang="fr-FR" sz="1800" kern="100" dirty="0">
+                <a:effectLst/>
+                <a:latin typeface="Aptos" panose="020B0004020202020204" pitchFamily="34" charset="0"/>
+                <a:ea typeface="Aptos" panose="020B0004020202020204" pitchFamily="34" charset="0"/>
+                <a:cs typeface="Times New Roman" panose="02020603050405020304" pitchFamily="18" charset="0"/>
+              </a:rPr>
+              <a:t>La liste qu’on a l’habitude d’utiliser </a:t>
+            </a:r>
+            <a:r>
+              <a:rPr lang="fr-FR" sz="1800" kern="100" dirty="0" err="1">
+                <a:effectLst/>
+                <a:latin typeface="Aptos" panose="020B0004020202020204" pitchFamily="34" charset="0"/>
+                <a:ea typeface="Aptos" panose="020B0004020202020204" pitchFamily="34" charset="0"/>
+                <a:cs typeface="Times New Roman" panose="02020603050405020304" pitchFamily="18" charset="0"/>
+              </a:rPr>
+              <a:t>realise</a:t>
+            </a:r>
+            <a:r>
+              <a:rPr lang="fr-FR" sz="1800" kern="100" dirty="0">
+                <a:effectLst/>
+                <a:latin typeface="Aptos" panose="020B0004020202020204" pitchFamily="34" charset="0"/>
+                <a:ea typeface="Aptos" panose="020B0004020202020204" pitchFamily="34" charset="0"/>
+                <a:cs typeface="Times New Roman" panose="02020603050405020304" pitchFamily="18" charset="0"/>
+              </a:rPr>
+              <a:t> bien l’interface IEnumerable (en passant par </a:t>
+            </a:r>
+            <a:r>
+              <a:rPr lang="fr-FR" sz="1800" kern="100" dirty="0" err="1">
+                <a:effectLst/>
+                <a:latin typeface="Aptos" panose="020B0004020202020204" pitchFamily="34" charset="0"/>
+                <a:ea typeface="Aptos" panose="020B0004020202020204" pitchFamily="34" charset="0"/>
+                <a:cs typeface="Times New Roman" panose="02020603050405020304" pitchFamily="18" charset="0"/>
+              </a:rPr>
+              <a:t>IList</a:t>
+            </a:r>
+            <a:r>
+              <a:rPr lang="fr-FR" sz="1800" kern="100" dirty="0">
+                <a:effectLst/>
+                <a:latin typeface="Aptos" panose="020B0004020202020204" pitchFamily="34" charset="0"/>
+                <a:ea typeface="Aptos" panose="020B0004020202020204" pitchFamily="34" charset="0"/>
+                <a:cs typeface="Times New Roman" panose="02020603050405020304" pitchFamily="18" charset="0"/>
+              </a:rPr>
+              <a:t> &lt;T&gt; et ICollection&lt;T&gt;) et contient un </a:t>
+            </a:r>
+            <a:r>
+              <a:rPr lang="fr-FR" sz="1800" kern="100" dirty="0" err="1">
+                <a:effectLst/>
+                <a:latin typeface="Aptos" panose="020B0004020202020204" pitchFamily="34" charset="0"/>
+                <a:ea typeface="Aptos" panose="020B0004020202020204" pitchFamily="34" charset="0"/>
+                <a:cs typeface="Times New Roman" panose="02020603050405020304" pitchFamily="18" charset="0"/>
+              </a:rPr>
+              <a:t>itérator</a:t>
+            </a:r>
+            <a:r>
+              <a:rPr lang="fr-FR" sz="1800" kern="100" dirty="0">
+                <a:effectLst/>
+                <a:latin typeface="Aptos" panose="020B0004020202020204" pitchFamily="34" charset="0"/>
+                <a:ea typeface="Aptos" panose="020B0004020202020204" pitchFamily="34" charset="0"/>
+                <a:cs typeface="Times New Roman" panose="02020603050405020304" pitchFamily="18" charset="0"/>
+              </a:rPr>
+              <a:t> qui s’appelle ici </a:t>
+            </a:r>
+            <a:r>
+              <a:rPr lang="fr-FR" sz="1800" kern="100" dirty="0" err="1">
+                <a:effectLst/>
+                <a:latin typeface="Aptos" panose="020B0004020202020204" pitchFamily="34" charset="0"/>
+                <a:ea typeface="Aptos" panose="020B0004020202020204" pitchFamily="34" charset="0"/>
+                <a:cs typeface="Times New Roman" panose="02020603050405020304" pitchFamily="18" charset="0"/>
+              </a:rPr>
+              <a:t>Enumerator</a:t>
+            </a:r>
+            <a:r>
+              <a:rPr lang="fr-FR" sz="1800" kern="100" dirty="0">
+                <a:effectLst/>
+                <a:latin typeface="Aptos" panose="020B0004020202020204" pitchFamily="34" charset="0"/>
+                <a:ea typeface="Aptos" panose="020B0004020202020204" pitchFamily="34" charset="0"/>
+                <a:cs typeface="Times New Roman" panose="02020603050405020304" pitchFamily="18" charset="0"/>
+              </a:rPr>
+              <a:t> </a:t>
+            </a:r>
+          </a:p>
+          <a:p>
+            <a:pPr>
+              <a:lnSpc>
+                <a:spcPct val="115000"/>
+              </a:lnSpc>
+              <a:spcAft>
+                <a:spcPts val="800"/>
+              </a:spcAft>
+            </a:pPr>
+            <a:r>
+              <a:rPr lang="fr-FR" sz="1800" kern="100" dirty="0">
+                <a:effectLst/>
+                <a:latin typeface="Aptos" panose="020B0004020202020204" pitchFamily="34" charset="0"/>
+                <a:ea typeface="Aptos" panose="020B0004020202020204" pitchFamily="34" charset="0"/>
+                <a:cs typeface="Times New Roman" panose="02020603050405020304" pitchFamily="18" charset="0"/>
+              </a:rPr>
+              <a:t>On s’en servira par exemple pour ajouter une partie d’une autre collection (pas forcément une liste d’où l’intérêt du design pattern) à notre liste, c’est la méthode </a:t>
+            </a:r>
+            <a:r>
+              <a:rPr lang="fr-FR" sz="1800" kern="100" dirty="0" err="1">
+                <a:effectLst/>
+                <a:latin typeface="Aptos" panose="020B0004020202020204" pitchFamily="34" charset="0"/>
+                <a:ea typeface="Aptos" panose="020B0004020202020204" pitchFamily="34" charset="0"/>
+                <a:cs typeface="Times New Roman" panose="02020603050405020304" pitchFamily="18" charset="0"/>
+              </a:rPr>
+              <a:t>AddRange</a:t>
+            </a:r>
+            <a:r>
+              <a:rPr lang="fr-FR" sz="1800" kern="100" dirty="0">
+                <a:effectLst/>
+                <a:latin typeface="Aptos" panose="020B0004020202020204" pitchFamily="34" charset="0"/>
+                <a:ea typeface="Aptos" panose="020B0004020202020204" pitchFamily="34" charset="0"/>
+                <a:cs typeface="Times New Roman" panose="02020603050405020304" pitchFamily="18" charset="0"/>
+              </a:rPr>
+              <a:t>.</a:t>
+            </a:r>
+          </a:p>
+          <a:p>
+            <a:pPr>
+              <a:lnSpc>
+                <a:spcPct val="115000"/>
+              </a:lnSpc>
+              <a:spcAft>
+                <a:spcPts val="800"/>
+              </a:spcAft>
+            </a:pPr>
+            <a:r>
+              <a:rPr lang="fr-FR" sz="1800" kern="100" dirty="0">
+                <a:effectLst/>
+                <a:latin typeface="Aptos" panose="020B0004020202020204" pitchFamily="34" charset="0"/>
+                <a:ea typeface="Aptos" panose="020B0004020202020204" pitchFamily="34" charset="0"/>
+                <a:cs typeface="Times New Roman" panose="02020603050405020304" pitchFamily="18" charset="0"/>
+              </a:rPr>
+              <a:t>On voit ici quand il est nécessaire d’utiliser le design pattern et quand ça ne fait que rajouter de la complexité. Microsoft a estimé que l’implémentation de la </a:t>
+            </a:r>
+            <a:r>
+              <a:rPr lang="fr-FR" sz="1800" kern="100" dirty="0" err="1">
+                <a:effectLst/>
+                <a:latin typeface="Aptos" panose="020B0004020202020204" pitchFamily="34" charset="0"/>
+                <a:ea typeface="Aptos" panose="020B0004020202020204" pitchFamily="34" charset="0"/>
+                <a:cs typeface="Times New Roman" panose="02020603050405020304" pitchFamily="18" charset="0"/>
+              </a:rPr>
+              <a:t>list</a:t>
+            </a:r>
+            <a:r>
+              <a:rPr lang="fr-FR" sz="1800" kern="100" dirty="0">
+                <a:effectLst/>
+                <a:latin typeface="Aptos" panose="020B0004020202020204" pitchFamily="34" charset="0"/>
+                <a:ea typeface="Aptos" panose="020B0004020202020204" pitchFamily="34" charset="0"/>
+                <a:cs typeface="Times New Roman" panose="02020603050405020304" pitchFamily="18" charset="0"/>
+              </a:rPr>
+              <a:t> n’avait pas besoin du design pattern lui-même, sauf si elle doit interagir avec des collections qui fonctionnent différemment. </a:t>
+            </a:r>
+          </a:p>
+          <a:p>
+            <a:endParaRPr lang="fr-FR" dirty="0"/>
+          </a:p>
+        </p:txBody>
+      </p:sp>
+      <p:sp>
+        <p:nvSpPr>
+          <p:cNvPr id="4" name="Espace réservé du numéro de diapositive 3"/>
+          <p:cNvSpPr>
+            <a:spLocks noGrp="1"/>
+          </p:cNvSpPr>
+          <p:nvPr>
+            <p:ph type="sldNum" sz="quarter" idx="5"/>
+          </p:nvPr>
+        </p:nvSpPr>
+        <p:spPr/>
+        <p:txBody>
+          <a:bodyPr/>
+          <a:lstStyle/>
+          <a:p>
+            <a:fld id="{48D84180-477A-464B-86BF-96CA3922C210}" type="slidenum">
+              <a:rPr lang="fr-FR" smtClean="0"/>
+              <a:t>6</a:t>
+            </a:fld>
+            <a:endParaRPr lang="fr-FR"/>
+          </a:p>
+        </p:txBody>
+      </p:sp>
+    </p:spTree>
+    <p:extLst>
+      <p:ext uri="{BB962C8B-B14F-4D97-AF65-F5344CB8AC3E}">
+        <p14:creationId xmlns:p14="http://schemas.microsoft.com/office/powerpoint/2010/main" val="2023690134"/>
+      </p:ext>
+    </p:extLst>
+  </p:cSld>
+  <p:clrMapOvr>
+    <a:masterClrMapping/>
+  </p:clrMapOvr>
+</p:notes>
+</file>
+
+<file path=ppt/notesSlides/notesSlide3.xml><?xml version="1.0" encoding="utf-8"?>
+<p:notes xmlns:a="http://schemas.openxmlformats.org/drawingml/2006/main" xmlns:r="http://schemas.openxmlformats.org/officeDocument/2006/relationships" xmlns:p="http://schemas.openxmlformats.org/presentationml/2006/main">
+  <p:cSld>
+    <p:spTree>
+      <p:nvGrpSpPr>
+        <p:cNvPr id="1" name=""/>
+        <p:cNvGrpSpPr/>
+        <p:nvPr/>
+      </p:nvGrpSpPr>
+      <p:grpSpPr>
+        <a:xfrm>
+          <a:off x="0" y="0"/>
+          <a:ext cx="0" cy="0"/>
+          <a:chOff x="0" y="0"/>
+          <a:chExt cx="0" cy="0"/>
+        </a:xfrm>
+      </p:grpSpPr>
+      <p:sp>
+        <p:nvSpPr>
+          <p:cNvPr id="2" name="Espace réservé de l'image des diapositives 1"/>
+          <p:cNvSpPr>
+            <a:spLocks noGrp="1" noRot="1" noChangeAspect="1"/>
+          </p:cNvSpPr>
+          <p:nvPr>
+            <p:ph type="sldImg"/>
+          </p:nvPr>
+        </p:nvSpPr>
+        <p:spPr/>
+      </p:sp>
+      <p:sp>
+        <p:nvSpPr>
+          <p:cNvPr id="3" name="Espace réservé des notes 2"/>
+          <p:cNvSpPr>
+            <a:spLocks noGrp="1"/>
+          </p:cNvSpPr>
+          <p:nvPr>
+            <p:ph type="body" idx="1"/>
+          </p:nvPr>
+        </p:nvSpPr>
+        <p:spPr/>
+        <p:txBody>
+          <a:bodyPr/>
+          <a:lstStyle/>
+          <a:p>
+            <a:pPr marL="0" marR="0" lvl="0" indent="0" algn="l" defTabSz="914400" rtl="0" eaLnBrk="1" fontAlgn="auto" latinLnBrk="0" hangingPunct="1">
+              <a:lnSpc>
+                <a:spcPct val="100000"/>
+              </a:lnSpc>
+              <a:spcBef>
+                <a:spcPts val="0"/>
+              </a:spcBef>
+              <a:spcAft>
+                <a:spcPts val="0"/>
+              </a:spcAft>
+              <a:buClrTx/>
+              <a:buSzTx/>
+              <a:buFontTx/>
+              <a:buNone/>
+              <a:tabLst/>
+              <a:defRPr/>
+            </a:pPr>
+            <a:r>
+              <a:rPr lang="fr-FR" sz="1800" kern="100" dirty="0">
+                <a:effectLst/>
+                <a:latin typeface="Aptos" panose="020B0004020202020204" pitchFamily="34" charset="0"/>
+                <a:ea typeface="Aptos" panose="020B0004020202020204" pitchFamily="34" charset="0"/>
+                <a:cs typeface="Times New Roman" panose="02020603050405020304" pitchFamily="18" charset="0"/>
+              </a:rPr>
+              <a:t>Pour éviter de créer une fonction par type de collection existante, il y a une version optimisée pour ICollection et une version pour les autres où on demande à la collection d’utiliser son propre itérateur pour insérer les éléments un à un dans la liste.</a:t>
+            </a:r>
+          </a:p>
+          <a:p>
             <a:endParaRPr lang="fr-FR" dirty="0"/>
           </a:p>
         </p:txBody>
@@ -784,7 +975,7 @@
 </p:notes>
 </file>
 
-<file path=ppt/notesSlides/notesSlide3.xml><?xml version="1.0" encoding="utf-8"?>
+<file path=ppt/notesSlides/notesSlide4.xml><?xml version="1.0" encoding="utf-8"?>
 <p:notes xmlns:a="http://schemas.openxmlformats.org/drawingml/2006/main" xmlns:r="http://schemas.openxmlformats.org/officeDocument/2006/relationships" xmlns:p="http://schemas.openxmlformats.org/presentationml/2006/main">
   <p:cSld>
     <p:spTree>
@@ -903,7 +1094,7 @@
 </p:notes>
 </file>
 
-<file path=ppt/notesSlides/notesSlide4.xml><?xml version="1.0" encoding="utf-8"?>
+<file path=ppt/notesSlides/notesSlide5.xml><?xml version="1.0" encoding="utf-8"?>
 <p:notes xmlns:a="http://schemas.openxmlformats.org/drawingml/2006/main" xmlns:r="http://schemas.openxmlformats.org/officeDocument/2006/relationships" xmlns:p="http://schemas.openxmlformats.org/presentationml/2006/main">
   <p:cSld>
     <p:spTree>
@@ -1098,7 +1289,7 @@
           <a:p>
             <a:fld id="{48D84180-477A-464B-86BF-96CA3922C210}" type="slidenum">
               <a:rPr lang="fr-FR" smtClean="0"/>
-              <a:t>11</a:t>
+              <a:t>10</a:t>
             </a:fld>
             <a:endParaRPr lang="fr-FR"/>
           </a:p>
@@ -1117,7 +1308,7 @@
 </p:notes>
 </file>
 
-<file path=ppt/notesSlides/notesSlide5.xml><?xml version="1.0" encoding="utf-8"?>
+<file path=ppt/notesSlides/notesSlide6.xml><?xml version="1.0" encoding="utf-8"?>
 <p:notes xmlns:a="http://schemas.openxmlformats.org/drawingml/2006/main" xmlns:r="http://schemas.openxmlformats.org/officeDocument/2006/relationships" xmlns:p="http://schemas.openxmlformats.org/presentationml/2006/main">
   <p:cSld>
     <p:spTree>
@@ -1201,7 +1392,7 @@
           <a:p>
             <a:fld id="{48D84180-477A-464B-86BF-96CA3922C210}" type="slidenum">
               <a:rPr lang="fr-FR" smtClean="0"/>
-              <a:t>12</a:t>
+              <a:t>11</a:t>
             </a:fld>
             <a:endParaRPr lang="fr-FR"/>
           </a:p>
@@ -1220,7 +1411,7 @@
 </p:notes>
 </file>
 
-<file path=ppt/notesSlides/notesSlide6.xml><?xml version="1.0" encoding="utf-8"?>
+<file path=ppt/notesSlides/notesSlide7.xml><?xml version="1.0" encoding="utf-8"?>
 <p:notes xmlns:a="http://schemas.openxmlformats.org/drawingml/2006/main" xmlns:r="http://schemas.openxmlformats.org/officeDocument/2006/relationships" xmlns:p="http://schemas.openxmlformats.org/presentationml/2006/main">
   <p:cSld>
     <p:spTree>
@@ -1399,7 +1590,7 @@
 </p:notes>
 </file>
 
-<file path=ppt/notesSlides/notesSlide7.xml><?xml version="1.0" encoding="utf-8"?>
+<file path=ppt/notesSlides/notesSlide8.xml><?xml version="1.0" encoding="utf-8"?>
 <p:notes xmlns:a="http://schemas.openxmlformats.org/drawingml/2006/main" xmlns:r="http://schemas.openxmlformats.org/officeDocument/2006/relationships" xmlns:p="http://schemas.openxmlformats.org/presentationml/2006/main">
   <p:cSld>
     <p:spTree>
@@ -1907,9 +2098,9 @@
             </a:lvl1pPr>
           </a:lstStyle>
           <a:p>
-            <a:fld id="{12241623-A064-4BED-B073-BA4D61433402}" type="datetime1">
+            <a:fld id="{B31607DD-8D99-4230-A445-A19E20C55594}" type="datetime1">
               <a:rPr lang="en-US" smtClean="0"/>
-              <a:t>12/2/2024</a:t>
+              <a:t>12/3/2024</a:t>
             </a:fld>
             <a:endParaRPr lang="en-US" dirty="0"/>
           </a:p>
@@ -2718,9 +2909,9 @@
           <a:bodyPr/>
           <a:lstStyle/>
           <a:p>
-            <a:fld id="{6F86ED0C-1DA7-41F0-94CF-6218B1FEDFF1}" type="datetime1">
+            <a:fld id="{62B7C118-15AE-41DB-8CC8-7DC847C37ACD}" type="datetime1">
               <a:rPr lang="en-US" smtClean="0"/>
-              <a:t>12/2/2024</a:t>
+              <a:t>12/3/2024</a:t>
             </a:fld>
             <a:endParaRPr lang="en-US" dirty="0"/>
           </a:p>
@@ -2917,9 +3108,9 @@
           <a:bodyPr/>
           <a:lstStyle/>
           <a:p>
-            <a:fld id="{EECF02AB-6034-4B88-BC5A-7C17CB0EF809}" type="datetime1">
+            <a:fld id="{5F7D9F23-983D-4E90-831C-D5C04F102D94}" type="datetime1">
               <a:rPr lang="en-US" smtClean="0"/>
-              <a:t>12/2/2024</a:t>
+              <a:t>12/3/2024</a:t>
             </a:fld>
             <a:endParaRPr lang="en-US" dirty="0"/>
           </a:p>
@@ -3152,9 +3343,9 @@
           <a:bodyPr/>
           <a:lstStyle/>
           <a:p>
-            <a:fld id="{22F3E5F3-28EE-488F-BD53-B744C06C3DEC}" type="datetime1">
+            <a:fld id="{EFC871DD-2851-4902-BE17-B7266653F2C7}" type="datetime1">
               <a:rPr lang="en-US" smtClean="0"/>
-              <a:t>12/2/2024</a:t>
+              <a:t>12/3/2024</a:t>
             </a:fld>
             <a:endParaRPr lang="en-US" dirty="0"/>
           </a:p>
@@ -5845,9 +6036,9 @@
             </a:lvl1pPr>
           </a:lstStyle>
           <a:p>
-            <a:fld id="{E72EB70D-CD01-44DA-83B3-8FEB3383D307}" type="datetime1">
+            <a:fld id="{A9946E12-FC9E-46BB-8576-84EEBD753403}" type="datetime1">
               <a:rPr lang="en-US" smtClean="0"/>
-              <a:t>12/2/2024</a:t>
+              <a:t>12/3/2024</a:t>
             </a:fld>
             <a:endParaRPr lang="en-US" dirty="0"/>
           </a:p>
@@ -6041,9 +6232,9 @@
           <a:bodyPr/>
           <a:lstStyle/>
           <a:p>
-            <a:fld id="{D0158CFD-9357-46BE-A189-D637A67C8730}" type="datetime1">
+            <a:fld id="{847CD089-AF9F-40D1-A886-8CB1024A89D1}" type="datetime1">
               <a:rPr lang="en-US" smtClean="0"/>
-              <a:t>12/2/2024</a:t>
+              <a:t>12/3/2024</a:t>
             </a:fld>
             <a:endParaRPr lang="en-US" dirty="0"/>
           </a:p>
@@ -6430,9 +6621,9 @@
           <a:bodyPr/>
           <a:lstStyle/>
           <a:p>
-            <a:fld id="{7B4742EE-B331-4632-BD10-A82FED6B6FC0}" type="datetime1">
+            <a:fld id="{8A0F00D2-CCFC-46D0-83F3-AE0651419626}" type="datetime1">
               <a:rPr lang="en-US" smtClean="0"/>
-              <a:t>12/2/2024</a:t>
+              <a:t>12/3/2024</a:t>
             </a:fld>
             <a:endParaRPr lang="en-US" dirty="0"/>
           </a:p>
@@ -6596,9 +6787,9 @@
           <a:bodyPr/>
           <a:lstStyle/>
           <a:p>
-            <a:fld id="{451BA835-D13F-49F4-8F11-5D576AC65FAD}" type="datetime1">
+            <a:fld id="{5A2B0CB5-F66A-4C84-8A26-86C6B8765356}" type="datetime1">
               <a:rPr lang="en-US" smtClean="0"/>
-              <a:t>12/2/2024</a:t>
+              <a:t>12/3/2024</a:t>
             </a:fld>
             <a:endParaRPr lang="en-US" dirty="0"/>
           </a:p>
@@ -6719,9 +6910,9 @@
           <a:bodyPr/>
           <a:lstStyle/>
           <a:p>
-            <a:fld id="{ADBD1799-ACB5-4CB2-86A2-5C574F1C8706}" type="datetime1">
+            <a:fld id="{BC2D71F8-472D-4514-B99E-2ABD3D5618AE}" type="datetime1">
               <a:rPr lang="en-US" smtClean="0"/>
-              <a:t>12/2/2024</a:t>
+              <a:t>12/3/2024</a:t>
             </a:fld>
             <a:endParaRPr lang="en-US" dirty="0"/>
           </a:p>
@@ -7029,9 +7220,9 @@
           <a:bodyPr/>
           <a:lstStyle/>
           <a:p>
-            <a:fld id="{ED5DD0D6-7A82-473E-879B-C6ECD6CCCFEC}" type="datetime1">
+            <a:fld id="{18B25936-9EA0-41D8-9E19-7D6312425B92}" type="datetime1">
               <a:rPr lang="en-US" smtClean="0"/>
-              <a:t>12/2/2024</a:t>
+              <a:t>12/3/2024</a:t>
             </a:fld>
             <a:endParaRPr lang="en-US" dirty="0"/>
           </a:p>
@@ -7329,9 +7520,9 @@
           <a:bodyPr/>
           <a:lstStyle/>
           <a:p>
-            <a:fld id="{D4605E03-BC17-41A7-854C-DFAB672737DC}" type="datetime1">
+            <a:fld id="{5626FFCB-C15A-4318-A20A-4AC4829974B9}" type="datetime1">
               <a:rPr lang="en-US" smtClean="0"/>
-              <a:t>12/2/2024</a:t>
+              <a:t>12/3/2024</a:t>
             </a:fld>
             <a:endParaRPr lang="en-US" dirty="0"/>
           </a:p>
@@ -7581,9 +7772,9 @@
             </a:lvl1pPr>
           </a:lstStyle>
           <a:p>
-            <a:fld id="{C4408324-A84C-4A45-93B6-78D079CCE772}" type="datetime1">
+            <a:fld id="{54B9FF97-0D1A-40D9-8896-246C39C9116E}" type="datetime1">
               <a:rPr lang="en-US" smtClean="0"/>
-              <a:t>12/2/2024</a:t>
+              <a:t>12/3/2024</a:t>
             </a:fld>
             <a:endParaRPr lang="en-US" dirty="0"/>
           </a:p>
@@ -7738,7 +7929,7 @@
     <p:sldLayoutId id="2147483666" r:id="rId10"/>
     <p:sldLayoutId id="2147483668" r:id="rId11"/>
   </p:sldLayoutIdLst>
-  <p:hf sldNum="0" hdr="0" ftr="0" dt="0"/>
+  <p:hf hdr="0" ftr="0" dt="0"/>
   <p:txStyles>
     <p:titleStyle>
       <a:lvl1pPr algn="l" defTabSz="914400" rtl="0" eaLnBrk="1" latinLnBrk="0" hangingPunct="1">
@@ -9362,6 +9553,36 @@
           </a:p>
         </p:txBody>
       </p:sp>
+      <p:sp>
+        <p:nvSpPr>
+          <p:cNvPr id="5" name="Espace réservé du numéro de diapositive 4">
+            <a:extLst>
+              <a:ext uri="{FF2B5EF4-FFF2-40B4-BE49-F238E27FC236}">
+                <a16:creationId xmlns:a16="http://schemas.microsoft.com/office/drawing/2014/main" id="{32E555B9-73A3-0104-FAFD-2ED1BB3F34BE}"/>
+              </a:ext>
+            </a:extLst>
+          </p:cNvPr>
+          <p:cNvSpPr>
+            <a:spLocks noGrp="1"/>
+          </p:cNvSpPr>
+          <p:nvPr>
+            <p:ph type="sldNum" sz="quarter" idx="12"/>
+          </p:nvPr>
+        </p:nvSpPr>
+        <p:spPr/>
+        <p:txBody>
+          <a:bodyPr/>
+          <a:lstStyle/>
+          <a:p>
+            <a:fld id="{FAEF9944-A4F6-4C59-AEBD-678D6480B8EA}" type="slidenum">
+              <a:rPr lang="en-US" smtClean="0"/>
+              <a:pPr/>
+              <a:t>1</a:t>
+            </a:fld>
+            <a:endParaRPr lang="en-US" dirty="0"/>
+          </a:p>
+        </p:txBody>
+      </p:sp>
     </p:spTree>
     <p:extLst>
       <p:ext uri="{BB962C8B-B14F-4D97-AF65-F5344CB8AC3E}">
@@ -9376,1237 +9597,6 @@
 </file>
 
 <file path=ppt/slides/slide10.xml><?xml version="1.0" encoding="utf-8"?>
-<p:sld xmlns:a="http://schemas.openxmlformats.org/drawingml/2006/main" xmlns:r="http://schemas.openxmlformats.org/officeDocument/2006/relationships" xmlns:p="http://schemas.openxmlformats.org/presentationml/2006/main">
-  <p:cSld>
-    <p:bg>
-      <p:bgPr>
-        <a:solidFill>
-          <a:schemeClr val="bg2"/>
-        </a:solidFill>
-        <a:effectLst/>
-      </p:bgPr>
-    </p:bg>
-    <p:spTree>
-      <p:nvGrpSpPr>
-        <p:cNvPr id="1" name="">
-          <a:extLst>
-            <a:ext uri="{FF2B5EF4-FFF2-40B4-BE49-F238E27FC236}">
-              <a16:creationId xmlns:a16="http://schemas.microsoft.com/office/drawing/2014/main" id="{A16FB753-DD63-7C70-DA63-D86F0F845A89}"/>
-            </a:ext>
-          </a:extLst>
-        </p:cNvPr>
-        <p:cNvGrpSpPr/>
-        <p:nvPr/>
-      </p:nvGrpSpPr>
-      <p:grpSpPr>
-        <a:xfrm>
-          <a:off x="0" y="0"/>
-          <a:ext cx="0" cy="0"/>
-          <a:chOff x="0" y="0"/>
-          <a:chExt cx="0" cy="0"/>
-        </a:xfrm>
-      </p:grpSpPr>
-      <p:sp useBgFill="1">
-        <p:nvSpPr>
-          <p:cNvPr id="8" name="Rectangle 7">
-            <a:extLst>
-              <a:ext uri="{FF2B5EF4-FFF2-40B4-BE49-F238E27FC236}">
-                <a16:creationId xmlns:a16="http://schemas.microsoft.com/office/drawing/2014/main" id="{C51A08AC-F796-409C-AD97-8B476289EC51}"/>
-              </a:ext>
-              <a:ext uri="{C183D7F6-B498-43B3-948B-1728B52AA6E4}">
-                <adec:decorative xmlns:adec="http://schemas.microsoft.com/office/drawing/2017/decorative" val="1"/>
-              </a:ext>
-            </a:extLst>
-          </p:cNvPr>
-          <p:cNvSpPr>
-            <a:spLocks noGrp="1" noRot="1" noChangeAspect="1" noMove="1" noResize="1" noEditPoints="1" noAdjustHandles="1" noChangeArrowheads="1" noChangeShapeType="1" noTextEdit="1"/>
-          </p:cNvSpPr>
-          <p:nvPr>
-            <p:extLst>
-              <p:ext uri="{386F3935-93C4-4BCD-93E2-E3B085C9AB24}">
-                <p16:designElem xmlns:p16="http://schemas.microsoft.com/office/powerpoint/2015/main" val="1"/>
-              </p:ext>
-            </p:extLst>
-          </p:nvPr>
-        </p:nvSpPr>
-        <p:spPr>
-          <a:xfrm>
-            <a:off x="153" y="0"/>
-            <a:ext cx="12191695" cy="6858000"/>
-          </a:xfrm>
-          <a:prstGeom prst="rect">
-            <a:avLst/>
-          </a:prstGeom>
-          <a:ln>
-            <a:noFill/>
-          </a:ln>
-        </p:spPr>
-        <p:style>
-          <a:lnRef idx="2">
-            <a:schemeClr val="accent1">
-              <a:shade val="50000"/>
-            </a:schemeClr>
-          </a:lnRef>
-          <a:fillRef idx="1">
-            <a:schemeClr val="accent1"/>
-          </a:fillRef>
-          <a:effectRef idx="0">
-            <a:schemeClr val="accent1"/>
-          </a:effectRef>
-          <a:fontRef idx="minor">
-            <a:schemeClr val="lt1"/>
-          </a:fontRef>
-        </p:style>
-        <p:txBody>
-          <a:bodyPr rtlCol="0" anchor="ctr"/>
-          <a:lstStyle/>
-          <a:p>
-            <a:pPr marL="0" marR="0" lvl="0" indent="0" algn="ctr" defTabSz="457200" rtl="0" eaLnBrk="1" fontAlgn="auto" latinLnBrk="0" hangingPunct="1">
-              <a:lnSpc>
-                <a:spcPct val="100000"/>
-              </a:lnSpc>
-              <a:spcBef>
-                <a:spcPts val="0"/>
-              </a:spcBef>
-              <a:spcAft>
-                <a:spcPts val="0"/>
-              </a:spcAft>
-              <a:buClrTx/>
-              <a:buSzTx/>
-              <a:buFontTx/>
-              <a:buNone/>
-              <a:tabLst/>
-              <a:defRPr/>
-            </a:pPr>
-            <a:endParaRPr kumimoji="0" lang="en-US" sz="1800" b="0" i="0" u="none" strike="noStrike" kern="1200" cap="none" spc="0" normalizeH="0" baseline="0" noProof="0" dirty="0">
-              <a:ln>
-                <a:noFill/>
-              </a:ln>
-              <a:solidFill>
-                <a:prstClr val="white"/>
-              </a:solidFill>
-              <a:effectLst/>
-              <a:uLnTx/>
-              <a:uFillTx/>
-              <a:latin typeface="Meiryo"/>
-              <a:ea typeface="+mn-ea"/>
-              <a:cs typeface="+mn-cs"/>
-            </a:endParaRPr>
-          </a:p>
-        </p:txBody>
-      </p:sp>
-      <p:grpSp>
-        <p:nvGrpSpPr>
-          <p:cNvPr id="10" name="Group 9">
-            <a:extLst>
-              <a:ext uri="{FF2B5EF4-FFF2-40B4-BE49-F238E27FC236}">
-                <a16:creationId xmlns:a16="http://schemas.microsoft.com/office/drawing/2014/main" id="{1E1B312B-4E9A-405C-9CE8-10325438035E}"/>
-              </a:ext>
-              <a:ext uri="{C183D7F6-B498-43B3-948B-1728B52AA6E4}">
-                <adec:decorative xmlns:adec="http://schemas.microsoft.com/office/drawing/2017/decorative" val="1"/>
-              </a:ext>
-            </a:extLst>
-          </p:cNvPr>
-          <p:cNvGrpSpPr>
-            <a:grpSpLocks noGrp="1" noUngrp="1" noRot="1" noChangeAspect="1" noMove="1" noResize="1"/>
-          </p:cNvGrpSpPr>
-          <p:nvPr>
-            <p:extLst>
-              <p:ext uri="{386F3935-93C4-4BCD-93E2-E3B085C9AB24}">
-                <p16:designElem xmlns:p16="http://schemas.microsoft.com/office/powerpoint/2015/main" val="1"/>
-              </p:ext>
-            </p:extLst>
-          </p:nvPr>
-        </p:nvGrpSpPr>
-        <p:grpSpPr>
-          <a:xfrm>
-            <a:off x="-1" y="0"/>
-            <a:ext cx="10853745" cy="6858000"/>
-            <a:chOff x="-1" y="0"/>
-            <a:chExt cx="10934058" cy="6858000"/>
-          </a:xfrm>
-        </p:grpSpPr>
-        <p:sp>
-          <p:nvSpPr>
-            <p:cNvPr id="11" name="Freeform: Shape 10">
-              <a:extLst>
-                <a:ext uri="{FF2B5EF4-FFF2-40B4-BE49-F238E27FC236}">
-                  <a16:creationId xmlns:a16="http://schemas.microsoft.com/office/drawing/2014/main" id="{027ED404-4912-4C80-B5EB-98E67EB26AD0}"/>
-                </a:ext>
-                <a:ext uri="{C183D7F6-B498-43B3-948B-1728B52AA6E4}">
-                  <adec:decorative xmlns:adec="http://schemas.microsoft.com/office/drawing/2017/decorative" val="1"/>
-                </a:ext>
-              </a:extLst>
-            </p:cNvPr>
-            <p:cNvSpPr/>
-            <p:nvPr>
-              <p:extLst>
-                <p:ext uri="{386F3935-93C4-4BCD-93E2-E3B085C9AB24}">
-                  <p16:designElem xmlns:p16="http://schemas.microsoft.com/office/powerpoint/2015/main" val="1"/>
-                </p:ext>
-              </p:extLst>
-            </p:nvPr>
-          </p:nvSpPr>
-          <p:spPr>
-            <a:xfrm>
-              <a:off x="-1" y="0"/>
-              <a:ext cx="10515600" cy="6858000"/>
-            </a:xfrm>
-            <a:custGeom>
-              <a:avLst/>
-              <a:gdLst>
-                <a:gd name="connsiteX0" fmla="*/ 0 w 10515600"/>
-                <a:gd name="connsiteY0" fmla="*/ 0 h 6858000"/>
-                <a:gd name="connsiteX1" fmla="*/ 3039549 w 10515600"/>
-                <a:gd name="connsiteY1" fmla="*/ 0 h 6858000"/>
-                <a:gd name="connsiteX2" fmla="*/ 3387573 w 10515600"/>
-                <a:gd name="connsiteY2" fmla="*/ 0 h 6858000"/>
-                <a:gd name="connsiteX3" fmla="*/ 3678072 w 10515600"/>
-                <a:gd name="connsiteY3" fmla="*/ 0 h 6858000"/>
-                <a:gd name="connsiteX4" fmla="*/ 3721524 w 10515600"/>
-                <a:gd name="connsiteY4" fmla="*/ 0 h 6858000"/>
-                <a:gd name="connsiteX5" fmla="*/ 4595394 w 10515600"/>
-                <a:gd name="connsiteY5" fmla="*/ 0 h 6858000"/>
-                <a:gd name="connsiteX6" fmla="*/ 4607603 w 10515600"/>
-                <a:gd name="connsiteY6" fmla="*/ 0 h 6858000"/>
-                <a:gd name="connsiteX7" fmla="*/ 4733044 w 10515600"/>
-                <a:gd name="connsiteY7" fmla="*/ 0 h 6858000"/>
-                <a:gd name="connsiteX8" fmla="*/ 6226185 w 10515600"/>
-                <a:gd name="connsiteY8" fmla="*/ 0 h 6858000"/>
-                <a:gd name="connsiteX9" fmla="*/ 8892577 w 10515600"/>
-                <a:gd name="connsiteY9" fmla="*/ 0 h 6858000"/>
-                <a:gd name="connsiteX10" fmla="*/ 8914701 w 10515600"/>
-                <a:gd name="connsiteY10" fmla="*/ 14997 h 6858000"/>
-                <a:gd name="connsiteX11" fmla="*/ 10515600 w 10515600"/>
-                <a:gd name="connsiteY11" fmla="*/ 3621656 h 6858000"/>
-                <a:gd name="connsiteX12" fmla="*/ 8641250 w 10515600"/>
-                <a:gd name="connsiteY12" fmla="*/ 6374814 h 6858000"/>
-                <a:gd name="connsiteX13" fmla="*/ 8124602 w 10515600"/>
-                <a:gd name="connsiteY13" fmla="*/ 6780599 h 6858000"/>
-                <a:gd name="connsiteX14" fmla="*/ 8012846 w 10515600"/>
-                <a:gd name="connsiteY14" fmla="*/ 6858000 h 6858000"/>
-                <a:gd name="connsiteX15" fmla="*/ 6226185 w 10515600"/>
-                <a:gd name="connsiteY15" fmla="*/ 6858000 h 6858000"/>
-                <a:gd name="connsiteX16" fmla="*/ 4607603 w 10515600"/>
-                <a:gd name="connsiteY16" fmla="*/ 6858000 h 6858000"/>
-                <a:gd name="connsiteX17" fmla="*/ 4595394 w 10515600"/>
-                <a:gd name="connsiteY17" fmla="*/ 6858000 h 6858000"/>
-                <a:gd name="connsiteX18" fmla="*/ 4424650 w 10515600"/>
-                <a:gd name="connsiteY18" fmla="*/ 6858000 h 6858000"/>
-                <a:gd name="connsiteX19" fmla="*/ 3721524 w 10515600"/>
-                <a:gd name="connsiteY19" fmla="*/ 6858000 h 6858000"/>
-                <a:gd name="connsiteX20" fmla="*/ 3678072 w 10515600"/>
-                <a:gd name="connsiteY20" fmla="*/ 6858000 h 6858000"/>
-                <a:gd name="connsiteX21" fmla="*/ 3387573 w 10515600"/>
-                <a:gd name="connsiteY21" fmla="*/ 6858000 h 6858000"/>
-                <a:gd name="connsiteX22" fmla="*/ 3039549 w 10515600"/>
-                <a:gd name="connsiteY22" fmla="*/ 6858000 h 6858000"/>
-                <a:gd name="connsiteX23" fmla="*/ 0 w 10515600"/>
-                <a:gd name="connsiteY23" fmla="*/ 6858000 h 6858000"/>
-              </a:gdLst>
-              <a:ahLst/>
-              <a:cxnLst>
-                <a:cxn ang="0">
-                  <a:pos x="connsiteX0" y="connsiteY0"/>
-                </a:cxn>
-                <a:cxn ang="0">
-                  <a:pos x="connsiteX1" y="connsiteY1"/>
-                </a:cxn>
-                <a:cxn ang="0">
-                  <a:pos x="connsiteX2" y="connsiteY2"/>
-                </a:cxn>
-                <a:cxn ang="0">
-                  <a:pos x="connsiteX3" y="connsiteY3"/>
-                </a:cxn>
-                <a:cxn ang="0">
-                  <a:pos x="connsiteX4" y="connsiteY4"/>
-                </a:cxn>
-                <a:cxn ang="0">
-                  <a:pos x="connsiteX5" y="connsiteY5"/>
-                </a:cxn>
-                <a:cxn ang="0">
-                  <a:pos x="connsiteX6" y="connsiteY6"/>
-                </a:cxn>
-                <a:cxn ang="0">
-                  <a:pos x="connsiteX7" y="connsiteY7"/>
-                </a:cxn>
-                <a:cxn ang="0">
-                  <a:pos x="connsiteX8" y="connsiteY8"/>
-                </a:cxn>
-                <a:cxn ang="0">
-                  <a:pos x="connsiteX9" y="connsiteY9"/>
-                </a:cxn>
-                <a:cxn ang="0">
-                  <a:pos x="connsiteX10" y="connsiteY10"/>
-                </a:cxn>
-                <a:cxn ang="0">
-                  <a:pos x="connsiteX11" y="connsiteY11"/>
-                </a:cxn>
-                <a:cxn ang="0">
-                  <a:pos x="connsiteX12" y="connsiteY12"/>
-                </a:cxn>
-                <a:cxn ang="0">
-                  <a:pos x="connsiteX13" y="connsiteY13"/>
-                </a:cxn>
-                <a:cxn ang="0">
-                  <a:pos x="connsiteX14" y="connsiteY14"/>
-                </a:cxn>
-                <a:cxn ang="0">
-                  <a:pos x="connsiteX15" y="connsiteY15"/>
-                </a:cxn>
-                <a:cxn ang="0">
-                  <a:pos x="connsiteX16" y="connsiteY16"/>
-                </a:cxn>
-                <a:cxn ang="0">
-                  <a:pos x="connsiteX17" y="connsiteY17"/>
-                </a:cxn>
-                <a:cxn ang="0">
-                  <a:pos x="connsiteX18" y="connsiteY18"/>
-                </a:cxn>
-                <a:cxn ang="0">
-                  <a:pos x="connsiteX19" y="connsiteY19"/>
-                </a:cxn>
-                <a:cxn ang="0">
-                  <a:pos x="connsiteX20" y="connsiteY20"/>
-                </a:cxn>
-                <a:cxn ang="0">
-                  <a:pos x="connsiteX21" y="connsiteY21"/>
-                </a:cxn>
-                <a:cxn ang="0">
-                  <a:pos x="connsiteX22" y="connsiteY22"/>
-                </a:cxn>
-                <a:cxn ang="0">
-                  <a:pos x="connsiteX23" y="connsiteY23"/>
-                </a:cxn>
-              </a:cxnLst>
-              <a:rect l="l" t="t" r="r" b="b"/>
-              <a:pathLst>
-                <a:path w="10515600" h="6858000">
-                  <a:moveTo>
-                    <a:pt x="0" y="0"/>
-                  </a:moveTo>
-                  <a:lnTo>
-                    <a:pt x="3039549" y="0"/>
-                  </a:lnTo>
-                  <a:lnTo>
-                    <a:pt x="3387573" y="0"/>
-                  </a:lnTo>
-                  <a:lnTo>
-                    <a:pt x="3678072" y="0"/>
-                  </a:lnTo>
-                  <a:lnTo>
-                    <a:pt x="3721524" y="0"/>
-                  </a:lnTo>
-                  <a:lnTo>
-                    <a:pt x="4595394" y="0"/>
-                  </a:lnTo>
-                  <a:lnTo>
-                    <a:pt x="4607603" y="0"/>
-                  </a:lnTo>
-                  <a:lnTo>
-                    <a:pt x="4733044" y="0"/>
-                  </a:lnTo>
-                  <a:lnTo>
-                    <a:pt x="6226185" y="0"/>
-                  </a:lnTo>
-                  <a:lnTo>
-                    <a:pt x="8892577" y="0"/>
-                  </a:lnTo>
-                  <a:lnTo>
-                    <a:pt x="8914701" y="14997"/>
-                  </a:lnTo>
-                  <a:cubicBezTo>
-                    <a:pt x="9941864" y="754641"/>
-                    <a:pt x="10515600" y="2093192"/>
-                    <a:pt x="10515600" y="3621656"/>
-                  </a:cubicBezTo>
-                  <a:cubicBezTo>
-                    <a:pt x="10515600" y="4969131"/>
-                    <a:pt x="9586875" y="5602839"/>
-                    <a:pt x="8641250" y="6374814"/>
-                  </a:cubicBezTo>
-                  <a:cubicBezTo>
-                    <a:pt x="8469047" y="6515397"/>
-                    <a:pt x="8298420" y="6653108"/>
-                    <a:pt x="8124602" y="6780599"/>
-                  </a:cubicBezTo>
-                  <a:lnTo>
-                    <a:pt x="8012846" y="6858000"/>
-                  </a:lnTo>
-                  <a:lnTo>
-                    <a:pt x="6226185" y="6858000"/>
-                  </a:lnTo>
-                  <a:lnTo>
-                    <a:pt x="4607603" y="6858000"/>
-                  </a:lnTo>
-                  <a:lnTo>
-                    <a:pt x="4595394" y="6858000"/>
-                  </a:lnTo>
-                  <a:lnTo>
-                    <a:pt x="4424650" y="6858000"/>
-                  </a:lnTo>
-                  <a:lnTo>
-                    <a:pt x="3721524" y="6858000"/>
-                  </a:lnTo>
-                  <a:lnTo>
-                    <a:pt x="3678072" y="6858000"/>
-                  </a:lnTo>
-                  <a:lnTo>
-                    <a:pt x="3387573" y="6858000"/>
-                  </a:lnTo>
-                  <a:lnTo>
-                    <a:pt x="3039549" y="6858000"/>
-                  </a:lnTo>
-                  <a:lnTo>
-                    <a:pt x="0" y="6858000"/>
-                  </a:lnTo>
-                  <a:close/>
-                </a:path>
-              </a:pathLst>
-            </a:custGeom>
-            <a:solidFill>
-              <a:schemeClr val="bg1">
-                <a:alpha val="60000"/>
-              </a:schemeClr>
-            </a:solidFill>
-            <a:ln>
-              <a:noFill/>
-            </a:ln>
-          </p:spPr>
-          <p:style>
-            <a:lnRef idx="2">
-              <a:schemeClr val="accent1">
-                <a:shade val="50000"/>
-              </a:schemeClr>
-            </a:lnRef>
-            <a:fillRef idx="1">
-              <a:schemeClr val="accent1"/>
-            </a:fillRef>
-            <a:effectRef idx="0">
-              <a:schemeClr val="accent1"/>
-            </a:effectRef>
-            <a:fontRef idx="minor">
-              <a:schemeClr val="lt1"/>
-            </a:fontRef>
-          </p:style>
-          <p:txBody>
-            <a:bodyPr wrap="square" rtlCol="0" anchor="ctr">
-              <a:noAutofit/>
-            </a:bodyPr>
-            <a:lstStyle/>
-            <a:p>
-              <a:pPr algn="ctr"/>
-              <a:endParaRPr lang="en-US"/>
-            </a:p>
-          </p:txBody>
-        </p:sp>
-        <p:sp>
-          <p:nvSpPr>
-            <p:cNvPr id="12" name="Freeform: Shape 11">
-              <a:extLst>
-                <a:ext uri="{FF2B5EF4-FFF2-40B4-BE49-F238E27FC236}">
-                  <a16:creationId xmlns:a16="http://schemas.microsoft.com/office/drawing/2014/main" id="{4E58012C-4DA3-4ED3-9500-41F9AF60B1A1}"/>
-                </a:ext>
-                <a:ext uri="{C183D7F6-B498-43B3-948B-1728B52AA6E4}">
-                  <adec:decorative xmlns:adec="http://schemas.microsoft.com/office/drawing/2017/decorative" val="1"/>
-                </a:ext>
-              </a:extLst>
-            </p:cNvPr>
-            <p:cNvSpPr/>
-            <p:nvPr>
-              <p:extLst>
-                <p:ext uri="{386F3935-93C4-4BCD-93E2-E3B085C9AB24}">
-                  <p16:designElem xmlns:p16="http://schemas.microsoft.com/office/powerpoint/2015/main" val="1"/>
-                </p:ext>
-              </p:extLst>
-            </p:nvPr>
-          </p:nvSpPr>
-          <p:spPr>
-            <a:xfrm>
-              <a:off x="8404334" y="0"/>
-              <a:ext cx="2529723" cy="6858000"/>
-            </a:xfrm>
-            <a:custGeom>
-              <a:avLst/>
-              <a:gdLst>
-                <a:gd name="connsiteX0" fmla="*/ 1258269 w 2529723"/>
-                <a:gd name="connsiteY0" fmla="*/ 0 h 6858000"/>
-                <a:gd name="connsiteX1" fmla="*/ 1275627 w 2529723"/>
-                <a:gd name="connsiteY1" fmla="*/ 0 h 6858000"/>
-                <a:gd name="connsiteX2" fmla="*/ 1302560 w 2529723"/>
-                <a:gd name="connsiteY2" fmla="*/ 24338 h 6858000"/>
-                <a:gd name="connsiteX3" fmla="*/ 2522825 w 2529723"/>
-                <a:gd name="connsiteY3" fmla="*/ 3678515 h 6858000"/>
-                <a:gd name="connsiteX4" fmla="*/ 557500 w 2529723"/>
-                <a:gd name="connsiteY4" fmla="*/ 6451411 h 6858000"/>
-                <a:gd name="connsiteX5" fmla="*/ 32482 w 2529723"/>
-                <a:gd name="connsiteY5" fmla="*/ 6849373 h 6858000"/>
-                <a:gd name="connsiteX6" fmla="*/ 19531 w 2529723"/>
-                <a:gd name="connsiteY6" fmla="*/ 6858000 h 6858000"/>
-                <a:gd name="connsiteX7" fmla="*/ 0 w 2529723"/>
-                <a:gd name="connsiteY7" fmla="*/ 6858000 h 6858000"/>
-                <a:gd name="connsiteX8" fmla="*/ 14202 w 2529723"/>
-                <a:gd name="connsiteY8" fmla="*/ 6848540 h 6858000"/>
-                <a:gd name="connsiteX9" fmla="*/ 539221 w 2529723"/>
-                <a:gd name="connsiteY9" fmla="*/ 6450578 h 6858000"/>
-                <a:gd name="connsiteX10" fmla="*/ 2504546 w 2529723"/>
-                <a:gd name="connsiteY10" fmla="*/ 3677682 h 6858000"/>
-                <a:gd name="connsiteX11" fmla="*/ 1284280 w 2529723"/>
-                <a:gd name="connsiteY11" fmla="*/ 23504 h 6858000"/>
-              </a:gdLst>
-              <a:ahLst/>
-              <a:cxnLst>
-                <a:cxn ang="0">
-                  <a:pos x="connsiteX0" y="connsiteY0"/>
-                </a:cxn>
-                <a:cxn ang="0">
-                  <a:pos x="connsiteX1" y="connsiteY1"/>
-                </a:cxn>
-                <a:cxn ang="0">
-                  <a:pos x="connsiteX2" y="connsiteY2"/>
-                </a:cxn>
-                <a:cxn ang="0">
-                  <a:pos x="connsiteX3" y="connsiteY3"/>
-                </a:cxn>
-                <a:cxn ang="0">
-                  <a:pos x="connsiteX4" y="connsiteY4"/>
-                </a:cxn>
-                <a:cxn ang="0">
-                  <a:pos x="connsiteX5" y="connsiteY5"/>
-                </a:cxn>
-                <a:cxn ang="0">
-                  <a:pos x="connsiteX6" y="connsiteY6"/>
-                </a:cxn>
-                <a:cxn ang="0">
-                  <a:pos x="connsiteX7" y="connsiteY7"/>
-                </a:cxn>
-                <a:cxn ang="0">
-                  <a:pos x="connsiteX8" y="connsiteY8"/>
-                </a:cxn>
-                <a:cxn ang="0">
-                  <a:pos x="connsiteX9" y="connsiteY9"/>
-                </a:cxn>
-                <a:cxn ang="0">
-                  <a:pos x="connsiteX10" y="connsiteY10"/>
-                </a:cxn>
-                <a:cxn ang="0">
-                  <a:pos x="connsiteX11" y="connsiteY11"/>
-                </a:cxn>
-              </a:cxnLst>
-              <a:rect l="l" t="t" r="r" b="b"/>
-              <a:pathLst>
-                <a:path w="2529723" h="6858000">
-                  <a:moveTo>
-                    <a:pt x="1258269" y="0"/>
-                  </a:moveTo>
-                  <a:lnTo>
-                    <a:pt x="1275627" y="0"/>
-                  </a:lnTo>
-                  <a:lnTo>
-                    <a:pt x="1302560" y="24338"/>
-                  </a:lnTo>
-                  <a:cubicBezTo>
-                    <a:pt x="2156831" y="855667"/>
-                    <a:pt x="2590622" y="2191755"/>
-                    <a:pt x="2522825" y="3678515"/>
-                  </a:cubicBezTo>
-                  <a:cubicBezTo>
-                    <a:pt x="2459072" y="5076606"/>
-                    <a:pt x="1519830" y="5692656"/>
-                    <a:pt x="557500" y="6451411"/>
-                  </a:cubicBezTo>
-                  <a:cubicBezTo>
-                    <a:pt x="382255" y="6589587"/>
-                    <a:pt x="208689" y="6724853"/>
-                    <a:pt x="32482" y="6849373"/>
-                  </a:cubicBezTo>
-                  <a:lnTo>
-                    <a:pt x="19531" y="6858000"/>
-                  </a:lnTo>
-                  <a:lnTo>
-                    <a:pt x="0" y="6858000"/>
-                  </a:lnTo>
-                  <a:lnTo>
-                    <a:pt x="14202" y="6848540"/>
-                  </a:lnTo>
-                  <a:cubicBezTo>
-                    <a:pt x="190409" y="6724020"/>
-                    <a:pt x="363976" y="6588754"/>
-                    <a:pt x="539221" y="6450578"/>
-                  </a:cubicBezTo>
-                  <a:cubicBezTo>
-                    <a:pt x="1501550" y="5691822"/>
-                    <a:pt x="2440792" y="5075773"/>
-                    <a:pt x="2504546" y="3677682"/>
-                  </a:cubicBezTo>
-                  <a:cubicBezTo>
-                    <a:pt x="2572343" y="2190921"/>
-                    <a:pt x="2138551" y="854834"/>
-                    <a:pt x="1284280" y="23504"/>
-                  </a:cubicBezTo>
-                  <a:close/>
-                </a:path>
-              </a:pathLst>
-            </a:custGeom>
-            <a:solidFill>
-              <a:srgbClr val="FFFFFF"/>
-            </a:solidFill>
-            <a:ln>
-              <a:noFill/>
-            </a:ln>
-          </p:spPr>
-          <p:style>
-            <a:lnRef idx="2">
-              <a:schemeClr val="accent1">
-                <a:shade val="50000"/>
-              </a:schemeClr>
-            </a:lnRef>
-            <a:fillRef idx="1">
-              <a:schemeClr val="accent1"/>
-            </a:fillRef>
-            <a:effectRef idx="0">
-              <a:schemeClr val="accent1"/>
-            </a:effectRef>
-            <a:fontRef idx="minor">
-              <a:schemeClr val="lt1"/>
-            </a:fontRef>
-          </p:style>
-          <p:txBody>
-            <a:bodyPr wrap="square" rtlCol="0" anchor="ctr">
-              <a:noAutofit/>
-            </a:bodyPr>
-            <a:lstStyle/>
-            <a:p>
-              <a:pPr marL="0" marR="0" lvl="0" indent="0" algn="ctr" defTabSz="457200" rtl="0" eaLnBrk="1" fontAlgn="auto" latinLnBrk="0" hangingPunct="1">
-                <a:lnSpc>
-                  <a:spcPct val="100000"/>
-                </a:lnSpc>
-                <a:spcBef>
-                  <a:spcPts val="0"/>
-                </a:spcBef>
-                <a:spcAft>
-                  <a:spcPts val="0"/>
-                </a:spcAft>
-                <a:buClrTx/>
-                <a:buSzTx/>
-                <a:buFontTx/>
-                <a:buNone/>
-                <a:tabLst/>
-                <a:defRPr/>
-              </a:pPr>
-              <a:endParaRPr kumimoji="0" lang="en-US" sz="1800" b="0" i="0" u="none" strike="noStrike" kern="1200" cap="none" spc="0" normalizeH="0" baseline="0" noProof="0" dirty="0">
-                <a:ln>
-                  <a:noFill/>
-                </a:ln>
-                <a:solidFill>
-                  <a:prstClr val="white"/>
-                </a:solidFill>
-                <a:effectLst/>
-                <a:uLnTx/>
-                <a:uFillTx/>
-                <a:latin typeface="Meiryo"/>
-                <a:ea typeface="+mn-ea"/>
-                <a:cs typeface="+mn-cs"/>
-              </a:endParaRPr>
-            </a:p>
-          </p:txBody>
-        </p:sp>
-        <p:sp>
-          <p:nvSpPr>
-            <p:cNvPr id="13" name="Freeform: Shape 12">
-              <a:extLst>
-                <a:ext uri="{FF2B5EF4-FFF2-40B4-BE49-F238E27FC236}">
-                  <a16:creationId xmlns:a16="http://schemas.microsoft.com/office/drawing/2014/main" id="{59AC73F7-22BD-4C46-B368-3F03B8478F99}"/>
-                </a:ext>
-                <a:ext uri="{C183D7F6-B498-43B3-948B-1728B52AA6E4}">
-                  <adec:decorative xmlns:adec="http://schemas.microsoft.com/office/drawing/2017/decorative" val="1"/>
-                </a:ext>
-              </a:extLst>
-            </p:cNvPr>
-            <p:cNvSpPr/>
-            <p:nvPr>
-              <p:extLst>
-                <p:ext uri="{386F3935-93C4-4BCD-93E2-E3B085C9AB24}">
-                  <p16:designElem xmlns:p16="http://schemas.microsoft.com/office/powerpoint/2015/main" val="1"/>
-                </p:ext>
-              </p:extLst>
-            </p:nvPr>
-          </p:nvSpPr>
-          <p:spPr>
-            <a:xfrm>
-              <a:off x="8184327" y="0"/>
-              <a:ext cx="2536434" cy="6858000"/>
-            </a:xfrm>
-            <a:custGeom>
-              <a:avLst/>
-              <a:gdLst>
-                <a:gd name="connsiteX0" fmla="*/ 879731 w 2536434"/>
-                <a:gd name="connsiteY0" fmla="*/ 0 h 6858000"/>
-                <a:gd name="connsiteX1" fmla="*/ 913411 w 2536434"/>
-                <a:gd name="connsiteY1" fmla="*/ 0 h 6858000"/>
-                <a:gd name="connsiteX2" fmla="*/ 935535 w 2536434"/>
-                <a:gd name="connsiteY2" fmla="*/ 14997 h 6858000"/>
-                <a:gd name="connsiteX3" fmla="*/ 2536434 w 2536434"/>
-                <a:gd name="connsiteY3" fmla="*/ 3621656 h 6858000"/>
-                <a:gd name="connsiteX4" fmla="*/ 662084 w 2536434"/>
-                <a:gd name="connsiteY4" fmla="*/ 6374814 h 6858000"/>
-                <a:gd name="connsiteX5" fmla="*/ 145436 w 2536434"/>
-                <a:gd name="connsiteY5" fmla="*/ 6780599 h 6858000"/>
-                <a:gd name="connsiteX6" fmla="*/ 33680 w 2536434"/>
-                <a:gd name="connsiteY6" fmla="*/ 6858000 h 6858000"/>
-                <a:gd name="connsiteX7" fmla="*/ 0 w 2536434"/>
-                <a:gd name="connsiteY7" fmla="*/ 6858000 h 6858000"/>
-                <a:gd name="connsiteX8" fmla="*/ 111756 w 2536434"/>
-                <a:gd name="connsiteY8" fmla="*/ 6780599 h 6858000"/>
-                <a:gd name="connsiteX9" fmla="*/ 628404 w 2536434"/>
-                <a:gd name="connsiteY9" fmla="*/ 6374814 h 6858000"/>
-                <a:gd name="connsiteX10" fmla="*/ 2502754 w 2536434"/>
-                <a:gd name="connsiteY10" fmla="*/ 3621656 h 6858000"/>
-                <a:gd name="connsiteX11" fmla="*/ 901855 w 2536434"/>
-                <a:gd name="connsiteY11" fmla="*/ 14997 h 6858000"/>
-              </a:gdLst>
-              <a:ahLst/>
-              <a:cxnLst>
-                <a:cxn ang="0">
-                  <a:pos x="connsiteX0" y="connsiteY0"/>
-                </a:cxn>
-                <a:cxn ang="0">
-                  <a:pos x="connsiteX1" y="connsiteY1"/>
-                </a:cxn>
-                <a:cxn ang="0">
-                  <a:pos x="connsiteX2" y="connsiteY2"/>
-                </a:cxn>
-                <a:cxn ang="0">
-                  <a:pos x="connsiteX3" y="connsiteY3"/>
-                </a:cxn>
-                <a:cxn ang="0">
-                  <a:pos x="connsiteX4" y="connsiteY4"/>
-                </a:cxn>
-                <a:cxn ang="0">
-                  <a:pos x="connsiteX5" y="connsiteY5"/>
-                </a:cxn>
-                <a:cxn ang="0">
-                  <a:pos x="connsiteX6" y="connsiteY6"/>
-                </a:cxn>
-                <a:cxn ang="0">
-                  <a:pos x="connsiteX7" y="connsiteY7"/>
-                </a:cxn>
-                <a:cxn ang="0">
-                  <a:pos x="connsiteX8" y="connsiteY8"/>
-                </a:cxn>
-                <a:cxn ang="0">
-                  <a:pos x="connsiteX9" y="connsiteY9"/>
-                </a:cxn>
-                <a:cxn ang="0">
-                  <a:pos x="connsiteX10" y="connsiteY10"/>
-                </a:cxn>
-                <a:cxn ang="0">
-                  <a:pos x="connsiteX11" y="connsiteY11"/>
-                </a:cxn>
-              </a:cxnLst>
-              <a:rect l="l" t="t" r="r" b="b"/>
-              <a:pathLst>
-                <a:path w="2536434" h="6858000">
-                  <a:moveTo>
-                    <a:pt x="879731" y="0"/>
-                  </a:moveTo>
-                  <a:lnTo>
-                    <a:pt x="913411" y="0"/>
-                  </a:lnTo>
-                  <a:lnTo>
-                    <a:pt x="935535" y="14997"/>
-                  </a:lnTo>
-                  <a:cubicBezTo>
-                    <a:pt x="1962698" y="754641"/>
-                    <a:pt x="2536434" y="2093192"/>
-                    <a:pt x="2536434" y="3621656"/>
-                  </a:cubicBezTo>
-                  <a:cubicBezTo>
-                    <a:pt x="2536434" y="4969131"/>
-                    <a:pt x="1607709" y="5602839"/>
-                    <a:pt x="662084" y="6374814"/>
-                  </a:cubicBezTo>
-                  <a:cubicBezTo>
-                    <a:pt x="489881" y="6515397"/>
-                    <a:pt x="319254" y="6653108"/>
-                    <a:pt x="145436" y="6780599"/>
-                  </a:cubicBezTo>
-                  <a:lnTo>
-                    <a:pt x="33680" y="6858000"/>
-                  </a:lnTo>
-                  <a:lnTo>
-                    <a:pt x="0" y="6858000"/>
-                  </a:lnTo>
-                  <a:lnTo>
-                    <a:pt x="111756" y="6780599"/>
-                  </a:lnTo>
-                  <a:cubicBezTo>
-                    <a:pt x="285574" y="6653108"/>
-                    <a:pt x="456201" y="6515397"/>
-                    <a:pt x="628404" y="6374814"/>
-                  </a:cubicBezTo>
-                  <a:cubicBezTo>
-                    <a:pt x="1574029" y="5602839"/>
-                    <a:pt x="2502754" y="4969131"/>
-                    <a:pt x="2502754" y="3621656"/>
-                  </a:cubicBezTo>
-                  <a:cubicBezTo>
-                    <a:pt x="2502754" y="2093192"/>
-                    <a:pt x="1929018" y="754641"/>
-                    <a:pt x="901855" y="14997"/>
-                  </a:cubicBezTo>
-                  <a:close/>
-                </a:path>
-              </a:pathLst>
-            </a:custGeom>
-            <a:solidFill>
-              <a:srgbClr val="FFFFFF"/>
-            </a:solidFill>
-            <a:ln>
-              <a:noFill/>
-            </a:ln>
-          </p:spPr>
-          <p:style>
-            <a:lnRef idx="2">
-              <a:schemeClr val="accent1">
-                <a:shade val="50000"/>
-              </a:schemeClr>
-            </a:lnRef>
-            <a:fillRef idx="1">
-              <a:schemeClr val="accent1"/>
-            </a:fillRef>
-            <a:effectRef idx="0">
-              <a:schemeClr val="accent1"/>
-            </a:effectRef>
-            <a:fontRef idx="minor">
-              <a:schemeClr val="lt1"/>
-            </a:fontRef>
-          </p:style>
-          <p:txBody>
-            <a:bodyPr wrap="square" rtlCol="0" anchor="ctr">
-              <a:noAutofit/>
-            </a:bodyPr>
-            <a:lstStyle/>
-            <a:p>
-              <a:pPr marL="0" marR="0" lvl="0" indent="0" algn="ctr" defTabSz="914400" rtl="0" eaLnBrk="1" fontAlgn="auto" latinLnBrk="0" hangingPunct="1">
-                <a:lnSpc>
-                  <a:spcPct val="100000"/>
-                </a:lnSpc>
-                <a:spcBef>
-                  <a:spcPts val="0"/>
-                </a:spcBef>
-                <a:spcAft>
-                  <a:spcPts val="0"/>
-                </a:spcAft>
-                <a:buClrTx/>
-                <a:buSzTx/>
-                <a:buFontTx/>
-                <a:buNone/>
-                <a:tabLst/>
-                <a:defRPr/>
-              </a:pPr>
-              <a:endParaRPr kumimoji="0" lang="en-US" sz="1800" b="0" i="0" u="none" strike="noStrike" kern="1200" cap="none" spc="0" normalizeH="0" baseline="0" noProof="0" dirty="0">
-                <a:ln>
-                  <a:noFill/>
-                </a:ln>
-                <a:solidFill>
-                  <a:prstClr val="white"/>
-                </a:solidFill>
-                <a:effectLst/>
-                <a:uLnTx/>
-                <a:uFillTx/>
-                <a:latin typeface="Meiryo"/>
-                <a:ea typeface="+mn-ea"/>
-                <a:cs typeface="+mn-cs"/>
-              </a:endParaRPr>
-            </a:p>
-          </p:txBody>
-        </p:sp>
-        <p:sp>
-          <p:nvSpPr>
-            <p:cNvPr id="14" name="Freeform: Shape 13">
-              <a:extLst>
-                <a:ext uri="{FF2B5EF4-FFF2-40B4-BE49-F238E27FC236}">
-                  <a16:creationId xmlns:a16="http://schemas.microsoft.com/office/drawing/2014/main" id="{95C99F96-8984-456F-BD66-5C019A651033}"/>
-                </a:ext>
-                <a:ext uri="{C183D7F6-B498-43B3-948B-1728B52AA6E4}">
-                  <adec:decorative xmlns:adec="http://schemas.microsoft.com/office/drawing/2017/decorative" val="1"/>
-                </a:ext>
-              </a:extLst>
-            </p:cNvPr>
-            <p:cNvSpPr/>
-            <p:nvPr>
-              <p:extLst>
-                <p:ext uri="{386F3935-93C4-4BCD-93E2-E3B085C9AB24}">
-                  <p16:designElem xmlns:p16="http://schemas.microsoft.com/office/powerpoint/2015/main" val="1"/>
-                </p:ext>
-              </p:extLst>
-            </p:nvPr>
-          </p:nvSpPr>
-          <p:spPr>
-            <a:xfrm>
-              <a:off x="7953086" y="0"/>
-              <a:ext cx="2261351" cy="6858000"/>
-            </a:xfrm>
-            <a:custGeom>
-              <a:avLst/>
-              <a:gdLst>
-                <a:gd name="connsiteX0" fmla="*/ 879731 w 2521425"/>
-                <a:gd name="connsiteY0" fmla="*/ 0 h 6858000"/>
-                <a:gd name="connsiteX1" fmla="*/ 898402 w 2521425"/>
-                <a:gd name="connsiteY1" fmla="*/ 0 h 6858000"/>
-                <a:gd name="connsiteX2" fmla="*/ 920526 w 2521425"/>
-                <a:gd name="connsiteY2" fmla="*/ 14997 h 6858000"/>
-                <a:gd name="connsiteX3" fmla="*/ 2521425 w 2521425"/>
-                <a:gd name="connsiteY3" fmla="*/ 3621656 h 6858000"/>
-                <a:gd name="connsiteX4" fmla="*/ 647075 w 2521425"/>
-                <a:gd name="connsiteY4" fmla="*/ 6374814 h 6858000"/>
-                <a:gd name="connsiteX5" fmla="*/ 130427 w 2521425"/>
-                <a:gd name="connsiteY5" fmla="*/ 6780599 h 6858000"/>
-                <a:gd name="connsiteX6" fmla="*/ 18671 w 2521425"/>
-                <a:gd name="connsiteY6" fmla="*/ 6858000 h 6858000"/>
-                <a:gd name="connsiteX7" fmla="*/ 0 w 2521425"/>
-                <a:gd name="connsiteY7" fmla="*/ 6858000 h 6858000"/>
-                <a:gd name="connsiteX8" fmla="*/ 111756 w 2521425"/>
-                <a:gd name="connsiteY8" fmla="*/ 6780599 h 6858000"/>
-                <a:gd name="connsiteX9" fmla="*/ 628404 w 2521425"/>
-                <a:gd name="connsiteY9" fmla="*/ 6374814 h 6858000"/>
-                <a:gd name="connsiteX10" fmla="*/ 2502754 w 2521425"/>
-                <a:gd name="connsiteY10" fmla="*/ 3621656 h 6858000"/>
-                <a:gd name="connsiteX11" fmla="*/ 901855 w 2521425"/>
-                <a:gd name="connsiteY11" fmla="*/ 14997 h 6858000"/>
-              </a:gdLst>
-              <a:ahLst/>
-              <a:cxnLst>
-                <a:cxn ang="0">
-                  <a:pos x="connsiteX0" y="connsiteY0"/>
-                </a:cxn>
-                <a:cxn ang="0">
-                  <a:pos x="connsiteX1" y="connsiteY1"/>
-                </a:cxn>
-                <a:cxn ang="0">
-                  <a:pos x="connsiteX2" y="connsiteY2"/>
-                </a:cxn>
-                <a:cxn ang="0">
-                  <a:pos x="connsiteX3" y="connsiteY3"/>
-                </a:cxn>
-                <a:cxn ang="0">
-                  <a:pos x="connsiteX4" y="connsiteY4"/>
-                </a:cxn>
-                <a:cxn ang="0">
-                  <a:pos x="connsiteX5" y="connsiteY5"/>
-                </a:cxn>
-                <a:cxn ang="0">
-                  <a:pos x="connsiteX6" y="connsiteY6"/>
-                </a:cxn>
-                <a:cxn ang="0">
-                  <a:pos x="connsiteX7" y="connsiteY7"/>
-                </a:cxn>
-                <a:cxn ang="0">
-                  <a:pos x="connsiteX8" y="connsiteY8"/>
-                </a:cxn>
-                <a:cxn ang="0">
-                  <a:pos x="connsiteX9" y="connsiteY9"/>
-                </a:cxn>
-                <a:cxn ang="0">
-                  <a:pos x="connsiteX10" y="connsiteY10"/>
-                </a:cxn>
-                <a:cxn ang="0">
-                  <a:pos x="connsiteX11" y="connsiteY11"/>
-                </a:cxn>
-              </a:cxnLst>
-              <a:rect l="l" t="t" r="r" b="b"/>
-              <a:pathLst>
-                <a:path w="2521425" h="6858000">
-                  <a:moveTo>
-                    <a:pt x="879731" y="0"/>
-                  </a:moveTo>
-                  <a:lnTo>
-                    <a:pt x="898402" y="0"/>
-                  </a:lnTo>
-                  <a:lnTo>
-                    <a:pt x="920526" y="14997"/>
-                  </a:lnTo>
-                  <a:cubicBezTo>
-                    <a:pt x="1947689" y="754641"/>
-                    <a:pt x="2521425" y="2093192"/>
-                    <a:pt x="2521425" y="3621656"/>
-                  </a:cubicBezTo>
-                  <a:cubicBezTo>
-                    <a:pt x="2521425" y="4969131"/>
-                    <a:pt x="1592700" y="5602839"/>
-                    <a:pt x="647075" y="6374814"/>
-                  </a:cubicBezTo>
-                  <a:cubicBezTo>
-                    <a:pt x="474872" y="6515397"/>
-                    <a:pt x="304245" y="6653108"/>
-                    <a:pt x="130427" y="6780599"/>
-                  </a:cubicBezTo>
-                  <a:lnTo>
-                    <a:pt x="18671" y="6858000"/>
-                  </a:lnTo>
-                  <a:lnTo>
-                    <a:pt x="0" y="6858000"/>
-                  </a:lnTo>
-                  <a:lnTo>
-                    <a:pt x="111756" y="6780599"/>
-                  </a:lnTo>
-                  <a:cubicBezTo>
-                    <a:pt x="285574" y="6653108"/>
-                    <a:pt x="456201" y="6515397"/>
-                    <a:pt x="628404" y="6374814"/>
-                  </a:cubicBezTo>
-                  <a:cubicBezTo>
-                    <a:pt x="1574029" y="5602839"/>
-                    <a:pt x="2502754" y="4969131"/>
-                    <a:pt x="2502754" y="3621656"/>
-                  </a:cubicBezTo>
-                  <a:cubicBezTo>
-                    <a:pt x="2502754" y="2093192"/>
-                    <a:pt x="1929018" y="754641"/>
-                    <a:pt x="901855" y="14997"/>
-                  </a:cubicBezTo>
-                  <a:close/>
-                </a:path>
-              </a:pathLst>
-            </a:custGeom>
-            <a:solidFill>
-              <a:schemeClr val="bg2">
-                <a:lumMod val="90000"/>
-              </a:schemeClr>
-            </a:solidFill>
-            <a:ln>
-              <a:noFill/>
-            </a:ln>
-          </p:spPr>
-          <p:style>
-            <a:lnRef idx="2">
-              <a:schemeClr val="accent1">
-                <a:shade val="50000"/>
-              </a:schemeClr>
-            </a:lnRef>
-            <a:fillRef idx="1">
-              <a:schemeClr val="accent1"/>
-            </a:fillRef>
-            <a:effectRef idx="0">
-              <a:schemeClr val="accent1"/>
-            </a:effectRef>
-            <a:fontRef idx="minor">
-              <a:schemeClr val="lt1"/>
-            </a:fontRef>
-          </p:style>
-          <p:txBody>
-            <a:bodyPr wrap="square" rtlCol="0" anchor="ctr">
-              <a:noAutofit/>
-            </a:bodyPr>
-            <a:lstStyle/>
-            <a:p>
-              <a:pPr marL="0" marR="0" lvl="0" indent="0" algn="ctr" defTabSz="914400" rtl="0" eaLnBrk="1" fontAlgn="auto" latinLnBrk="0" hangingPunct="1">
-                <a:lnSpc>
-                  <a:spcPct val="100000"/>
-                </a:lnSpc>
-                <a:spcBef>
-                  <a:spcPts val="0"/>
-                </a:spcBef>
-                <a:spcAft>
-                  <a:spcPts val="0"/>
-                </a:spcAft>
-                <a:buClrTx/>
-                <a:buSzTx/>
-                <a:buFontTx/>
-                <a:buNone/>
-                <a:tabLst/>
-                <a:defRPr/>
-              </a:pPr>
-              <a:endParaRPr kumimoji="0" lang="en-US" sz="1800" b="0" i="0" u="none" strike="noStrike" kern="1200" cap="none" spc="0" normalizeH="0" baseline="0" noProof="0">
-                <a:ln>
-                  <a:noFill/>
-                </a:ln>
-                <a:solidFill>
-                  <a:prstClr val="white"/>
-                </a:solidFill>
-                <a:effectLst/>
-                <a:uLnTx/>
-                <a:uFillTx/>
-                <a:latin typeface="Meiryo"/>
-                <a:ea typeface="+mn-ea"/>
-                <a:cs typeface="+mn-cs"/>
-              </a:endParaRPr>
-            </a:p>
-          </p:txBody>
-        </p:sp>
-      </p:grpSp>
-      <p:sp>
-        <p:nvSpPr>
-          <p:cNvPr id="2" name="Titre 1">
-            <a:extLst>
-              <a:ext uri="{FF2B5EF4-FFF2-40B4-BE49-F238E27FC236}">
-                <a16:creationId xmlns:a16="http://schemas.microsoft.com/office/drawing/2014/main" id="{C0FFC9B9-03D1-CD9B-1877-B3362EED78F9}"/>
-              </a:ext>
-            </a:extLst>
-          </p:cNvPr>
-          <p:cNvSpPr>
-            <a:spLocks noGrp="1"/>
-          </p:cNvSpPr>
-          <p:nvPr>
-            <p:ph type="title"/>
-          </p:nvPr>
-        </p:nvSpPr>
-        <p:spPr>
-          <a:xfrm>
-            <a:off x="147133" y="87638"/>
-            <a:ext cx="6857365" cy="1298700"/>
-          </a:xfrm>
-        </p:spPr>
-        <p:txBody>
-          <a:bodyPr anchor="b">
-            <a:normAutofit fontScale="90000"/>
-          </a:bodyPr>
-          <a:lstStyle/>
-          <a:p>
-            <a:r>
-              <a:rPr lang="fr-FR" dirty="0"/>
-              <a:t>Classe Book: l’élément de base de la collection</a:t>
-            </a:r>
-          </a:p>
-        </p:txBody>
-      </p:sp>
-      <p:pic>
-        <p:nvPicPr>
-          <p:cNvPr id="5" name="Espace réservé du contenu 4" descr="Une image contenant texte, capture d’écran, Police, nombre&#10;&#10;Description générée automatiquement">
-            <a:extLst>
-              <a:ext uri="{FF2B5EF4-FFF2-40B4-BE49-F238E27FC236}">
-                <a16:creationId xmlns:a16="http://schemas.microsoft.com/office/drawing/2014/main" id="{6BAC5B2E-88F6-1926-1C3F-83735D389A88}"/>
-              </a:ext>
-            </a:extLst>
-          </p:cNvPr>
-          <p:cNvPicPr>
-            <a:picLocks noGrp="1" noChangeAspect="1"/>
-          </p:cNvPicPr>
-          <p:nvPr>
-            <p:ph idx="1"/>
-          </p:nvPr>
-        </p:nvPicPr>
-        <p:blipFill>
-          <a:blip r:embed="rId2">
-            <a:extLst>
-              <a:ext uri="{28A0092B-C50C-407E-A947-70E740481C1C}">
-                <a14:useLocalDpi xmlns:a14="http://schemas.microsoft.com/office/drawing/2010/main" val="0"/>
-              </a:ext>
-            </a:extLst>
-          </a:blip>
-          <a:stretch>
-            <a:fillRect/>
-          </a:stretch>
-        </p:blipFill>
-        <p:spPr>
-          <a:xfrm>
-            <a:off x="4448724" y="1620078"/>
-            <a:ext cx="7413153" cy="5162039"/>
-          </a:xfrm>
-        </p:spPr>
-      </p:pic>
-      <p:pic>
-        <p:nvPicPr>
-          <p:cNvPr id="6" name="Espace réservé du contenu 4" descr="Une image contenant texte, capture d’écran, diagramme, Parallèle&#10;&#10;Description générée automatiquement">
-            <a:extLst>
-              <a:ext uri="{FF2B5EF4-FFF2-40B4-BE49-F238E27FC236}">
-                <a16:creationId xmlns:a16="http://schemas.microsoft.com/office/drawing/2014/main" id="{7071D3E0-3E5F-8099-5822-206B0F5D8D68}"/>
-              </a:ext>
-            </a:extLst>
-          </p:cNvPr>
-          <p:cNvPicPr>
-            <a:picLocks noChangeAspect="1"/>
-          </p:cNvPicPr>
-          <p:nvPr/>
-        </p:nvPicPr>
-        <p:blipFill>
-          <a:blip r:embed="rId3">
-            <a:extLst>
-              <a:ext uri="{28A0092B-C50C-407E-A947-70E740481C1C}">
-                <a14:useLocalDpi xmlns:a14="http://schemas.microsoft.com/office/drawing/2010/main" val="0"/>
-              </a:ext>
-            </a:extLst>
-          </a:blip>
-          <a:stretch>
-            <a:fillRect/>
-          </a:stretch>
-        </p:blipFill>
-        <p:spPr>
-          <a:xfrm>
-            <a:off x="167340" y="2564296"/>
-            <a:ext cx="4182768" cy="4217821"/>
-          </a:xfrm>
-          <a:prstGeom prst="rect">
-            <a:avLst/>
-          </a:prstGeom>
-        </p:spPr>
-      </p:pic>
-      <mc:AlternateContent xmlns:mc="http://schemas.openxmlformats.org/markup-compatibility/2006" xmlns:p14="http://schemas.microsoft.com/office/powerpoint/2010/main">
-        <mc:Choice Requires="p14">
-          <p:contentPart p14:bwMode="auto" r:id="rId4">
-            <p14:nvContentPartPr>
-              <p14:cNvPr id="15" name="Encre 14">
-                <a:extLst>
-                  <a:ext uri="{FF2B5EF4-FFF2-40B4-BE49-F238E27FC236}">
-                    <a16:creationId xmlns:a16="http://schemas.microsoft.com/office/drawing/2014/main" id="{9E0E03F7-9ED5-208C-2F31-7C26CD00AC05}"/>
-                  </a:ext>
-                </a:extLst>
-              </p14:cNvPr>
-              <p14:cNvContentPartPr/>
-              <p14:nvPr/>
-            </p14:nvContentPartPr>
-            <p14:xfrm>
-              <a:off x="376654" y="5743643"/>
-              <a:ext cx="1205280" cy="1026720"/>
-            </p14:xfrm>
-          </p:contentPart>
-        </mc:Choice>
-        <mc:Fallback xmlns="">
-          <p:pic>
-            <p:nvPicPr>
-              <p:cNvPr id="15" name="Encre 14">
-                <a:extLst>
-                  <a:ext uri="{FF2B5EF4-FFF2-40B4-BE49-F238E27FC236}">
-                    <a16:creationId xmlns:a16="http://schemas.microsoft.com/office/drawing/2014/main" id="{9E0E03F7-9ED5-208C-2F31-7C26CD00AC05}"/>
-                  </a:ext>
-                </a:extLst>
-              </p:cNvPr>
-              <p:cNvPicPr/>
-              <p:nvPr/>
-            </p:nvPicPr>
-            <p:blipFill>
-              <a:blip r:embed="rId5"/>
-              <a:stretch>
-                <a:fillRect/>
-              </a:stretch>
-            </p:blipFill>
-            <p:spPr>
-              <a:xfrm>
-                <a:off x="370534" y="5737523"/>
-                <a:ext cx="1217520" cy="1038960"/>
-              </a:xfrm>
-              <a:prstGeom prst="rect">
-                <a:avLst/>
-              </a:prstGeom>
-            </p:spPr>
-          </p:pic>
-        </mc:Fallback>
-      </mc:AlternateContent>
-    </p:spTree>
-    <p:extLst>
-      <p:ext uri="{BB962C8B-B14F-4D97-AF65-F5344CB8AC3E}">
-        <p14:creationId xmlns:p14="http://schemas.microsoft.com/office/powerpoint/2010/main" val="2113251696"/>
-      </p:ext>
-    </p:extLst>
-  </p:cSld>
-  <p:clrMapOvr>
-    <a:masterClrMapping/>
-  </p:clrMapOvr>
-</p:sld>
-</file>
-
-<file path=ppt/slides/slide11.xml><?xml version="1.0" encoding="utf-8"?>
 <p:sld xmlns:a="http://schemas.openxmlformats.org/drawingml/2006/main" xmlns:r="http://schemas.openxmlformats.org/officeDocument/2006/relationships" xmlns:p="http://schemas.openxmlformats.org/presentationml/2006/main">
   <p:cSld>
     <p:bg>
@@ -11702,21 +10692,50 @@
           </a:p>
         </p:txBody>
       </p:sp>
+      <p:sp>
+        <p:nvSpPr>
+          <p:cNvPr id="3" name="Espace réservé du numéro de diapositive 2">
+            <a:extLst>
+              <a:ext uri="{FF2B5EF4-FFF2-40B4-BE49-F238E27FC236}">
+                <a16:creationId xmlns:a16="http://schemas.microsoft.com/office/drawing/2014/main" id="{27D9E84F-4FA1-8698-662F-51868F7E413A}"/>
+              </a:ext>
+            </a:extLst>
+          </p:cNvPr>
+          <p:cNvSpPr>
+            <a:spLocks noGrp="1"/>
+          </p:cNvSpPr>
+          <p:nvPr>
+            <p:ph type="sldNum" sz="quarter" idx="12"/>
+          </p:nvPr>
+        </p:nvSpPr>
+        <p:spPr/>
+        <p:txBody>
+          <a:bodyPr/>
+          <a:lstStyle/>
+          <a:p>
+            <a:pPr algn="l"/>
+            <a:fld id="{FAEF9944-A4F6-4C59-AEBD-678D6480B8EA}" type="slidenum">
+              <a:rPr lang="en-US" smtClean="0"/>
+              <a:pPr algn="l"/>
+              <a:t>10</a:t>
+            </a:fld>
+            <a:endParaRPr lang="en-US" dirty="0"/>
+          </a:p>
+        </p:txBody>
+      </p:sp>
       <p:pic>
         <p:nvPicPr>
-          <p:cNvPr id="5" name="Espace réservé du contenu 4">
+          <p:cNvPr id="16" name="Image 15">
             <a:extLst>
               <a:ext uri="{FF2B5EF4-FFF2-40B4-BE49-F238E27FC236}">
-                <a16:creationId xmlns:a16="http://schemas.microsoft.com/office/drawing/2014/main" id="{ACED0AB5-4686-CB0A-90AC-99AA912773A3}"/>
+                <a16:creationId xmlns:a16="http://schemas.microsoft.com/office/drawing/2014/main" id="{56FE8AEA-F866-81A3-6E78-2B2C899186A7}"/>
               </a:ext>
             </a:extLst>
           </p:cNvPr>
           <p:cNvPicPr>
-            <a:picLocks noGrp="1" noChangeAspect="1"/>
+            <a:picLocks noChangeAspect="1"/>
           </p:cNvPicPr>
-          <p:nvPr>
-            <p:ph idx="1"/>
-          </p:nvPr>
+          <p:nvPr/>
         </p:nvPicPr>
         <p:blipFill>
           <a:blip r:embed="rId3"/>
@@ -11726,17 +10745,20 @@
         </p:blipFill>
         <p:spPr>
           <a:xfrm>
-            <a:off x="5973417" y="46088"/>
-            <a:ext cx="5805079" cy="6765824"/>
+            <a:off x="4963134" y="80481"/>
+            <a:ext cx="6488247" cy="6760481"/>
           </a:xfrm>
+          <a:prstGeom prst="rect">
+            <a:avLst/>
+          </a:prstGeom>
         </p:spPr>
       </p:pic>
       <p:pic>
         <p:nvPicPr>
-          <p:cNvPr id="6" name="Espace réservé du contenu 4" descr="Une image contenant texte, capture d’écran, diagramme, Parallèle&#10;&#10;Description générée automatiquement">
+          <p:cNvPr id="18" name="Image 17">
             <a:extLst>
               <a:ext uri="{FF2B5EF4-FFF2-40B4-BE49-F238E27FC236}">
-                <a16:creationId xmlns:a16="http://schemas.microsoft.com/office/drawing/2014/main" id="{D9703DE4-795E-D659-5663-397F9FA9D2DF}"/>
+                <a16:creationId xmlns:a16="http://schemas.microsoft.com/office/drawing/2014/main" id="{68E55C18-9CBD-89D6-C14D-0064A2C65C44}"/>
               </a:ext>
             </a:extLst>
           </p:cNvPr>
@@ -11746,78 +10768,21 @@
           <p:nvPr/>
         </p:nvPicPr>
         <p:blipFill>
-          <a:blip r:embed="rId4">
-            <a:extLst>
-              <a:ext uri="{28A0092B-C50C-407E-A947-70E740481C1C}">
-                <a14:useLocalDpi xmlns:a14="http://schemas.microsoft.com/office/drawing/2010/main" val="0"/>
-              </a:ext>
-            </a:extLst>
-          </a:blip>
+          <a:blip r:embed="rId4"/>
           <a:stretch>
             <a:fillRect/>
           </a:stretch>
         </p:blipFill>
         <p:spPr>
           <a:xfrm>
-            <a:off x="140143" y="1865382"/>
-            <a:ext cx="4822991" cy="4863409"/>
+            <a:off x="131976" y="2666198"/>
+            <a:ext cx="4668225" cy="2759091"/>
           </a:xfrm>
           <a:prstGeom prst="rect">
             <a:avLst/>
           </a:prstGeom>
         </p:spPr>
       </p:pic>
-      <mc:AlternateContent xmlns:mc="http://schemas.openxmlformats.org/markup-compatibility/2006" xmlns:p14="http://schemas.microsoft.com/office/powerpoint/2010/main">
-        <mc:Choice Requires="p14">
-          <p:contentPart p14:bwMode="auto" r:id="rId5">
-            <p14:nvContentPartPr>
-              <p14:cNvPr id="7" name="Encre 6">
-                <a:extLst>
-                  <a:ext uri="{FF2B5EF4-FFF2-40B4-BE49-F238E27FC236}">
-                    <a16:creationId xmlns:a16="http://schemas.microsoft.com/office/drawing/2014/main" id="{ED011AA0-3B07-1E35-6368-F0A04DB7DC9B}"/>
-                  </a:ext>
-                </a:extLst>
-              </p14:cNvPr>
-              <p14:cNvContentPartPr/>
-              <p14:nvPr/>
-            </p14:nvContentPartPr>
-            <p14:xfrm>
-              <a:off x="178294" y="3914123"/>
-              <a:ext cx="2217960" cy="1483920"/>
-            </p14:xfrm>
-          </p:contentPart>
-        </mc:Choice>
-        <mc:Fallback xmlns="">
-          <p:pic>
-            <p:nvPicPr>
-              <p:cNvPr id="7" name="Encre 6">
-                <a:extLst>
-                  <a:ext uri="{FF2B5EF4-FFF2-40B4-BE49-F238E27FC236}">
-                    <a16:creationId xmlns:a16="http://schemas.microsoft.com/office/drawing/2014/main" id="{ED011AA0-3B07-1E35-6368-F0A04DB7DC9B}"/>
-                  </a:ext>
-                </a:extLst>
-              </p:cNvPr>
-              <p:cNvPicPr/>
-              <p:nvPr/>
-            </p:nvPicPr>
-            <p:blipFill>
-              <a:blip r:embed="rId6"/>
-              <a:stretch>
-                <a:fillRect/>
-              </a:stretch>
-            </p:blipFill>
-            <p:spPr>
-              <a:xfrm>
-                <a:off x="172174" y="3908003"/>
-                <a:ext cx="2230200" cy="1496160"/>
-              </a:xfrm>
-              <a:prstGeom prst="rect">
-                <a:avLst/>
-              </a:prstGeom>
-            </p:spPr>
-          </p:pic>
-        </mc:Fallback>
-      </mc:AlternateContent>
     </p:spTree>
     <p:extLst>
       <p:ext uri="{BB962C8B-B14F-4D97-AF65-F5344CB8AC3E}">
@@ -11831,7 +10796,7 @@
 </p:sld>
 </file>
 
-<file path=ppt/slides/slide12.xml><?xml version="1.0" encoding="utf-8"?>
+<file path=ppt/slides/slide11.xml><?xml version="1.0" encoding="utf-8"?>
 <p:sld xmlns:a="http://schemas.openxmlformats.org/drawingml/2006/main" xmlns:r="http://schemas.openxmlformats.org/officeDocument/2006/relationships" xmlns:p="http://schemas.openxmlformats.org/presentationml/2006/main">
   <p:cSld>
     <p:bg>
@@ -12927,12 +11892,43 @@
           </a:p>
         </p:txBody>
       </p:sp>
+      <p:sp>
+        <p:nvSpPr>
+          <p:cNvPr id="3" name="Espace réservé du numéro de diapositive 2">
+            <a:extLst>
+              <a:ext uri="{FF2B5EF4-FFF2-40B4-BE49-F238E27FC236}">
+                <a16:creationId xmlns:a16="http://schemas.microsoft.com/office/drawing/2014/main" id="{8808A252-BD09-9FD3-357D-31EB77B94D6F}"/>
+              </a:ext>
+            </a:extLst>
+          </p:cNvPr>
+          <p:cNvSpPr>
+            <a:spLocks noGrp="1"/>
+          </p:cNvSpPr>
+          <p:nvPr>
+            <p:ph type="sldNum" sz="quarter" idx="12"/>
+          </p:nvPr>
+        </p:nvSpPr>
+        <p:spPr/>
+        <p:txBody>
+          <a:bodyPr/>
+          <a:lstStyle/>
+          <a:p>
+            <a:pPr algn="l"/>
+            <a:fld id="{FAEF9944-A4F6-4C59-AEBD-678D6480B8EA}" type="slidenum">
+              <a:rPr lang="en-US" smtClean="0"/>
+              <a:pPr algn="l"/>
+              <a:t>11</a:t>
+            </a:fld>
+            <a:endParaRPr lang="en-US" dirty="0"/>
+          </a:p>
+        </p:txBody>
+      </p:sp>
       <p:pic>
         <p:nvPicPr>
-          <p:cNvPr id="6" name="Espace réservé du contenu 4" descr="Une image contenant texte, capture d’écran, diagramme, Parallèle&#10;&#10;Description générée automatiquement">
+          <p:cNvPr id="9" name="Image 8">
             <a:extLst>
               <a:ext uri="{FF2B5EF4-FFF2-40B4-BE49-F238E27FC236}">
-                <a16:creationId xmlns:a16="http://schemas.microsoft.com/office/drawing/2014/main" id="{CD1B9D88-F870-6320-6965-4EDB2085B5D2}"/>
+                <a16:creationId xmlns:a16="http://schemas.microsoft.com/office/drawing/2014/main" id="{CDED5A45-10E3-C8E7-2F8E-25CE54267092}"/>
               </a:ext>
             </a:extLst>
           </p:cNvPr>
@@ -12942,84 +11938,27 @@
           <p:nvPr/>
         </p:nvPicPr>
         <p:blipFill>
-          <a:blip r:embed="rId3">
-            <a:extLst>
-              <a:ext uri="{28A0092B-C50C-407E-A947-70E740481C1C}">
-                <a14:useLocalDpi xmlns:a14="http://schemas.microsoft.com/office/drawing/2010/main" val="0"/>
-              </a:ext>
-            </a:extLst>
-          </a:blip>
+          <a:blip r:embed="rId3"/>
           <a:stretch>
             <a:fillRect/>
           </a:stretch>
         </p:blipFill>
         <p:spPr>
           <a:xfrm>
-            <a:off x="88577" y="2084651"/>
-            <a:ext cx="4733680" cy="4773349"/>
+            <a:off x="4527912" y="84229"/>
+            <a:ext cx="5722992" cy="6689542"/>
           </a:xfrm>
           <a:prstGeom prst="rect">
             <a:avLst/>
           </a:prstGeom>
         </p:spPr>
       </p:pic>
-      <mc:AlternateContent xmlns:mc="http://schemas.openxmlformats.org/markup-compatibility/2006">
-        <mc:Choice xmlns:p14="http://schemas.microsoft.com/office/powerpoint/2010/main" Requires="p14">
-          <p:contentPart p14:bwMode="auto" r:id="rId4">
-            <p14:nvContentPartPr>
-              <p14:cNvPr id="7" name="Encre 6">
-                <a:extLst>
-                  <a:ext uri="{FF2B5EF4-FFF2-40B4-BE49-F238E27FC236}">
-                    <a16:creationId xmlns:a16="http://schemas.microsoft.com/office/drawing/2014/main" id="{BE689B9A-0756-FEAC-CC32-357BDE7FF442}"/>
-                  </a:ext>
-                </a:extLst>
-              </p14:cNvPr>
-              <p14:cNvContentPartPr/>
-              <p14:nvPr/>
-            </p14:nvContentPartPr>
-            <p14:xfrm>
-              <a:off x="2374792" y="3515673"/>
-              <a:ext cx="1205805" cy="1205415"/>
-            </p14:xfrm>
-          </p:contentPart>
-        </mc:Choice>
-        <mc:Fallback>
-          <p:pic>
-            <p:nvPicPr>
-              <p:cNvPr id="7" name="Encre 6">
-                <a:extLst>
-                  <a:ext uri="{FF2B5EF4-FFF2-40B4-BE49-F238E27FC236}">
-                    <a16:creationId xmlns:a16="http://schemas.microsoft.com/office/drawing/2014/main" id="{BE689B9A-0756-FEAC-CC32-357BDE7FF442}"/>
-                  </a:ext>
-                </a:extLst>
-              </p:cNvPr>
-              <p:cNvPicPr/>
-              <p:nvPr/>
-            </p:nvPicPr>
-            <p:blipFill>
-              <a:blip r:embed="rId5"/>
-              <a:stretch>
-                <a:fillRect/>
-              </a:stretch>
-            </p:blipFill>
-            <p:spPr>
-              <a:xfrm>
-                <a:off x="2368671" y="3509552"/>
-                <a:ext cx="1218047" cy="1217656"/>
-              </a:xfrm>
-              <a:prstGeom prst="rect">
-                <a:avLst/>
-              </a:prstGeom>
-            </p:spPr>
-          </p:pic>
-        </mc:Fallback>
-      </mc:AlternateContent>
       <p:pic>
         <p:nvPicPr>
-          <p:cNvPr id="23" name="Image 22">
+          <p:cNvPr id="16" name="Image 15">
             <a:extLst>
               <a:ext uri="{FF2B5EF4-FFF2-40B4-BE49-F238E27FC236}">
-                <a16:creationId xmlns:a16="http://schemas.microsoft.com/office/drawing/2014/main" id="{06943DEA-E869-66C9-E84E-7B9E0961AB9B}"/>
+                <a16:creationId xmlns:a16="http://schemas.microsoft.com/office/drawing/2014/main" id="{97955F3D-EB28-4904-B086-A9A652DD2A9E}"/>
               </a:ext>
             </a:extLst>
           </p:cNvPr>
@@ -13029,15 +11968,15 @@
           <p:nvPr/>
         </p:nvPicPr>
         <p:blipFill>
-          <a:blip r:embed="rId6"/>
+          <a:blip r:embed="rId4"/>
           <a:stretch>
             <a:fillRect/>
           </a:stretch>
         </p:blipFill>
         <p:spPr>
           <a:xfrm>
-            <a:off x="6199320" y="0"/>
-            <a:ext cx="4340867" cy="6858000"/>
+            <a:off x="299990" y="2179650"/>
+            <a:ext cx="3694494" cy="4136227"/>
           </a:xfrm>
           <a:prstGeom prst="rect">
             <a:avLst/>
@@ -13048,6 +11987,1169 @@
     <p:extLst>
       <p:ext uri="{BB962C8B-B14F-4D97-AF65-F5344CB8AC3E}">
         <p14:creationId xmlns:p14="http://schemas.microsoft.com/office/powerpoint/2010/main" val="215431959"/>
+      </p:ext>
+    </p:extLst>
+  </p:cSld>
+  <p:clrMapOvr>
+    <a:masterClrMapping/>
+  </p:clrMapOvr>
+</p:sld>
+</file>
+
+<file path=ppt/slides/slide12.xml><?xml version="1.0" encoding="utf-8"?>
+<p:sld xmlns:a="http://schemas.openxmlformats.org/drawingml/2006/main" xmlns:r="http://schemas.openxmlformats.org/officeDocument/2006/relationships" xmlns:p="http://schemas.openxmlformats.org/presentationml/2006/main">
+  <p:cSld>
+    <p:bg>
+      <p:bgPr>
+        <a:solidFill>
+          <a:schemeClr val="bg2"/>
+        </a:solidFill>
+        <a:effectLst/>
+      </p:bgPr>
+    </p:bg>
+    <p:spTree>
+      <p:nvGrpSpPr>
+        <p:cNvPr id="1" name=""/>
+        <p:cNvGrpSpPr/>
+        <p:nvPr/>
+      </p:nvGrpSpPr>
+      <p:grpSpPr>
+        <a:xfrm>
+          <a:off x="0" y="0"/>
+          <a:ext cx="0" cy="0"/>
+          <a:chOff x="0" y="0"/>
+          <a:chExt cx="0" cy="0"/>
+        </a:xfrm>
+      </p:grpSpPr>
+      <p:sp useBgFill="1">
+        <p:nvSpPr>
+          <p:cNvPr id="8" name="Rectangle 7">
+            <a:extLst>
+              <a:ext uri="{FF2B5EF4-FFF2-40B4-BE49-F238E27FC236}">
+                <a16:creationId xmlns:a16="http://schemas.microsoft.com/office/drawing/2014/main" id="{C51A08AC-F796-409C-AD97-8B476289EC51}"/>
+              </a:ext>
+              <a:ext uri="{C183D7F6-B498-43B3-948B-1728B52AA6E4}">
+                <adec:decorative xmlns:adec="http://schemas.microsoft.com/office/drawing/2017/decorative" val="1"/>
+              </a:ext>
+            </a:extLst>
+          </p:cNvPr>
+          <p:cNvSpPr>
+            <a:spLocks noGrp="1" noRot="1" noChangeAspect="1" noMove="1" noResize="1" noEditPoints="1" noAdjustHandles="1" noChangeArrowheads="1" noChangeShapeType="1" noTextEdit="1"/>
+          </p:cNvSpPr>
+          <p:nvPr>
+            <p:extLst>
+              <p:ext uri="{386F3935-93C4-4BCD-93E2-E3B085C9AB24}">
+                <p16:designElem xmlns:p16="http://schemas.microsoft.com/office/powerpoint/2015/main" val="1"/>
+              </p:ext>
+            </p:extLst>
+          </p:nvPr>
+        </p:nvSpPr>
+        <p:spPr>
+          <a:xfrm>
+            <a:off x="153" y="0"/>
+            <a:ext cx="12191695" cy="6858000"/>
+          </a:xfrm>
+          <a:prstGeom prst="rect">
+            <a:avLst/>
+          </a:prstGeom>
+          <a:ln>
+            <a:noFill/>
+          </a:ln>
+        </p:spPr>
+        <p:style>
+          <a:lnRef idx="2">
+            <a:schemeClr val="accent1">
+              <a:shade val="50000"/>
+            </a:schemeClr>
+          </a:lnRef>
+          <a:fillRef idx="1">
+            <a:schemeClr val="accent1"/>
+          </a:fillRef>
+          <a:effectRef idx="0">
+            <a:schemeClr val="accent1"/>
+          </a:effectRef>
+          <a:fontRef idx="minor">
+            <a:schemeClr val="lt1"/>
+          </a:fontRef>
+        </p:style>
+        <p:txBody>
+          <a:bodyPr rtlCol="0" anchor="ctr"/>
+          <a:lstStyle/>
+          <a:p>
+            <a:pPr marL="0" marR="0" lvl="0" indent="0" algn="ctr" defTabSz="457200" rtl="0" eaLnBrk="1" fontAlgn="auto" latinLnBrk="0" hangingPunct="1">
+              <a:lnSpc>
+                <a:spcPct val="100000"/>
+              </a:lnSpc>
+              <a:spcBef>
+                <a:spcPts val="0"/>
+              </a:spcBef>
+              <a:spcAft>
+                <a:spcPts val="0"/>
+              </a:spcAft>
+              <a:buClrTx/>
+              <a:buSzTx/>
+              <a:buFontTx/>
+              <a:buNone/>
+              <a:tabLst/>
+              <a:defRPr/>
+            </a:pPr>
+            <a:endParaRPr kumimoji="0" lang="en-US" sz="1800" b="0" i="0" u="none" strike="noStrike" kern="1200" cap="none" spc="0" normalizeH="0" baseline="0" noProof="0" dirty="0">
+              <a:ln>
+                <a:noFill/>
+              </a:ln>
+              <a:solidFill>
+                <a:prstClr val="white"/>
+              </a:solidFill>
+              <a:effectLst/>
+              <a:uLnTx/>
+              <a:uFillTx/>
+              <a:latin typeface="Meiryo"/>
+              <a:ea typeface="+mn-ea"/>
+              <a:cs typeface="+mn-cs"/>
+            </a:endParaRPr>
+          </a:p>
+        </p:txBody>
+      </p:sp>
+      <p:grpSp>
+        <p:nvGrpSpPr>
+          <p:cNvPr id="10" name="Group 9">
+            <a:extLst>
+              <a:ext uri="{FF2B5EF4-FFF2-40B4-BE49-F238E27FC236}">
+                <a16:creationId xmlns:a16="http://schemas.microsoft.com/office/drawing/2014/main" id="{1E1B312B-4E9A-405C-9CE8-10325438035E}"/>
+              </a:ext>
+              <a:ext uri="{C183D7F6-B498-43B3-948B-1728B52AA6E4}">
+                <adec:decorative xmlns:adec="http://schemas.microsoft.com/office/drawing/2017/decorative" val="1"/>
+              </a:ext>
+            </a:extLst>
+          </p:cNvPr>
+          <p:cNvGrpSpPr>
+            <a:grpSpLocks noGrp="1" noUngrp="1" noRot="1" noChangeAspect="1" noMove="1" noResize="1"/>
+          </p:cNvGrpSpPr>
+          <p:nvPr>
+            <p:extLst>
+              <p:ext uri="{386F3935-93C4-4BCD-93E2-E3B085C9AB24}">
+                <p16:designElem xmlns:p16="http://schemas.microsoft.com/office/powerpoint/2015/main" val="1"/>
+              </p:ext>
+            </p:extLst>
+          </p:nvPr>
+        </p:nvGrpSpPr>
+        <p:grpSpPr>
+          <a:xfrm>
+            <a:off x="-1" y="0"/>
+            <a:ext cx="10853745" cy="6858000"/>
+            <a:chOff x="-1" y="0"/>
+            <a:chExt cx="10934058" cy="6858000"/>
+          </a:xfrm>
+        </p:grpSpPr>
+        <p:sp>
+          <p:nvSpPr>
+            <p:cNvPr id="11" name="Freeform: Shape 10">
+              <a:extLst>
+                <a:ext uri="{FF2B5EF4-FFF2-40B4-BE49-F238E27FC236}">
+                  <a16:creationId xmlns:a16="http://schemas.microsoft.com/office/drawing/2014/main" id="{027ED404-4912-4C80-B5EB-98E67EB26AD0}"/>
+                </a:ext>
+                <a:ext uri="{C183D7F6-B498-43B3-948B-1728B52AA6E4}">
+                  <adec:decorative xmlns:adec="http://schemas.microsoft.com/office/drawing/2017/decorative" val="1"/>
+                </a:ext>
+              </a:extLst>
+            </p:cNvPr>
+            <p:cNvSpPr/>
+            <p:nvPr>
+              <p:extLst>
+                <p:ext uri="{386F3935-93C4-4BCD-93E2-E3B085C9AB24}">
+                  <p16:designElem xmlns:p16="http://schemas.microsoft.com/office/powerpoint/2015/main" val="1"/>
+                </p:ext>
+              </p:extLst>
+            </p:nvPr>
+          </p:nvSpPr>
+          <p:spPr>
+            <a:xfrm>
+              <a:off x="-1" y="0"/>
+              <a:ext cx="10515600" cy="6858000"/>
+            </a:xfrm>
+            <a:custGeom>
+              <a:avLst/>
+              <a:gdLst>
+                <a:gd name="connsiteX0" fmla="*/ 0 w 10515600"/>
+                <a:gd name="connsiteY0" fmla="*/ 0 h 6858000"/>
+                <a:gd name="connsiteX1" fmla="*/ 3039549 w 10515600"/>
+                <a:gd name="connsiteY1" fmla="*/ 0 h 6858000"/>
+                <a:gd name="connsiteX2" fmla="*/ 3387573 w 10515600"/>
+                <a:gd name="connsiteY2" fmla="*/ 0 h 6858000"/>
+                <a:gd name="connsiteX3" fmla="*/ 3678072 w 10515600"/>
+                <a:gd name="connsiteY3" fmla="*/ 0 h 6858000"/>
+                <a:gd name="connsiteX4" fmla="*/ 3721524 w 10515600"/>
+                <a:gd name="connsiteY4" fmla="*/ 0 h 6858000"/>
+                <a:gd name="connsiteX5" fmla="*/ 4595394 w 10515600"/>
+                <a:gd name="connsiteY5" fmla="*/ 0 h 6858000"/>
+                <a:gd name="connsiteX6" fmla="*/ 4607603 w 10515600"/>
+                <a:gd name="connsiteY6" fmla="*/ 0 h 6858000"/>
+                <a:gd name="connsiteX7" fmla="*/ 4733044 w 10515600"/>
+                <a:gd name="connsiteY7" fmla="*/ 0 h 6858000"/>
+                <a:gd name="connsiteX8" fmla="*/ 6226185 w 10515600"/>
+                <a:gd name="connsiteY8" fmla="*/ 0 h 6858000"/>
+                <a:gd name="connsiteX9" fmla="*/ 8892577 w 10515600"/>
+                <a:gd name="connsiteY9" fmla="*/ 0 h 6858000"/>
+                <a:gd name="connsiteX10" fmla="*/ 8914701 w 10515600"/>
+                <a:gd name="connsiteY10" fmla="*/ 14997 h 6858000"/>
+                <a:gd name="connsiteX11" fmla="*/ 10515600 w 10515600"/>
+                <a:gd name="connsiteY11" fmla="*/ 3621656 h 6858000"/>
+                <a:gd name="connsiteX12" fmla="*/ 8641250 w 10515600"/>
+                <a:gd name="connsiteY12" fmla="*/ 6374814 h 6858000"/>
+                <a:gd name="connsiteX13" fmla="*/ 8124602 w 10515600"/>
+                <a:gd name="connsiteY13" fmla="*/ 6780599 h 6858000"/>
+                <a:gd name="connsiteX14" fmla="*/ 8012846 w 10515600"/>
+                <a:gd name="connsiteY14" fmla="*/ 6858000 h 6858000"/>
+                <a:gd name="connsiteX15" fmla="*/ 6226185 w 10515600"/>
+                <a:gd name="connsiteY15" fmla="*/ 6858000 h 6858000"/>
+                <a:gd name="connsiteX16" fmla="*/ 4607603 w 10515600"/>
+                <a:gd name="connsiteY16" fmla="*/ 6858000 h 6858000"/>
+                <a:gd name="connsiteX17" fmla="*/ 4595394 w 10515600"/>
+                <a:gd name="connsiteY17" fmla="*/ 6858000 h 6858000"/>
+                <a:gd name="connsiteX18" fmla="*/ 4424650 w 10515600"/>
+                <a:gd name="connsiteY18" fmla="*/ 6858000 h 6858000"/>
+                <a:gd name="connsiteX19" fmla="*/ 3721524 w 10515600"/>
+                <a:gd name="connsiteY19" fmla="*/ 6858000 h 6858000"/>
+                <a:gd name="connsiteX20" fmla="*/ 3678072 w 10515600"/>
+                <a:gd name="connsiteY20" fmla="*/ 6858000 h 6858000"/>
+                <a:gd name="connsiteX21" fmla="*/ 3387573 w 10515600"/>
+                <a:gd name="connsiteY21" fmla="*/ 6858000 h 6858000"/>
+                <a:gd name="connsiteX22" fmla="*/ 3039549 w 10515600"/>
+                <a:gd name="connsiteY22" fmla="*/ 6858000 h 6858000"/>
+                <a:gd name="connsiteX23" fmla="*/ 0 w 10515600"/>
+                <a:gd name="connsiteY23" fmla="*/ 6858000 h 6858000"/>
+              </a:gdLst>
+              <a:ahLst/>
+              <a:cxnLst>
+                <a:cxn ang="0">
+                  <a:pos x="connsiteX0" y="connsiteY0"/>
+                </a:cxn>
+                <a:cxn ang="0">
+                  <a:pos x="connsiteX1" y="connsiteY1"/>
+                </a:cxn>
+                <a:cxn ang="0">
+                  <a:pos x="connsiteX2" y="connsiteY2"/>
+                </a:cxn>
+                <a:cxn ang="0">
+                  <a:pos x="connsiteX3" y="connsiteY3"/>
+                </a:cxn>
+                <a:cxn ang="0">
+                  <a:pos x="connsiteX4" y="connsiteY4"/>
+                </a:cxn>
+                <a:cxn ang="0">
+                  <a:pos x="connsiteX5" y="connsiteY5"/>
+                </a:cxn>
+                <a:cxn ang="0">
+                  <a:pos x="connsiteX6" y="connsiteY6"/>
+                </a:cxn>
+                <a:cxn ang="0">
+                  <a:pos x="connsiteX7" y="connsiteY7"/>
+                </a:cxn>
+                <a:cxn ang="0">
+                  <a:pos x="connsiteX8" y="connsiteY8"/>
+                </a:cxn>
+                <a:cxn ang="0">
+                  <a:pos x="connsiteX9" y="connsiteY9"/>
+                </a:cxn>
+                <a:cxn ang="0">
+                  <a:pos x="connsiteX10" y="connsiteY10"/>
+                </a:cxn>
+                <a:cxn ang="0">
+                  <a:pos x="connsiteX11" y="connsiteY11"/>
+                </a:cxn>
+                <a:cxn ang="0">
+                  <a:pos x="connsiteX12" y="connsiteY12"/>
+                </a:cxn>
+                <a:cxn ang="0">
+                  <a:pos x="connsiteX13" y="connsiteY13"/>
+                </a:cxn>
+                <a:cxn ang="0">
+                  <a:pos x="connsiteX14" y="connsiteY14"/>
+                </a:cxn>
+                <a:cxn ang="0">
+                  <a:pos x="connsiteX15" y="connsiteY15"/>
+                </a:cxn>
+                <a:cxn ang="0">
+                  <a:pos x="connsiteX16" y="connsiteY16"/>
+                </a:cxn>
+                <a:cxn ang="0">
+                  <a:pos x="connsiteX17" y="connsiteY17"/>
+                </a:cxn>
+                <a:cxn ang="0">
+                  <a:pos x="connsiteX18" y="connsiteY18"/>
+                </a:cxn>
+                <a:cxn ang="0">
+                  <a:pos x="connsiteX19" y="connsiteY19"/>
+                </a:cxn>
+                <a:cxn ang="0">
+                  <a:pos x="connsiteX20" y="connsiteY20"/>
+                </a:cxn>
+                <a:cxn ang="0">
+                  <a:pos x="connsiteX21" y="connsiteY21"/>
+                </a:cxn>
+                <a:cxn ang="0">
+                  <a:pos x="connsiteX22" y="connsiteY22"/>
+                </a:cxn>
+                <a:cxn ang="0">
+                  <a:pos x="connsiteX23" y="connsiteY23"/>
+                </a:cxn>
+              </a:cxnLst>
+              <a:rect l="l" t="t" r="r" b="b"/>
+              <a:pathLst>
+                <a:path w="10515600" h="6858000">
+                  <a:moveTo>
+                    <a:pt x="0" y="0"/>
+                  </a:moveTo>
+                  <a:lnTo>
+                    <a:pt x="3039549" y="0"/>
+                  </a:lnTo>
+                  <a:lnTo>
+                    <a:pt x="3387573" y="0"/>
+                  </a:lnTo>
+                  <a:lnTo>
+                    <a:pt x="3678072" y="0"/>
+                  </a:lnTo>
+                  <a:lnTo>
+                    <a:pt x="3721524" y="0"/>
+                  </a:lnTo>
+                  <a:lnTo>
+                    <a:pt x="4595394" y="0"/>
+                  </a:lnTo>
+                  <a:lnTo>
+                    <a:pt x="4607603" y="0"/>
+                  </a:lnTo>
+                  <a:lnTo>
+                    <a:pt x="4733044" y="0"/>
+                  </a:lnTo>
+                  <a:lnTo>
+                    <a:pt x="6226185" y="0"/>
+                  </a:lnTo>
+                  <a:lnTo>
+                    <a:pt x="8892577" y="0"/>
+                  </a:lnTo>
+                  <a:lnTo>
+                    <a:pt x="8914701" y="14997"/>
+                  </a:lnTo>
+                  <a:cubicBezTo>
+                    <a:pt x="9941864" y="754641"/>
+                    <a:pt x="10515600" y="2093192"/>
+                    <a:pt x="10515600" y="3621656"/>
+                  </a:cubicBezTo>
+                  <a:cubicBezTo>
+                    <a:pt x="10515600" y="4969131"/>
+                    <a:pt x="9586875" y="5602839"/>
+                    <a:pt x="8641250" y="6374814"/>
+                  </a:cubicBezTo>
+                  <a:cubicBezTo>
+                    <a:pt x="8469047" y="6515397"/>
+                    <a:pt x="8298420" y="6653108"/>
+                    <a:pt x="8124602" y="6780599"/>
+                  </a:cubicBezTo>
+                  <a:lnTo>
+                    <a:pt x="8012846" y="6858000"/>
+                  </a:lnTo>
+                  <a:lnTo>
+                    <a:pt x="6226185" y="6858000"/>
+                  </a:lnTo>
+                  <a:lnTo>
+                    <a:pt x="4607603" y="6858000"/>
+                  </a:lnTo>
+                  <a:lnTo>
+                    <a:pt x="4595394" y="6858000"/>
+                  </a:lnTo>
+                  <a:lnTo>
+                    <a:pt x="4424650" y="6858000"/>
+                  </a:lnTo>
+                  <a:lnTo>
+                    <a:pt x="3721524" y="6858000"/>
+                  </a:lnTo>
+                  <a:lnTo>
+                    <a:pt x="3678072" y="6858000"/>
+                  </a:lnTo>
+                  <a:lnTo>
+                    <a:pt x="3387573" y="6858000"/>
+                  </a:lnTo>
+                  <a:lnTo>
+                    <a:pt x="3039549" y="6858000"/>
+                  </a:lnTo>
+                  <a:lnTo>
+                    <a:pt x="0" y="6858000"/>
+                  </a:lnTo>
+                  <a:close/>
+                </a:path>
+              </a:pathLst>
+            </a:custGeom>
+            <a:solidFill>
+              <a:schemeClr val="bg1">
+                <a:alpha val="60000"/>
+              </a:schemeClr>
+            </a:solidFill>
+            <a:ln>
+              <a:noFill/>
+            </a:ln>
+          </p:spPr>
+          <p:style>
+            <a:lnRef idx="2">
+              <a:schemeClr val="accent1">
+                <a:shade val="50000"/>
+              </a:schemeClr>
+            </a:lnRef>
+            <a:fillRef idx="1">
+              <a:schemeClr val="accent1"/>
+            </a:fillRef>
+            <a:effectRef idx="0">
+              <a:schemeClr val="accent1"/>
+            </a:effectRef>
+            <a:fontRef idx="minor">
+              <a:schemeClr val="lt1"/>
+            </a:fontRef>
+          </p:style>
+          <p:txBody>
+            <a:bodyPr wrap="square" rtlCol="0" anchor="ctr">
+              <a:noAutofit/>
+            </a:bodyPr>
+            <a:lstStyle/>
+            <a:p>
+              <a:pPr algn="ctr"/>
+              <a:endParaRPr lang="en-US"/>
+            </a:p>
+          </p:txBody>
+        </p:sp>
+        <p:sp>
+          <p:nvSpPr>
+            <p:cNvPr id="12" name="Freeform: Shape 11">
+              <a:extLst>
+                <a:ext uri="{FF2B5EF4-FFF2-40B4-BE49-F238E27FC236}">
+                  <a16:creationId xmlns:a16="http://schemas.microsoft.com/office/drawing/2014/main" id="{4E58012C-4DA3-4ED3-9500-41F9AF60B1A1}"/>
+                </a:ext>
+                <a:ext uri="{C183D7F6-B498-43B3-948B-1728B52AA6E4}">
+                  <adec:decorative xmlns:adec="http://schemas.microsoft.com/office/drawing/2017/decorative" val="1"/>
+                </a:ext>
+              </a:extLst>
+            </p:cNvPr>
+            <p:cNvSpPr/>
+            <p:nvPr>
+              <p:extLst>
+                <p:ext uri="{386F3935-93C4-4BCD-93E2-E3B085C9AB24}">
+                  <p16:designElem xmlns:p16="http://schemas.microsoft.com/office/powerpoint/2015/main" val="1"/>
+                </p:ext>
+              </p:extLst>
+            </p:nvPr>
+          </p:nvSpPr>
+          <p:spPr>
+            <a:xfrm>
+              <a:off x="8404334" y="0"/>
+              <a:ext cx="2529723" cy="6858000"/>
+            </a:xfrm>
+            <a:custGeom>
+              <a:avLst/>
+              <a:gdLst>
+                <a:gd name="connsiteX0" fmla="*/ 1258269 w 2529723"/>
+                <a:gd name="connsiteY0" fmla="*/ 0 h 6858000"/>
+                <a:gd name="connsiteX1" fmla="*/ 1275627 w 2529723"/>
+                <a:gd name="connsiteY1" fmla="*/ 0 h 6858000"/>
+                <a:gd name="connsiteX2" fmla="*/ 1302560 w 2529723"/>
+                <a:gd name="connsiteY2" fmla="*/ 24338 h 6858000"/>
+                <a:gd name="connsiteX3" fmla="*/ 2522825 w 2529723"/>
+                <a:gd name="connsiteY3" fmla="*/ 3678515 h 6858000"/>
+                <a:gd name="connsiteX4" fmla="*/ 557500 w 2529723"/>
+                <a:gd name="connsiteY4" fmla="*/ 6451411 h 6858000"/>
+                <a:gd name="connsiteX5" fmla="*/ 32482 w 2529723"/>
+                <a:gd name="connsiteY5" fmla="*/ 6849373 h 6858000"/>
+                <a:gd name="connsiteX6" fmla="*/ 19531 w 2529723"/>
+                <a:gd name="connsiteY6" fmla="*/ 6858000 h 6858000"/>
+                <a:gd name="connsiteX7" fmla="*/ 0 w 2529723"/>
+                <a:gd name="connsiteY7" fmla="*/ 6858000 h 6858000"/>
+                <a:gd name="connsiteX8" fmla="*/ 14202 w 2529723"/>
+                <a:gd name="connsiteY8" fmla="*/ 6848540 h 6858000"/>
+                <a:gd name="connsiteX9" fmla="*/ 539221 w 2529723"/>
+                <a:gd name="connsiteY9" fmla="*/ 6450578 h 6858000"/>
+                <a:gd name="connsiteX10" fmla="*/ 2504546 w 2529723"/>
+                <a:gd name="connsiteY10" fmla="*/ 3677682 h 6858000"/>
+                <a:gd name="connsiteX11" fmla="*/ 1284280 w 2529723"/>
+                <a:gd name="connsiteY11" fmla="*/ 23504 h 6858000"/>
+              </a:gdLst>
+              <a:ahLst/>
+              <a:cxnLst>
+                <a:cxn ang="0">
+                  <a:pos x="connsiteX0" y="connsiteY0"/>
+                </a:cxn>
+                <a:cxn ang="0">
+                  <a:pos x="connsiteX1" y="connsiteY1"/>
+                </a:cxn>
+                <a:cxn ang="0">
+                  <a:pos x="connsiteX2" y="connsiteY2"/>
+                </a:cxn>
+                <a:cxn ang="0">
+                  <a:pos x="connsiteX3" y="connsiteY3"/>
+                </a:cxn>
+                <a:cxn ang="0">
+                  <a:pos x="connsiteX4" y="connsiteY4"/>
+                </a:cxn>
+                <a:cxn ang="0">
+                  <a:pos x="connsiteX5" y="connsiteY5"/>
+                </a:cxn>
+                <a:cxn ang="0">
+                  <a:pos x="connsiteX6" y="connsiteY6"/>
+                </a:cxn>
+                <a:cxn ang="0">
+                  <a:pos x="connsiteX7" y="connsiteY7"/>
+                </a:cxn>
+                <a:cxn ang="0">
+                  <a:pos x="connsiteX8" y="connsiteY8"/>
+                </a:cxn>
+                <a:cxn ang="0">
+                  <a:pos x="connsiteX9" y="connsiteY9"/>
+                </a:cxn>
+                <a:cxn ang="0">
+                  <a:pos x="connsiteX10" y="connsiteY10"/>
+                </a:cxn>
+                <a:cxn ang="0">
+                  <a:pos x="connsiteX11" y="connsiteY11"/>
+                </a:cxn>
+              </a:cxnLst>
+              <a:rect l="l" t="t" r="r" b="b"/>
+              <a:pathLst>
+                <a:path w="2529723" h="6858000">
+                  <a:moveTo>
+                    <a:pt x="1258269" y="0"/>
+                  </a:moveTo>
+                  <a:lnTo>
+                    <a:pt x="1275627" y="0"/>
+                  </a:lnTo>
+                  <a:lnTo>
+                    <a:pt x="1302560" y="24338"/>
+                  </a:lnTo>
+                  <a:cubicBezTo>
+                    <a:pt x="2156831" y="855667"/>
+                    <a:pt x="2590622" y="2191755"/>
+                    <a:pt x="2522825" y="3678515"/>
+                  </a:cubicBezTo>
+                  <a:cubicBezTo>
+                    <a:pt x="2459072" y="5076606"/>
+                    <a:pt x="1519830" y="5692656"/>
+                    <a:pt x="557500" y="6451411"/>
+                  </a:cubicBezTo>
+                  <a:cubicBezTo>
+                    <a:pt x="382255" y="6589587"/>
+                    <a:pt x="208689" y="6724853"/>
+                    <a:pt x="32482" y="6849373"/>
+                  </a:cubicBezTo>
+                  <a:lnTo>
+                    <a:pt x="19531" y="6858000"/>
+                  </a:lnTo>
+                  <a:lnTo>
+                    <a:pt x="0" y="6858000"/>
+                  </a:lnTo>
+                  <a:lnTo>
+                    <a:pt x="14202" y="6848540"/>
+                  </a:lnTo>
+                  <a:cubicBezTo>
+                    <a:pt x="190409" y="6724020"/>
+                    <a:pt x="363976" y="6588754"/>
+                    <a:pt x="539221" y="6450578"/>
+                  </a:cubicBezTo>
+                  <a:cubicBezTo>
+                    <a:pt x="1501550" y="5691822"/>
+                    <a:pt x="2440792" y="5075773"/>
+                    <a:pt x="2504546" y="3677682"/>
+                  </a:cubicBezTo>
+                  <a:cubicBezTo>
+                    <a:pt x="2572343" y="2190921"/>
+                    <a:pt x="2138551" y="854834"/>
+                    <a:pt x="1284280" y="23504"/>
+                  </a:cubicBezTo>
+                  <a:close/>
+                </a:path>
+              </a:pathLst>
+            </a:custGeom>
+            <a:solidFill>
+              <a:srgbClr val="FFFFFF"/>
+            </a:solidFill>
+            <a:ln>
+              <a:noFill/>
+            </a:ln>
+          </p:spPr>
+          <p:style>
+            <a:lnRef idx="2">
+              <a:schemeClr val="accent1">
+                <a:shade val="50000"/>
+              </a:schemeClr>
+            </a:lnRef>
+            <a:fillRef idx="1">
+              <a:schemeClr val="accent1"/>
+            </a:fillRef>
+            <a:effectRef idx="0">
+              <a:schemeClr val="accent1"/>
+            </a:effectRef>
+            <a:fontRef idx="minor">
+              <a:schemeClr val="lt1"/>
+            </a:fontRef>
+          </p:style>
+          <p:txBody>
+            <a:bodyPr wrap="square" rtlCol="0" anchor="ctr">
+              <a:noAutofit/>
+            </a:bodyPr>
+            <a:lstStyle/>
+            <a:p>
+              <a:pPr marL="0" marR="0" lvl="0" indent="0" algn="ctr" defTabSz="457200" rtl="0" eaLnBrk="1" fontAlgn="auto" latinLnBrk="0" hangingPunct="1">
+                <a:lnSpc>
+                  <a:spcPct val="100000"/>
+                </a:lnSpc>
+                <a:spcBef>
+                  <a:spcPts val="0"/>
+                </a:spcBef>
+                <a:spcAft>
+                  <a:spcPts val="0"/>
+                </a:spcAft>
+                <a:buClrTx/>
+                <a:buSzTx/>
+                <a:buFontTx/>
+                <a:buNone/>
+                <a:tabLst/>
+                <a:defRPr/>
+              </a:pPr>
+              <a:endParaRPr kumimoji="0" lang="en-US" sz="1800" b="0" i="0" u="none" strike="noStrike" kern="1200" cap="none" spc="0" normalizeH="0" baseline="0" noProof="0" dirty="0">
+                <a:ln>
+                  <a:noFill/>
+                </a:ln>
+                <a:solidFill>
+                  <a:prstClr val="white"/>
+                </a:solidFill>
+                <a:effectLst/>
+                <a:uLnTx/>
+                <a:uFillTx/>
+                <a:latin typeface="Meiryo"/>
+                <a:ea typeface="+mn-ea"/>
+                <a:cs typeface="+mn-cs"/>
+              </a:endParaRPr>
+            </a:p>
+          </p:txBody>
+        </p:sp>
+        <p:sp>
+          <p:nvSpPr>
+            <p:cNvPr id="13" name="Freeform: Shape 12">
+              <a:extLst>
+                <a:ext uri="{FF2B5EF4-FFF2-40B4-BE49-F238E27FC236}">
+                  <a16:creationId xmlns:a16="http://schemas.microsoft.com/office/drawing/2014/main" id="{59AC73F7-22BD-4C46-B368-3F03B8478F99}"/>
+                </a:ext>
+                <a:ext uri="{C183D7F6-B498-43B3-948B-1728B52AA6E4}">
+                  <adec:decorative xmlns:adec="http://schemas.microsoft.com/office/drawing/2017/decorative" val="1"/>
+                </a:ext>
+              </a:extLst>
+            </p:cNvPr>
+            <p:cNvSpPr/>
+            <p:nvPr>
+              <p:extLst>
+                <p:ext uri="{386F3935-93C4-4BCD-93E2-E3B085C9AB24}">
+                  <p16:designElem xmlns:p16="http://schemas.microsoft.com/office/powerpoint/2015/main" val="1"/>
+                </p:ext>
+              </p:extLst>
+            </p:nvPr>
+          </p:nvSpPr>
+          <p:spPr>
+            <a:xfrm>
+              <a:off x="8184327" y="0"/>
+              <a:ext cx="2536434" cy="6858000"/>
+            </a:xfrm>
+            <a:custGeom>
+              <a:avLst/>
+              <a:gdLst>
+                <a:gd name="connsiteX0" fmla="*/ 879731 w 2536434"/>
+                <a:gd name="connsiteY0" fmla="*/ 0 h 6858000"/>
+                <a:gd name="connsiteX1" fmla="*/ 913411 w 2536434"/>
+                <a:gd name="connsiteY1" fmla="*/ 0 h 6858000"/>
+                <a:gd name="connsiteX2" fmla="*/ 935535 w 2536434"/>
+                <a:gd name="connsiteY2" fmla="*/ 14997 h 6858000"/>
+                <a:gd name="connsiteX3" fmla="*/ 2536434 w 2536434"/>
+                <a:gd name="connsiteY3" fmla="*/ 3621656 h 6858000"/>
+                <a:gd name="connsiteX4" fmla="*/ 662084 w 2536434"/>
+                <a:gd name="connsiteY4" fmla="*/ 6374814 h 6858000"/>
+                <a:gd name="connsiteX5" fmla="*/ 145436 w 2536434"/>
+                <a:gd name="connsiteY5" fmla="*/ 6780599 h 6858000"/>
+                <a:gd name="connsiteX6" fmla="*/ 33680 w 2536434"/>
+                <a:gd name="connsiteY6" fmla="*/ 6858000 h 6858000"/>
+                <a:gd name="connsiteX7" fmla="*/ 0 w 2536434"/>
+                <a:gd name="connsiteY7" fmla="*/ 6858000 h 6858000"/>
+                <a:gd name="connsiteX8" fmla="*/ 111756 w 2536434"/>
+                <a:gd name="connsiteY8" fmla="*/ 6780599 h 6858000"/>
+                <a:gd name="connsiteX9" fmla="*/ 628404 w 2536434"/>
+                <a:gd name="connsiteY9" fmla="*/ 6374814 h 6858000"/>
+                <a:gd name="connsiteX10" fmla="*/ 2502754 w 2536434"/>
+                <a:gd name="connsiteY10" fmla="*/ 3621656 h 6858000"/>
+                <a:gd name="connsiteX11" fmla="*/ 901855 w 2536434"/>
+                <a:gd name="connsiteY11" fmla="*/ 14997 h 6858000"/>
+              </a:gdLst>
+              <a:ahLst/>
+              <a:cxnLst>
+                <a:cxn ang="0">
+                  <a:pos x="connsiteX0" y="connsiteY0"/>
+                </a:cxn>
+                <a:cxn ang="0">
+                  <a:pos x="connsiteX1" y="connsiteY1"/>
+                </a:cxn>
+                <a:cxn ang="0">
+                  <a:pos x="connsiteX2" y="connsiteY2"/>
+                </a:cxn>
+                <a:cxn ang="0">
+                  <a:pos x="connsiteX3" y="connsiteY3"/>
+                </a:cxn>
+                <a:cxn ang="0">
+                  <a:pos x="connsiteX4" y="connsiteY4"/>
+                </a:cxn>
+                <a:cxn ang="0">
+                  <a:pos x="connsiteX5" y="connsiteY5"/>
+                </a:cxn>
+                <a:cxn ang="0">
+                  <a:pos x="connsiteX6" y="connsiteY6"/>
+                </a:cxn>
+                <a:cxn ang="0">
+                  <a:pos x="connsiteX7" y="connsiteY7"/>
+                </a:cxn>
+                <a:cxn ang="0">
+                  <a:pos x="connsiteX8" y="connsiteY8"/>
+                </a:cxn>
+                <a:cxn ang="0">
+                  <a:pos x="connsiteX9" y="connsiteY9"/>
+                </a:cxn>
+                <a:cxn ang="0">
+                  <a:pos x="connsiteX10" y="connsiteY10"/>
+                </a:cxn>
+                <a:cxn ang="0">
+                  <a:pos x="connsiteX11" y="connsiteY11"/>
+                </a:cxn>
+              </a:cxnLst>
+              <a:rect l="l" t="t" r="r" b="b"/>
+              <a:pathLst>
+                <a:path w="2536434" h="6858000">
+                  <a:moveTo>
+                    <a:pt x="879731" y="0"/>
+                  </a:moveTo>
+                  <a:lnTo>
+                    <a:pt x="913411" y="0"/>
+                  </a:lnTo>
+                  <a:lnTo>
+                    <a:pt x="935535" y="14997"/>
+                  </a:lnTo>
+                  <a:cubicBezTo>
+                    <a:pt x="1962698" y="754641"/>
+                    <a:pt x="2536434" y="2093192"/>
+                    <a:pt x="2536434" y="3621656"/>
+                  </a:cubicBezTo>
+                  <a:cubicBezTo>
+                    <a:pt x="2536434" y="4969131"/>
+                    <a:pt x="1607709" y="5602839"/>
+                    <a:pt x="662084" y="6374814"/>
+                  </a:cubicBezTo>
+                  <a:cubicBezTo>
+                    <a:pt x="489881" y="6515397"/>
+                    <a:pt x="319254" y="6653108"/>
+                    <a:pt x="145436" y="6780599"/>
+                  </a:cubicBezTo>
+                  <a:lnTo>
+                    <a:pt x="33680" y="6858000"/>
+                  </a:lnTo>
+                  <a:lnTo>
+                    <a:pt x="0" y="6858000"/>
+                  </a:lnTo>
+                  <a:lnTo>
+                    <a:pt x="111756" y="6780599"/>
+                  </a:lnTo>
+                  <a:cubicBezTo>
+                    <a:pt x="285574" y="6653108"/>
+                    <a:pt x="456201" y="6515397"/>
+                    <a:pt x="628404" y="6374814"/>
+                  </a:cubicBezTo>
+                  <a:cubicBezTo>
+                    <a:pt x="1574029" y="5602839"/>
+                    <a:pt x="2502754" y="4969131"/>
+                    <a:pt x="2502754" y="3621656"/>
+                  </a:cubicBezTo>
+                  <a:cubicBezTo>
+                    <a:pt x="2502754" y="2093192"/>
+                    <a:pt x="1929018" y="754641"/>
+                    <a:pt x="901855" y="14997"/>
+                  </a:cubicBezTo>
+                  <a:close/>
+                </a:path>
+              </a:pathLst>
+            </a:custGeom>
+            <a:solidFill>
+              <a:srgbClr val="FFFFFF"/>
+            </a:solidFill>
+            <a:ln>
+              <a:noFill/>
+            </a:ln>
+          </p:spPr>
+          <p:style>
+            <a:lnRef idx="2">
+              <a:schemeClr val="accent1">
+                <a:shade val="50000"/>
+              </a:schemeClr>
+            </a:lnRef>
+            <a:fillRef idx="1">
+              <a:schemeClr val="accent1"/>
+            </a:fillRef>
+            <a:effectRef idx="0">
+              <a:schemeClr val="accent1"/>
+            </a:effectRef>
+            <a:fontRef idx="minor">
+              <a:schemeClr val="lt1"/>
+            </a:fontRef>
+          </p:style>
+          <p:txBody>
+            <a:bodyPr wrap="square" rtlCol="0" anchor="ctr">
+              <a:noAutofit/>
+            </a:bodyPr>
+            <a:lstStyle/>
+            <a:p>
+              <a:pPr marL="0" marR="0" lvl="0" indent="0" algn="ctr" defTabSz="914400" rtl="0" eaLnBrk="1" fontAlgn="auto" latinLnBrk="0" hangingPunct="1">
+                <a:lnSpc>
+                  <a:spcPct val="100000"/>
+                </a:lnSpc>
+                <a:spcBef>
+                  <a:spcPts val="0"/>
+                </a:spcBef>
+                <a:spcAft>
+                  <a:spcPts val="0"/>
+                </a:spcAft>
+                <a:buClrTx/>
+                <a:buSzTx/>
+                <a:buFontTx/>
+                <a:buNone/>
+                <a:tabLst/>
+                <a:defRPr/>
+              </a:pPr>
+              <a:endParaRPr kumimoji="0" lang="en-US" sz="1800" b="0" i="0" u="none" strike="noStrike" kern="1200" cap="none" spc="0" normalizeH="0" baseline="0" noProof="0" dirty="0">
+                <a:ln>
+                  <a:noFill/>
+                </a:ln>
+                <a:solidFill>
+                  <a:prstClr val="white"/>
+                </a:solidFill>
+                <a:effectLst/>
+                <a:uLnTx/>
+                <a:uFillTx/>
+                <a:latin typeface="Meiryo"/>
+                <a:ea typeface="+mn-ea"/>
+                <a:cs typeface="+mn-cs"/>
+              </a:endParaRPr>
+            </a:p>
+          </p:txBody>
+        </p:sp>
+        <p:sp>
+          <p:nvSpPr>
+            <p:cNvPr id="14" name="Freeform: Shape 13">
+              <a:extLst>
+                <a:ext uri="{FF2B5EF4-FFF2-40B4-BE49-F238E27FC236}">
+                  <a16:creationId xmlns:a16="http://schemas.microsoft.com/office/drawing/2014/main" id="{95C99F96-8984-456F-BD66-5C019A651033}"/>
+                </a:ext>
+                <a:ext uri="{C183D7F6-B498-43B3-948B-1728B52AA6E4}">
+                  <adec:decorative xmlns:adec="http://schemas.microsoft.com/office/drawing/2017/decorative" val="1"/>
+                </a:ext>
+              </a:extLst>
+            </p:cNvPr>
+            <p:cNvSpPr/>
+            <p:nvPr>
+              <p:extLst>
+                <p:ext uri="{386F3935-93C4-4BCD-93E2-E3B085C9AB24}">
+                  <p16:designElem xmlns:p16="http://schemas.microsoft.com/office/powerpoint/2015/main" val="1"/>
+                </p:ext>
+              </p:extLst>
+            </p:nvPr>
+          </p:nvSpPr>
+          <p:spPr>
+            <a:xfrm>
+              <a:off x="7953086" y="0"/>
+              <a:ext cx="2261351" cy="6858000"/>
+            </a:xfrm>
+            <a:custGeom>
+              <a:avLst/>
+              <a:gdLst>
+                <a:gd name="connsiteX0" fmla="*/ 879731 w 2521425"/>
+                <a:gd name="connsiteY0" fmla="*/ 0 h 6858000"/>
+                <a:gd name="connsiteX1" fmla="*/ 898402 w 2521425"/>
+                <a:gd name="connsiteY1" fmla="*/ 0 h 6858000"/>
+                <a:gd name="connsiteX2" fmla="*/ 920526 w 2521425"/>
+                <a:gd name="connsiteY2" fmla="*/ 14997 h 6858000"/>
+                <a:gd name="connsiteX3" fmla="*/ 2521425 w 2521425"/>
+                <a:gd name="connsiteY3" fmla="*/ 3621656 h 6858000"/>
+                <a:gd name="connsiteX4" fmla="*/ 647075 w 2521425"/>
+                <a:gd name="connsiteY4" fmla="*/ 6374814 h 6858000"/>
+                <a:gd name="connsiteX5" fmla="*/ 130427 w 2521425"/>
+                <a:gd name="connsiteY5" fmla="*/ 6780599 h 6858000"/>
+                <a:gd name="connsiteX6" fmla="*/ 18671 w 2521425"/>
+                <a:gd name="connsiteY6" fmla="*/ 6858000 h 6858000"/>
+                <a:gd name="connsiteX7" fmla="*/ 0 w 2521425"/>
+                <a:gd name="connsiteY7" fmla="*/ 6858000 h 6858000"/>
+                <a:gd name="connsiteX8" fmla="*/ 111756 w 2521425"/>
+                <a:gd name="connsiteY8" fmla="*/ 6780599 h 6858000"/>
+                <a:gd name="connsiteX9" fmla="*/ 628404 w 2521425"/>
+                <a:gd name="connsiteY9" fmla="*/ 6374814 h 6858000"/>
+                <a:gd name="connsiteX10" fmla="*/ 2502754 w 2521425"/>
+                <a:gd name="connsiteY10" fmla="*/ 3621656 h 6858000"/>
+                <a:gd name="connsiteX11" fmla="*/ 901855 w 2521425"/>
+                <a:gd name="connsiteY11" fmla="*/ 14997 h 6858000"/>
+              </a:gdLst>
+              <a:ahLst/>
+              <a:cxnLst>
+                <a:cxn ang="0">
+                  <a:pos x="connsiteX0" y="connsiteY0"/>
+                </a:cxn>
+                <a:cxn ang="0">
+                  <a:pos x="connsiteX1" y="connsiteY1"/>
+                </a:cxn>
+                <a:cxn ang="0">
+                  <a:pos x="connsiteX2" y="connsiteY2"/>
+                </a:cxn>
+                <a:cxn ang="0">
+                  <a:pos x="connsiteX3" y="connsiteY3"/>
+                </a:cxn>
+                <a:cxn ang="0">
+                  <a:pos x="connsiteX4" y="connsiteY4"/>
+                </a:cxn>
+                <a:cxn ang="0">
+                  <a:pos x="connsiteX5" y="connsiteY5"/>
+                </a:cxn>
+                <a:cxn ang="0">
+                  <a:pos x="connsiteX6" y="connsiteY6"/>
+                </a:cxn>
+                <a:cxn ang="0">
+                  <a:pos x="connsiteX7" y="connsiteY7"/>
+                </a:cxn>
+                <a:cxn ang="0">
+                  <a:pos x="connsiteX8" y="connsiteY8"/>
+                </a:cxn>
+                <a:cxn ang="0">
+                  <a:pos x="connsiteX9" y="connsiteY9"/>
+                </a:cxn>
+                <a:cxn ang="0">
+                  <a:pos x="connsiteX10" y="connsiteY10"/>
+                </a:cxn>
+                <a:cxn ang="0">
+                  <a:pos x="connsiteX11" y="connsiteY11"/>
+                </a:cxn>
+              </a:cxnLst>
+              <a:rect l="l" t="t" r="r" b="b"/>
+              <a:pathLst>
+                <a:path w="2521425" h="6858000">
+                  <a:moveTo>
+                    <a:pt x="879731" y="0"/>
+                  </a:moveTo>
+                  <a:lnTo>
+                    <a:pt x="898402" y="0"/>
+                  </a:lnTo>
+                  <a:lnTo>
+                    <a:pt x="920526" y="14997"/>
+                  </a:lnTo>
+                  <a:cubicBezTo>
+                    <a:pt x="1947689" y="754641"/>
+                    <a:pt x="2521425" y="2093192"/>
+                    <a:pt x="2521425" y="3621656"/>
+                  </a:cubicBezTo>
+                  <a:cubicBezTo>
+                    <a:pt x="2521425" y="4969131"/>
+                    <a:pt x="1592700" y="5602839"/>
+                    <a:pt x="647075" y="6374814"/>
+                  </a:cubicBezTo>
+                  <a:cubicBezTo>
+                    <a:pt x="474872" y="6515397"/>
+                    <a:pt x="304245" y="6653108"/>
+                    <a:pt x="130427" y="6780599"/>
+                  </a:cubicBezTo>
+                  <a:lnTo>
+                    <a:pt x="18671" y="6858000"/>
+                  </a:lnTo>
+                  <a:lnTo>
+                    <a:pt x="0" y="6858000"/>
+                  </a:lnTo>
+                  <a:lnTo>
+                    <a:pt x="111756" y="6780599"/>
+                  </a:lnTo>
+                  <a:cubicBezTo>
+                    <a:pt x="285574" y="6653108"/>
+                    <a:pt x="456201" y="6515397"/>
+                    <a:pt x="628404" y="6374814"/>
+                  </a:cubicBezTo>
+                  <a:cubicBezTo>
+                    <a:pt x="1574029" y="5602839"/>
+                    <a:pt x="2502754" y="4969131"/>
+                    <a:pt x="2502754" y="3621656"/>
+                  </a:cubicBezTo>
+                  <a:cubicBezTo>
+                    <a:pt x="2502754" y="2093192"/>
+                    <a:pt x="1929018" y="754641"/>
+                    <a:pt x="901855" y="14997"/>
+                  </a:cubicBezTo>
+                  <a:close/>
+                </a:path>
+              </a:pathLst>
+            </a:custGeom>
+            <a:solidFill>
+              <a:schemeClr val="bg2">
+                <a:lumMod val="90000"/>
+              </a:schemeClr>
+            </a:solidFill>
+            <a:ln>
+              <a:noFill/>
+            </a:ln>
+          </p:spPr>
+          <p:style>
+            <a:lnRef idx="2">
+              <a:schemeClr val="accent1">
+                <a:shade val="50000"/>
+              </a:schemeClr>
+            </a:lnRef>
+            <a:fillRef idx="1">
+              <a:schemeClr val="accent1"/>
+            </a:fillRef>
+            <a:effectRef idx="0">
+              <a:schemeClr val="accent1"/>
+            </a:effectRef>
+            <a:fontRef idx="minor">
+              <a:schemeClr val="lt1"/>
+            </a:fontRef>
+          </p:style>
+          <p:txBody>
+            <a:bodyPr wrap="square" rtlCol="0" anchor="ctr">
+              <a:noAutofit/>
+            </a:bodyPr>
+            <a:lstStyle/>
+            <a:p>
+              <a:pPr marL="0" marR="0" lvl="0" indent="0" algn="ctr" defTabSz="914400" rtl="0" eaLnBrk="1" fontAlgn="auto" latinLnBrk="0" hangingPunct="1">
+                <a:lnSpc>
+                  <a:spcPct val="100000"/>
+                </a:lnSpc>
+                <a:spcBef>
+                  <a:spcPts val="0"/>
+                </a:spcBef>
+                <a:spcAft>
+                  <a:spcPts val="0"/>
+                </a:spcAft>
+                <a:buClrTx/>
+                <a:buSzTx/>
+                <a:buFontTx/>
+                <a:buNone/>
+                <a:tabLst/>
+                <a:defRPr/>
+              </a:pPr>
+              <a:endParaRPr kumimoji="0" lang="en-US" sz="1800" b="0" i="0" u="none" strike="noStrike" kern="1200" cap="none" spc="0" normalizeH="0" baseline="0" noProof="0">
+                <a:ln>
+                  <a:noFill/>
+                </a:ln>
+                <a:solidFill>
+                  <a:prstClr val="white"/>
+                </a:solidFill>
+                <a:effectLst/>
+                <a:uLnTx/>
+                <a:uFillTx/>
+                <a:latin typeface="Meiryo"/>
+                <a:ea typeface="+mn-ea"/>
+                <a:cs typeface="+mn-cs"/>
+              </a:endParaRPr>
+            </a:p>
+          </p:txBody>
+        </p:sp>
+      </p:grpSp>
+      <p:sp>
+        <p:nvSpPr>
+          <p:cNvPr id="2" name="Titre 1">
+            <a:extLst>
+              <a:ext uri="{FF2B5EF4-FFF2-40B4-BE49-F238E27FC236}">
+                <a16:creationId xmlns:a16="http://schemas.microsoft.com/office/drawing/2014/main" id="{98F4B48B-FBF3-BD69-EB1C-0C397BFE8428}"/>
+              </a:ext>
+            </a:extLst>
+          </p:cNvPr>
+          <p:cNvSpPr>
+            <a:spLocks noGrp="1"/>
+          </p:cNvSpPr>
+          <p:nvPr>
+            <p:ph type="title"/>
+          </p:nvPr>
+        </p:nvSpPr>
+        <p:spPr>
+          <a:xfrm>
+            <a:off x="1920875" y="442913"/>
+            <a:ext cx="7444506" cy="1344612"/>
+          </a:xfrm>
+        </p:spPr>
+        <p:txBody>
+          <a:bodyPr anchor="b">
+            <a:normAutofit fontScale="90000"/>
+          </a:bodyPr>
+          <a:lstStyle/>
+          <a:p>
+            <a:r>
+              <a:rPr lang="fr-FR" dirty="0"/>
+              <a:t>Résultat que l’on va rechercher</a:t>
+            </a:r>
+          </a:p>
+        </p:txBody>
+      </p:sp>
+      <p:pic>
+        <p:nvPicPr>
+          <p:cNvPr id="7" name="Espace réservé du contenu 6">
+            <a:extLst>
+              <a:ext uri="{FF2B5EF4-FFF2-40B4-BE49-F238E27FC236}">
+                <a16:creationId xmlns:a16="http://schemas.microsoft.com/office/drawing/2014/main" id="{3E766CBC-F804-5DFD-9A52-379AE0A95DE9}"/>
+              </a:ext>
+            </a:extLst>
+          </p:cNvPr>
+          <p:cNvPicPr>
+            <a:picLocks noGrp="1" noChangeAspect="1"/>
+          </p:cNvPicPr>
+          <p:nvPr>
+            <p:ph idx="1"/>
+          </p:nvPr>
+        </p:nvPicPr>
+        <p:blipFill>
+          <a:blip r:embed="rId2"/>
+          <a:stretch>
+            <a:fillRect/>
+          </a:stretch>
+        </p:blipFill>
+        <p:spPr>
+          <a:xfrm>
+            <a:off x="625309" y="2627698"/>
+            <a:ext cx="10941381" cy="2202148"/>
+          </a:xfrm>
+        </p:spPr>
+      </p:pic>
+      <p:sp>
+        <p:nvSpPr>
+          <p:cNvPr id="3" name="Espace réservé du numéro de diapositive 2">
+            <a:extLst>
+              <a:ext uri="{FF2B5EF4-FFF2-40B4-BE49-F238E27FC236}">
+                <a16:creationId xmlns:a16="http://schemas.microsoft.com/office/drawing/2014/main" id="{177F63FE-A444-C4C0-7E23-3E89FD70CCF3}"/>
+              </a:ext>
+            </a:extLst>
+          </p:cNvPr>
+          <p:cNvSpPr>
+            <a:spLocks noGrp="1"/>
+          </p:cNvSpPr>
+          <p:nvPr>
+            <p:ph type="sldNum" sz="quarter" idx="12"/>
+          </p:nvPr>
+        </p:nvSpPr>
+        <p:spPr/>
+        <p:txBody>
+          <a:bodyPr/>
+          <a:lstStyle/>
+          <a:p>
+            <a:pPr algn="l"/>
+            <a:fld id="{FAEF9944-A4F6-4C59-AEBD-678D6480B8EA}" type="slidenum">
+              <a:rPr lang="en-US" smtClean="0"/>
+              <a:pPr algn="l"/>
+              <a:t>12</a:t>
+            </a:fld>
+            <a:endParaRPr lang="en-US" dirty="0"/>
+          </a:p>
+        </p:txBody>
+      </p:sp>
+    </p:spTree>
+    <p:extLst>
+      <p:ext uri="{BB962C8B-B14F-4D97-AF65-F5344CB8AC3E}">
+        <p14:creationId xmlns:p14="http://schemas.microsoft.com/office/powerpoint/2010/main" val="3447224309"/>
       </p:ext>
     </p:extLst>
   </p:cSld>
@@ -14148,7 +14250,7 @@
           <a:p>
             <a:r>
               <a:rPr lang="fr-FR" dirty="0"/>
-              <a:t>En pratique</a:t>
+              <a:t>Le programme</a:t>
             </a:r>
           </a:p>
         </p:txBody>
@@ -14183,6 +14285,37 @@
           </a:prstGeom>
         </p:spPr>
       </p:pic>
+      <p:sp>
+        <p:nvSpPr>
+          <p:cNvPr id="3" name="Espace réservé du numéro de diapositive 2">
+            <a:extLst>
+              <a:ext uri="{FF2B5EF4-FFF2-40B4-BE49-F238E27FC236}">
+                <a16:creationId xmlns:a16="http://schemas.microsoft.com/office/drawing/2014/main" id="{DC1D6AED-4F66-1780-3563-2D4749E9FE79}"/>
+              </a:ext>
+            </a:extLst>
+          </p:cNvPr>
+          <p:cNvSpPr>
+            <a:spLocks noGrp="1"/>
+          </p:cNvSpPr>
+          <p:nvPr>
+            <p:ph type="sldNum" sz="quarter" idx="12"/>
+          </p:nvPr>
+        </p:nvSpPr>
+        <p:spPr/>
+        <p:txBody>
+          <a:bodyPr/>
+          <a:lstStyle/>
+          <a:p>
+            <a:pPr algn="l"/>
+            <a:fld id="{FAEF9944-A4F6-4C59-AEBD-678D6480B8EA}" type="slidenum">
+              <a:rPr lang="en-US" smtClean="0"/>
+              <a:pPr algn="l"/>
+              <a:t>13</a:t>
+            </a:fld>
+            <a:endParaRPr lang="en-US" dirty="0"/>
+          </a:p>
+        </p:txBody>
+      </p:sp>
     </p:spTree>
     <p:extLst>
       <p:ext uri="{BB962C8B-B14F-4D97-AF65-F5344CB8AC3E}">
@@ -14197,1138 +14330,6 @@
 </file>
 
 <file path=ppt/slides/slide14.xml><?xml version="1.0" encoding="utf-8"?>
-<p:sld xmlns:a="http://schemas.openxmlformats.org/drawingml/2006/main" xmlns:r="http://schemas.openxmlformats.org/officeDocument/2006/relationships" xmlns:p="http://schemas.openxmlformats.org/presentationml/2006/main">
-  <p:cSld>
-    <p:bg>
-      <p:bgPr>
-        <a:solidFill>
-          <a:schemeClr val="bg2"/>
-        </a:solidFill>
-        <a:effectLst/>
-      </p:bgPr>
-    </p:bg>
-    <p:spTree>
-      <p:nvGrpSpPr>
-        <p:cNvPr id="1" name=""/>
-        <p:cNvGrpSpPr/>
-        <p:nvPr/>
-      </p:nvGrpSpPr>
-      <p:grpSpPr>
-        <a:xfrm>
-          <a:off x="0" y="0"/>
-          <a:ext cx="0" cy="0"/>
-          <a:chOff x="0" y="0"/>
-          <a:chExt cx="0" cy="0"/>
-        </a:xfrm>
-      </p:grpSpPr>
-      <p:sp useBgFill="1">
-        <p:nvSpPr>
-          <p:cNvPr id="8" name="Rectangle 7">
-            <a:extLst>
-              <a:ext uri="{FF2B5EF4-FFF2-40B4-BE49-F238E27FC236}">
-                <a16:creationId xmlns:a16="http://schemas.microsoft.com/office/drawing/2014/main" id="{C51A08AC-F796-409C-AD97-8B476289EC51}"/>
-              </a:ext>
-              <a:ext uri="{C183D7F6-B498-43B3-948B-1728B52AA6E4}">
-                <adec:decorative xmlns:adec="http://schemas.microsoft.com/office/drawing/2017/decorative" val="1"/>
-              </a:ext>
-            </a:extLst>
-          </p:cNvPr>
-          <p:cNvSpPr>
-            <a:spLocks noGrp="1" noRot="1" noChangeAspect="1" noMove="1" noResize="1" noEditPoints="1" noAdjustHandles="1" noChangeArrowheads="1" noChangeShapeType="1" noTextEdit="1"/>
-          </p:cNvSpPr>
-          <p:nvPr>
-            <p:extLst>
-              <p:ext uri="{386F3935-93C4-4BCD-93E2-E3B085C9AB24}">
-                <p16:designElem xmlns:p16="http://schemas.microsoft.com/office/powerpoint/2015/main" val="1"/>
-              </p:ext>
-            </p:extLst>
-          </p:nvPr>
-        </p:nvSpPr>
-        <p:spPr>
-          <a:xfrm>
-            <a:off x="153" y="0"/>
-            <a:ext cx="12191695" cy="6858000"/>
-          </a:xfrm>
-          <a:prstGeom prst="rect">
-            <a:avLst/>
-          </a:prstGeom>
-          <a:ln>
-            <a:noFill/>
-          </a:ln>
-        </p:spPr>
-        <p:style>
-          <a:lnRef idx="2">
-            <a:schemeClr val="accent1">
-              <a:shade val="50000"/>
-            </a:schemeClr>
-          </a:lnRef>
-          <a:fillRef idx="1">
-            <a:schemeClr val="accent1"/>
-          </a:fillRef>
-          <a:effectRef idx="0">
-            <a:schemeClr val="accent1"/>
-          </a:effectRef>
-          <a:fontRef idx="minor">
-            <a:schemeClr val="lt1"/>
-          </a:fontRef>
-        </p:style>
-        <p:txBody>
-          <a:bodyPr rtlCol="0" anchor="ctr"/>
-          <a:lstStyle/>
-          <a:p>
-            <a:pPr marL="0" marR="0" lvl="0" indent="0" algn="ctr" defTabSz="457200" rtl="0" eaLnBrk="1" fontAlgn="auto" latinLnBrk="0" hangingPunct="1">
-              <a:lnSpc>
-                <a:spcPct val="100000"/>
-              </a:lnSpc>
-              <a:spcBef>
-                <a:spcPts val="0"/>
-              </a:spcBef>
-              <a:spcAft>
-                <a:spcPts val="0"/>
-              </a:spcAft>
-              <a:buClrTx/>
-              <a:buSzTx/>
-              <a:buFontTx/>
-              <a:buNone/>
-              <a:tabLst/>
-              <a:defRPr/>
-            </a:pPr>
-            <a:endParaRPr kumimoji="0" lang="en-US" sz="1800" b="0" i="0" u="none" strike="noStrike" kern="1200" cap="none" spc="0" normalizeH="0" baseline="0" noProof="0" dirty="0">
-              <a:ln>
-                <a:noFill/>
-              </a:ln>
-              <a:solidFill>
-                <a:prstClr val="white"/>
-              </a:solidFill>
-              <a:effectLst/>
-              <a:uLnTx/>
-              <a:uFillTx/>
-              <a:latin typeface="Meiryo"/>
-              <a:ea typeface="+mn-ea"/>
-              <a:cs typeface="+mn-cs"/>
-            </a:endParaRPr>
-          </a:p>
-        </p:txBody>
-      </p:sp>
-      <p:grpSp>
-        <p:nvGrpSpPr>
-          <p:cNvPr id="10" name="Group 9">
-            <a:extLst>
-              <a:ext uri="{FF2B5EF4-FFF2-40B4-BE49-F238E27FC236}">
-                <a16:creationId xmlns:a16="http://schemas.microsoft.com/office/drawing/2014/main" id="{1E1B312B-4E9A-405C-9CE8-10325438035E}"/>
-              </a:ext>
-              <a:ext uri="{C183D7F6-B498-43B3-948B-1728B52AA6E4}">
-                <adec:decorative xmlns:adec="http://schemas.microsoft.com/office/drawing/2017/decorative" val="1"/>
-              </a:ext>
-            </a:extLst>
-          </p:cNvPr>
-          <p:cNvGrpSpPr>
-            <a:grpSpLocks noGrp="1" noUngrp="1" noRot="1" noChangeAspect="1" noMove="1" noResize="1"/>
-          </p:cNvGrpSpPr>
-          <p:nvPr>
-            <p:extLst>
-              <p:ext uri="{386F3935-93C4-4BCD-93E2-E3B085C9AB24}">
-                <p16:designElem xmlns:p16="http://schemas.microsoft.com/office/powerpoint/2015/main" val="1"/>
-              </p:ext>
-            </p:extLst>
-          </p:nvPr>
-        </p:nvGrpSpPr>
-        <p:grpSpPr>
-          <a:xfrm>
-            <a:off x="-1" y="0"/>
-            <a:ext cx="10853745" cy="6858000"/>
-            <a:chOff x="-1" y="0"/>
-            <a:chExt cx="10934058" cy="6858000"/>
-          </a:xfrm>
-        </p:grpSpPr>
-        <p:sp>
-          <p:nvSpPr>
-            <p:cNvPr id="11" name="Freeform: Shape 10">
-              <a:extLst>
-                <a:ext uri="{FF2B5EF4-FFF2-40B4-BE49-F238E27FC236}">
-                  <a16:creationId xmlns:a16="http://schemas.microsoft.com/office/drawing/2014/main" id="{027ED404-4912-4C80-B5EB-98E67EB26AD0}"/>
-                </a:ext>
-                <a:ext uri="{C183D7F6-B498-43B3-948B-1728B52AA6E4}">
-                  <adec:decorative xmlns:adec="http://schemas.microsoft.com/office/drawing/2017/decorative" val="1"/>
-                </a:ext>
-              </a:extLst>
-            </p:cNvPr>
-            <p:cNvSpPr/>
-            <p:nvPr>
-              <p:extLst>
-                <p:ext uri="{386F3935-93C4-4BCD-93E2-E3B085C9AB24}">
-                  <p16:designElem xmlns:p16="http://schemas.microsoft.com/office/powerpoint/2015/main" val="1"/>
-                </p:ext>
-              </p:extLst>
-            </p:nvPr>
-          </p:nvSpPr>
-          <p:spPr>
-            <a:xfrm>
-              <a:off x="-1" y="0"/>
-              <a:ext cx="10515600" cy="6858000"/>
-            </a:xfrm>
-            <a:custGeom>
-              <a:avLst/>
-              <a:gdLst>
-                <a:gd name="connsiteX0" fmla="*/ 0 w 10515600"/>
-                <a:gd name="connsiteY0" fmla="*/ 0 h 6858000"/>
-                <a:gd name="connsiteX1" fmla="*/ 3039549 w 10515600"/>
-                <a:gd name="connsiteY1" fmla="*/ 0 h 6858000"/>
-                <a:gd name="connsiteX2" fmla="*/ 3387573 w 10515600"/>
-                <a:gd name="connsiteY2" fmla="*/ 0 h 6858000"/>
-                <a:gd name="connsiteX3" fmla="*/ 3678072 w 10515600"/>
-                <a:gd name="connsiteY3" fmla="*/ 0 h 6858000"/>
-                <a:gd name="connsiteX4" fmla="*/ 3721524 w 10515600"/>
-                <a:gd name="connsiteY4" fmla="*/ 0 h 6858000"/>
-                <a:gd name="connsiteX5" fmla="*/ 4595394 w 10515600"/>
-                <a:gd name="connsiteY5" fmla="*/ 0 h 6858000"/>
-                <a:gd name="connsiteX6" fmla="*/ 4607603 w 10515600"/>
-                <a:gd name="connsiteY6" fmla="*/ 0 h 6858000"/>
-                <a:gd name="connsiteX7" fmla="*/ 4733044 w 10515600"/>
-                <a:gd name="connsiteY7" fmla="*/ 0 h 6858000"/>
-                <a:gd name="connsiteX8" fmla="*/ 6226185 w 10515600"/>
-                <a:gd name="connsiteY8" fmla="*/ 0 h 6858000"/>
-                <a:gd name="connsiteX9" fmla="*/ 8892577 w 10515600"/>
-                <a:gd name="connsiteY9" fmla="*/ 0 h 6858000"/>
-                <a:gd name="connsiteX10" fmla="*/ 8914701 w 10515600"/>
-                <a:gd name="connsiteY10" fmla="*/ 14997 h 6858000"/>
-                <a:gd name="connsiteX11" fmla="*/ 10515600 w 10515600"/>
-                <a:gd name="connsiteY11" fmla="*/ 3621656 h 6858000"/>
-                <a:gd name="connsiteX12" fmla="*/ 8641250 w 10515600"/>
-                <a:gd name="connsiteY12" fmla="*/ 6374814 h 6858000"/>
-                <a:gd name="connsiteX13" fmla="*/ 8124602 w 10515600"/>
-                <a:gd name="connsiteY13" fmla="*/ 6780599 h 6858000"/>
-                <a:gd name="connsiteX14" fmla="*/ 8012846 w 10515600"/>
-                <a:gd name="connsiteY14" fmla="*/ 6858000 h 6858000"/>
-                <a:gd name="connsiteX15" fmla="*/ 6226185 w 10515600"/>
-                <a:gd name="connsiteY15" fmla="*/ 6858000 h 6858000"/>
-                <a:gd name="connsiteX16" fmla="*/ 4607603 w 10515600"/>
-                <a:gd name="connsiteY16" fmla="*/ 6858000 h 6858000"/>
-                <a:gd name="connsiteX17" fmla="*/ 4595394 w 10515600"/>
-                <a:gd name="connsiteY17" fmla="*/ 6858000 h 6858000"/>
-                <a:gd name="connsiteX18" fmla="*/ 4424650 w 10515600"/>
-                <a:gd name="connsiteY18" fmla="*/ 6858000 h 6858000"/>
-                <a:gd name="connsiteX19" fmla="*/ 3721524 w 10515600"/>
-                <a:gd name="connsiteY19" fmla="*/ 6858000 h 6858000"/>
-                <a:gd name="connsiteX20" fmla="*/ 3678072 w 10515600"/>
-                <a:gd name="connsiteY20" fmla="*/ 6858000 h 6858000"/>
-                <a:gd name="connsiteX21" fmla="*/ 3387573 w 10515600"/>
-                <a:gd name="connsiteY21" fmla="*/ 6858000 h 6858000"/>
-                <a:gd name="connsiteX22" fmla="*/ 3039549 w 10515600"/>
-                <a:gd name="connsiteY22" fmla="*/ 6858000 h 6858000"/>
-                <a:gd name="connsiteX23" fmla="*/ 0 w 10515600"/>
-                <a:gd name="connsiteY23" fmla="*/ 6858000 h 6858000"/>
-              </a:gdLst>
-              <a:ahLst/>
-              <a:cxnLst>
-                <a:cxn ang="0">
-                  <a:pos x="connsiteX0" y="connsiteY0"/>
-                </a:cxn>
-                <a:cxn ang="0">
-                  <a:pos x="connsiteX1" y="connsiteY1"/>
-                </a:cxn>
-                <a:cxn ang="0">
-                  <a:pos x="connsiteX2" y="connsiteY2"/>
-                </a:cxn>
-                <a:cxn ang="0">
-                  <a:pos x="connsiteX3" y="connsiteY3"/>
-                </a:cxn>
-                <a:cxn ang="0">
-                  <a:pos x="connsiteX4" y="connsiteY4"/>
-                </a:cxn>
-                <a:cxn ang="0">
-                  <a:pos x="connsiteX5" y="connsiteY5"/>
-                </a:cxn>
-                <a:cxn ang="0">
-                  <a:pos x="connsiteX6" y="connsiteY6"/>
-                </a:cxn>
-                <a:cxn ang="0">
-                  <a:pos x="connsiteX7" y="connsiteY7"/>
-                </a:cxn>
-                <a:cxn ang="0">
-                  <a:pos x="connsiteX8" y="connsiteY8"/>
-                </a:cxn>
-                <a:cxn ang="0">
-                  <a:pos x="connsiteX9" y="connsiteY9"/>
-                </a:cxn>
-                <a:cxn ang="0">
-                  <a:pos x="connsiteX10" y="connsiteY10"/>
-                </a:cxn>
-                <a:cxn ang="0">
-                  <a:pos x="connsiteX11" y="connsiteY11"/>
-                </a:cxn>
-                <a:cxn ang="0">
-                  <a:pos x="connsiteX12" y="connsiteY12"/>
-                </a:cxn>
-                <a:cxn ang="0">
-                  <a:pos x="connsiteX13" y="connsiteY13"/>
-                </a:cxn>
-                <a:cxn ang="0">
-                  <a:pos x="connsiteX14" y="connsiteY14"/>
-                </a:cxn>
-                <a:cxn ang="0">
-                  <a:pos x="connsiteX15" y="connsiteY15"/>
-                </a:cxn>
-                <a:cxn ang="0">
-                  <a:pos x="connsiteX16" y="connsiteY16"/>
-                </a:cxn>
-                <a:cxn ang="0">
-                  <a:pos x="connsiteX17" y="connsiteY17"/>
-                </a:cxn>
-                <a:cxn ang="0">
-                  <a:pos x="connsiteX18" y="connsiteY18"/>
-                </a:cxn>
-                <a:cxn ang="0">
-                  <a:pos x="connsiteX19" y="connsiteY19"/>
-                </a:cxn>
-                <a:cxn ang="0">
-                  <a:pos x="connsiteX20" y="connsiteY20"/>
-                </a:cxn>
-                <a:cxn ang="0">
-                  <a:pos x="connsiteX21" y="connsiteY21"/>
-                </a:cxn>
-                <a:cxn ang="0">
-                  <a:pos x="connsiteX22" y="connsiteY22"/>
-                </a:cxn>
-                <a:cxn ang="0">
-                  <a:pos x="connsiteX23" y="connsiteY23"/>
-                </a:cxn>
-              </a:cxnLst>
-              <a:rect l="l" t="t" r="r" b="b"/>
-              <a:pathLst>
-                <a:path w="10515600" h="6858000">
-                  <a:moveTo>
-                    <a:pt x="0" y="0"/>
-                  </a:moveTo>
-                  <a:lnTo>
-                    <a:pt x="3039549" y="0"/>
-                  </a:lnTo>
-                  <a:lnTo>
-                    <a:pt x="3387573" y="0"/>
-                  </a:lnTo>
-                  <a:lnTo>
-                    <a:pt x="3678072" y="0"/>
-                  </a:lnTo>
-                  <a:lnTo>
-                    <a:pt x="3721524" y="0"/>
-                  </a:lnTo>
-                  <a:lnTo>
-                    <a:pt x="4595394" y="0"/>
-                  </a:lnTo>
-                  <a:lnTo>
-                    <a:pt x="4607603" y="0"/>
-                  </a:lnTo>
-                  <a:lnTo>
-                    <a:pt x="4733044" y="0"/>
-                  </a:lnTo>
-                  <a:lnTo>
-                    <a:pt x="6226185" y="0"/>
-                  </a:lnTo>
-                  <a:lnTo>
-                    <a:pt x="8892577" y="0"/>
-                  </a:lnTo>
-                  <a:lnTo>
-                    <a:pt x="8914701" y="14997"/>
-                  </a:lnTo>
-                  <a:cubicBezTo>
-                    <a:pt x="9941864" y="754641"/>
-                    <a:pt x="10515600" y="2093192"/>
-                    <a:pt x="10515600" y="3621656"/>
-                  </a:cubicBezTo>
-                  <a:cubicBezTo>
-                    <a:pt x="10515600" y="4969131"/>
-                    <a:pt x="9586875" y="5602839"/>
-                    <a:pt x="8641250" y="6374814"/>
-                  </a:cubicBezTo>
-                  <a:cubicBezTo>
-                    <a:pt x="8469047" y="6515397"/>
-                    <a:pt x="8298420" y="6653108"/>
-                    <a:pt x="8124602" y="6780599"/>
-                  </a:cubicBezTo>
-                  <a:lnTo>
-                    <a:pt x="8012846" y="6858000"/>
-                  </a:lnTo>
-                  <a:lnTo>
-                    <a:pt x="6226185" y="6858000"/>
-                  </a:lnTo>
-                  <a:lnTo>
-                    <a:pt x="4607603" y="6858000"/>
-                  </a:lnTo>
-                  <a:lnTo>
-                    <a:pt x="4595394" y="6858000"/>
-                  </a:lnTo>
-                  <a:lnTo>
-                    <a:pt x="4424650" y="6858000"/>
-                  </a:lnTo>
-                  <a:lnTo>
-                    <a:pt x="3721524" y="6858000"/>
-                  </a:lnTo>
-                  <a:lnTo>
-                    <a:pt x="3678072" y="6858000"/>
-                  </a:lnTo>
-                  <a:lnTo>
-                    <a:pt x="3387573" y="6858000"/>
-                  </a:lnTo>
-                  <a:lnTo>
-                    <a:pt x="3039549" y="6858000"/>
-                  </a:lnTo>
-                  <a:lnTo>
-                    <a:pt x="0" y="6858000"/>
-                  </a:lnTo>
-                  <a:close/>
-                </a:path>
-              </a:pathLst>
-            </a:custGeom>
-            <a:solidFill>
-              <a:schemeClr val="bg1">
-                <a:alpha val="60000"/>
-              </a:schemeClr>
-            </a:solidFill>
-            <a:ln>
-              <a:noFill/>
-            </a:ln>
-          </p:spPr>
-          <p:style>
-            <a:lnRef idx="2">
-              <a:schemeClr val="accent1">
-                <a:shade val="50000"/>
-              </a:schemeClr>
-            </a:lnRef>
-            <a:fillRef idx="1">
-              <a:schemeClr val="accent1"/>
-            </a:fillRef>
-            <a:effectRef idx="0">
-              <a:schemeClr val="accent1"/>
-            </a:effectRef>
-            <a:fontRef idx="minor">
-              <a:schemeClr val="lt1"/>
-            </a:fontRef>
-          </p:style>
-          <p:txBody>
-            <a:bodyPr wrap="square" rtlCol="0" anchor="ctr">
-              <a:noAutofit/>
-            </a:bodyPr>
-            <a:lstStyle/>
-            <a:p>
-              <a:pPr algn="ctr"/>
-              <a:endParaRPr lang="en-US"/>
-            </a:p>
-          </p:txBody>
-        </p:sp>
-        <p:sp>
-          <p:nvSpPr>
-            <p:cNvPr id="12" name="Freeform: Shape 11">
-              <a:extLst>
-                <a:ext uri="{FF2B5EF4-FFF2-40B4-BE49-F238E27FC236}">
-                  <a16:creationId xmlns:a16="http://schemas.microsoft.com/office/drawing/2014/main" id="{4E58012C-4DA3-4ED3-9500-41F9AF60B1A1}"/>
-                </a:ext>
-                <a:ext uri="{C183D7F6-B498-43B3-948B-1728B52AA6E4}">
-                  <adec:decorative xmlns:adec="http://schemas.microsoft.com/office/drawing/2017/decorative" val="1"/>
-                </a:ext>
-              </a:extLst>
-            </p:cNvPr>
-            <p:cNvSpPr/>
-            <p:nvPr>
-              <p:extLst>
-                <p:ext uri="{386F3935-93C4-4BCD-93E2-E3B085C9AB24}">
-                  <p16:designElem xmlns:p16="http://schemas.microsoft.com/office/powerpoint/2015/main" val="1"/>
-                </p:ext>
-              </p:extLst>
-            </p:nvPr>
-          </p:nvSpPr>
-          <p:spPr>
-            <a:xfrm>
-              <a:off x="8404334" y="0"/>
-              <a:ext cx="2529723" cy="6858000"/>
-            </a:xfrm>
-            <a:custGeom>
-              <a:avLst/>
-              <a:gdLst>
-                <a:gd name="connsiteX0" fmla="*/ 1258269 w 2529723"/>
-                <a:gd name="connsiteY0" fmla="*/ 0 h 6858000"/>
-                <a:gd name="connsiteX1" fmla="*/ 1275627 w 2529723"/>
-                <a:gd name="connsiteY1" fmla="*/ 0 h 6858000"/>
-                <a:gd name="connsiteX2" fmla="*/ 1302560 w 2529723"/>
-                <a:gd name="connsiteY2" fmla="*/ 24338 h 6858000"/>
-                <a:gd name="connsiteX3" fmla="*/ 2522825 w 2529723"/>
-                <a:gd name="connsiteY3" fmla="*/ 3678515 h 6858000"/>
-                <a:gd name="connsiteX4" fmla="*/ 557500 w 2529723"/>
-                <a:gd name="connsiteY4" fmla="*/ 6451411 h 6858000"/>
-                <a:gd name="connsiteX5" fmla="*/ 32482 w 2529723"/>
-                <a:gd name="connsiteY5" fmla="*/ 6849373 h 6858000"/>
-                <a:gd name="connsiteX6" fmla="*/ 19531 w 2529723"/>
-                <a:gd name="connsiteY6" fmla="*/ 6858000 h 6858000"/>
-                <a:gd name="connsiteX7" fmla="*/ 0 w 2529723"/>
-                <a:gd name="connsiteY7" fmla="*/ 6858000 h 6858000"/>
-                <a:gd name="connsiteX8" fmla="*/ 14202 w 2529723"/>
-                <a:gd name="connsiteY8" fmla="*/ 6848540 h 6858000"/>
-                <a:gd name="connsiteX9" fmla="*/ 539221 w 2529723"/>
-                <a:gd name="connsiteY9" fmla="*/ 6450578 h 6858000"/>
-                <a:gd name="connsiteX10" fmla="*/ 2504546 w 2529723"/>
-                <a:gd name="connsiteY10" fmla="*/ 3677682 h 6858000"/>
-                <a:gd name="connsiteX11" fmla="*/ 1284280 w 2529723"/>
-                <a:gd name="connsiteY11" fmla="*/ 23504 h 6858000"/>
-              </a:gdLst>
-              <a:ahLst/>
-              <a:cxnLst>
-                <a:cxn ang="0">
-                  <a:pos x="connsiteX0" y="connsiteY0"/>
-                </a:cxn>
-                <a:cxn ang="0">
-                  <a:pos x="connsiteX1" y="connsiteY1"/>
-                </a:cxn>
-                <a:cxn ang="0">
-                  <a:pos x="connsiteX2" y="connsiteY2"/>
-                </a:cxn>
-                <a:cxn ang="0">
-                  <a:pos x="connsiteX3" y="connsiteY3"/>
-                </a:cxn>
-                <a:cxn ang="0">
-                  <a:pos x="connsiteX4" y="connsiteY4"/>
-                </a:cxn>
-                <a:cxn ang="0">
-                  <a:pos x="connsiteX5" y="connsiteY5"/>
-                </a:cxn>
-                <a:cxn ang="0">
-                  <a:pos x="connsiteX6" y="connsiteY6"/>
-                </a:cxn>
-                <a:cxn ang="0">
-                  <a:pos x="connsiteX7" y="connsiteY7"/>
-                </a:cxn>
-                <a:cxn ang="0">
-                  <a:pos x="connsiteX8" y="connsiteY8"/>
-                </a:cxn>
-                <a:cxn ang="0">
-                  <a:pos x="connsiteX9" y="connsiteY9"/>
-                </a:cxn>
-                <a:cxn ang="0">
-                  <a:pos x="connsiteX10" y="connsiteY10"/>
-                </a:cxn>
-                <a:cxn ang="0">
-                  <a:pos x="connsiteX11" y="connsiteY11"/>
-                </a:cxn>
-              </a:cxnLst>
-              <a:rect l="l" t="t" r="r" b="b"/>
-              <a:pathLst>
-                <a:path w="2529723" h="6858000">
-                  <a:moveTo>
-                    <a:pt x="1258269" y="0"/>
-                  </a:moveTo>
-                  <a:lnTo>
-                    <a:pt x="1275627" y="0"/>
-                  </a:lnTo>
-                  <a:lnTo>
-                    <a:pt x="1302560" y="24338"/>
-                  </a:lnTo>
-                  <a:cubicBezTo>
-                    <a:pt x="2156831" y="855667"/>
-                    <a:pt x="2590622" y="2191755"/>
-                    <a:pt x="2522825" y="3678515"/>
-                  </a:cubicBezTo>
-                  <a:cubicBezTo>
-                    <a:pt x="2459072" y="5076606"/>
-                    <a:pt x="1519830" y="5692656"/>
-                    <a:pt x="557500" y="6451411"/>
-                  </a:cubicBezTo>
-                  <a:cubicBezTo>
-                    <a:pt x="382255" y="6589587"/>
-                    <a:pt x="208689" y="6724853"/>
-                    <a:pt x="32482" y="6849373"/>
-                  </a:cubicBezTo>
-                  <a:lnTo>
-                    <a:pt x="19531" y="6858000"/>
-                  </a:lnTo>
-                  <a:lnTo>
-                    <a:pt x="0" y="6858000"/>
-                  </a:lnTo>
-                  <a:lnTo>
-                    <a:pt x="14202" y="6848540"/>
-                  </a:lnTo>
-                  <a:cubicBezTo>
-                    <a:pt x="190409" y="6724020"/>
-                    <a:pt x="363976" y="6588754"/>
-                    <a:pt x="539221" y="6450578"/>
-                  </a:cubicBezTo>
-                  <a:cubicBezTo>
-                    <a:pt x="1501550" y="5691822"/>
-                    <a:pt x="2440792" y="5075773"/>
-                    <a:pt x="2504546" y="3677682"/>
-                  </a:cubicBezTo>
-                  <a:cubicBezTo>
-                    <a:pt x="2572343" y="2190921"/>
-                    <a:pt x="2138551" y="854834"/>
-                    <a:pt x="1284280" y="23504"/>
-                  </a:cubicBezTo>
-                  <a:close/>
-                </a:path>
-              </a:pathLst>
-            </a:custGeom>
-            <a:solidFill>
-              <a:srgbClr val="FFFFFF"/>
-            </a:solidFill>
-            <a:ln>
-              <a:noFill/>
-            </a:ln>
-          </p:spPr>
-          <p:style>
-            <a:lnRef idx="2">
-              <a:schemeClr val="accent1">
-                <a:shade val="50000"/>
-              </a:schemeClr>
-            </a:lnRef>
-            <a:fillRef idx="1">
-              <a:schemeClr val="accent1"/>
-            </a:fillRef>
-            <a:effectRef idx="0">
-              <a:schemeClr val="accent1"/>
-            </a:effectRef>
-            <a:fontRef idx="minor">
-              <a:schemeClr val="lt1"/>
-            </a:fontRef>
-          </p:style>
-          <p:txBody>
-            <a:bodyPr wrap="square" rtlCol="0" anchor="ctr">
-              <a:noAutofit/>
-            </a:bodyPr>
-            <a:lstStyle/>
-            <a:p>
-              <a:pPr marL="0" marR="0" lvl="0" indent="0" algn="ctr" defTabSz="457200" rtl="0" eaLnBrk="1" fontAlgn="auto" latinLnBrk="0" hangingPunct="1">
-                <a:lnSpc>
-                  <a:spcPct val="100000"/>
-                </a:lnSpc>
-                <a:spcBef>
-                  <a:spcPts val="0"/>
-                </a:spcBef>
-                <a:spcAft>
-                  <a:spcPts val="0"/>
-                </a:spcAft>
-                <a:buClrTx/>
-                <a:buSzTx/>
-                <a:buFontTx/>
-                <a:buNone/>
-                <a:tabLst/>
-                <a:defRPr/>
-              </a:pPr>
-              <a:endParaRPr kumimoji="0" lang="en-US" sz="1800" b="0" i="0" u="none" strike="noStrike" kern="1200" cap="none" spc="0" normalizeH="0" baseline="0" noProof="0" dirty="0">
-                <a:ln>
-                  <a:noFill/>
-                </a:ln>
-                <a:solidFill>
-                  <a:prstClr val="white"/>
-                </a:solidFill>
-                <a:effectLst/>
-                <a:uLnTx/>
-                <a:uFillTx/>
-                <a:latin typeface="Meiryo"/>
-                <a:ea typeface="+mn-ea"/>
-                <a:cs typeface="+mn-cs"/>
-              </a:endParaRPr>
-            </a:p>
-          </p:txBody>
-        </p:sp>
-        <p:sp>
-          <p:nvSpPr>
-            <p:cNvPr id="13" name="Freeform: Shape 12">
-              <a:extLst>
-                <a:ext uri="{FF2B5EF4-FFF2-40B4-BE49-F238E27FC236}">
-                  <a16:creationId xmlns:a16="http://schemas.microsoft.com/office/drawing/2014/main" id="{59AC73F7-22BD-4C46-B368-3F03B8478F99}"/>
-                </a:ext>
-                <a:ext uri="{C183D7F6-B498-43B3-948B-1728B52AA6E4}">
-                  <adec:decorative xmlns:adec="http://schemas.microsoft.com/office/drawing/2017/decorative" val="1"/>
-                </a:ext>
-              </a:extLst>
-            </p:cNvPr>
-            <p:cNvSpPr/>
-            <p:nvPr>
-              <p:extLst>
-                <p:ext uri="{386F3935-93C4-4BCD-93E2-E3B085C9AB24}">
-                  <p16:designElem xmlns:p16="http://schemas.microsoft.com/office/powerpoint/2015/main" val="1"/>
-                </p:ext>
-              </p:extLst>
-            </p:nvPr>
-          </p:nvSpPr>
-          <p:spPr>
-            <a:xfrm>
-              <a:off x="8184327" y="0"/>
-              <a:ext cx="2536434" cy="6858000"/>
-            </a:xfrm>
-            <a:custGeom>
-              <a:avLst/>
-              <a:gdLst>
-                <a:gd name="connsiteX0" fmla="*/ 879731 w 2536434"/>
-                <a:gd name="connsiteY0" fmla="*/ 0 h 6858000"/>
-                <a:gd name="connsiteX1" fmla="*/ 913411 w 2536434"/>
-                <a:gd name="connsiteY1" fmla="*/ 0 h 6858000"/>
-                <a:gd name="connsiteX2" fmla="*/ 935535 w 2536434"/>
-                <a:gd name="connsiteY2" fmla="*/ 14997 h 6858000"/>
-                <a:gd name="connsiteX3" fmla="*/ 2536434 w 2536434"/>
-                <a:gd name="connsiteY3" fmla="*/ 3621656 h 6858000"/>
-                <a:gd name="connsiteX4" fmla="*/ 662084 w 2536434"/>
-                <a:gd name="connsiteY4" fmla="*/ 6374814 h 6858000"/>
-                <a:gd name="connsiteX5" fmla="*/ 145436 w 2536434"/>
-                <a:gd name="connsiteY5" fmla="*/ 6780599 h 6858000"/>
-                <a:gd name="connsiteX6" fmla="*/ 33680 w 2536434"/>
-                <a:gd name="connsiteY6" fmla="*/ 6858000 h 6858000"/>
-                <a:gd name="connsiteX7" fmla="*/ 0 w 2536434"/>
-                <a:gd name="connsiteY7" fmla="*/ 6858000 h 6858000"/>
-                <a:gd name="connsiteX8" fmla="*/ 111756 w 2536434"/>
-                <a:gd name="connsiteY8" fmla="*/ 6780599 h 6858000"/>
-                <a:gd name="connsiteX9" fmla="*/ 628404 w 2536434"/>
-                <a:gd name="connsiteY9" fmla="*/ 6374814 h 6858000"/>
-                <a:gd name="connsiteX10" fmla="*/ 2502754 w 2536434"/>
-                <a:gd name="connsiteY10" fmla="*/ 3621656 h 6858000"/>
-                <a:gd name="connsiteX11" fmla="*/ 901855 w 2536434"/>
-                <a:gd name="connsiteY11" fmla="*/ 14997 h 6858000"/>
-              </a:gdLst>
-              <a:ahLst/>
-              <a:cxnLst>
-                <a:cxn ang="0">
-                  <a:pos x="connsiteX0" y="connsiteY0"/>
-                </a:cxn>
-                <a:cxn ang="0">
-                  <a:pos x="connsiteX1" y="connsiteY1"/>
-                </a:cxn>
-                <a:cxn ang="0">
-                  <a:pos x="connsiteX2" y="connsiteY2"/>
-                </a:cxn>
-                <a:cxn ang="0">
-                  <a:pos x="connsiteX3" y="connsiteY3"/>
-                </a:cxn>
-                <a:cxn ang="0">
-                  <a:pos x="connsiteX4" y="connsiteY4"/>
-                </a:cxn>
-                <a:cxn ang="0">
-                  <a:pos x="connsiteX5" y="connsiteY5"/>
-                </a:cxn>
-                <a:cxn ang="0">
-                  <a:pos x="connsiteX6" y="connsiteY6"/>
-                </a:cxn>
-                <a:cxn ang="0">
-                  <a:pos x="connsiteX7" y="connsiteY7"/>
-                </a:cxn>
-                <a:cxn ang="0">
-                  <a:pos x="connsiteX8" y="connsiteY8"/>
-                </a:cxn>
-                <a:cxn ang="0">
-                  <a:pos x="connsiteX9" y="connsiteY9"/>
-                </a:cxn>
-                <a:cxn ang="0">
-                  <a:pos x="connsiteX10" y="connsiteY10"/>
-                </a:cxn>
-                <a:cxn ang="0">
-                  <a:pos x="connsiteX11" y="connsiteY11"/>
-                </a:cxn>
-              </a:cxnLst>
-              <a:rect l="l" t="t" r="r" b="b"/>
-              <a:pathLst>
-                <a:path w="2536434" h="6858000">
-                  <a:moveTo>
-                    <a:pt x="879731" y="0"/>
-                  </a:moveTo>
-                  <a:lnTo>
-                    <a:pt x="913411" y="0"/>
-                  </a:lnTo>
-                  <a:lnTo>
-                    <a:pt x="935535" y="14997"/>
-                  </a:lnTo>
-                  <a:cubicBezTo>
-                    <a:pt x="1962698" y="754641"/>
-                    <a:pt x="2536434" y="2093192"/>
-                    <a:pt x="2536434" y="3621656"/>
-                  </a:cubicBezTo>
-                  <a:cubicBezTo>
-                    <a:pt x="2536434" y="4969131"/>
-                    <a:pt x="1607709" y="5602839"/>
-                    <a:pt x="662084" y="6374814"/>
-                  </a:cubicBezTo>
-                  <a:cubicBezTo>
-                    <a:pt x="489881" y="6515397"/>
-                    <a:pt x="319254" y="6653108"/>
-                    <a:pt x="145436" y="6780599"/>
-                  </a:cubicBezTo>
-                  <a:lnTo>
-                    <a:pt x="33680" y="6858000"/>
-                  </a:lnTo>
-                  <a:lnTo>
-                    <a:pt x="0" y="6858000"/>
-                  </a:lnTo>
-                  <a:lnTo>
-                    <a:pt x="111756" y="6780599"/>
-                  </a:lnTo>
-                  <a:cubicBezTo>
-                    <a:pt x="285574" y="6653108"/>
-                    <a:pt x="456201" y="6515397"/>
-                    <a:pt x="628404" y="6374814"/>
-                  </a:cubicBezTo>
-                  <a:cubicBezTo>
-                    <a:pt x="1574029" y="5602839"/>
-                    <a:pt x="2502754" y="4969131"/>
-                    <a:pt x="2502754" y="3621656"/>
-                  </a:cubicBezTo>
-                  <a:cubicBezTo>
-                    <a:pt x="2502754" y="2093192"/>
-                    <a:pt x="1929018" y="754641"/>
-                    <a:pt x="901855" y="14997"/>
-                  </a:cubicBezTo>
-                  <a:close/>
-                </a:path>
-              </a:pathLst>
-            </a:custGeom>
-            <a:solidFill>
-              <a:srgbClr val="FFFFFF"/>
-            </a:solidFill>
-            <a:ln>
-              <a:noFill/>
-            </a:ln>
-          </p:spPr>
-          <p:style>
-            <a:lnRef idx="2">
-              <a:schemeClr val="accent1">
-                <a:shade val="50000"/>
-              </a:schemeClr>
-            </a:lnRef>
-            <a:fillRef idx="1">
-              <a:schemeClr val="accent1"/>
-            </a:fillRef>
-            <a:effectRef idx="0">
-              <a:schemeClr val="accent1"/>
-            </a:effectRef>
-            <a:fontRef idx="minor">
-              <a:schemeClr val="lt1"/>
-            </a:fontRef>
-          </p:style>
-          <p:txBody>
-            <a:bodyPr wrap="square" rtlCol="0" anchor="ctr">
-              <a:noAutofit/>
-            </a:bodyPr>
-            <a:lstStyle/>
-            <a:p>
-              <a:pPr marL="0" marR="0" lvl="0" indent="0" algn="ctr" defTabSz="914400" rtl="0" eaLnBrk="1" fontAlgn="auto" latinLnBrk="0" hangingPunct="1">
-                <a:lnSpc>
-                  <a:spcPct val="100000"/>
-                </a:lnSpc>
-                <a:spcBef>
-                  <a:spcPts val="0"/>
-                </a:spcBef>
-                <a:spcAft>
-                  <a:spcPts val="0"/>
-                </a:spcAft>
-                <a:buClrTx/>
-                <a:buSzTx/>
-                <a:buFontTx/>
-                <a:buNone/>
-                <a:tabLst/>
-                <a:defRPr/>
-              </a:pPr>
-              <a:endParaRPr kumimoji="0" lang="en-US" sz="1800" b="0" i="0" u="none" strike="noStrike" kern="1200" cap="none" spc="0" normalizeH="0" baseline="0" noProof="0" dirty="0">
-                <a:ln>
-                  <a:noFill/>
-                </a:ln>
-                <a:solidFill>
-                  <a:prstClr val="white"/>
-                </a:solidFill>
-                <a:effectLst/>
-                <a:uLnTx/>
-                <a:uFillTx/>
-                <a:latin typeface="Meiryo"/>
-                <a:ea typeface="+mn-ea"/>
-                <a:cs typeface="+mn-cs"/>
-              </a:endParaRPr>
-            </a:p>
-          </p:txBody>
-        </p:sp>
-        <p:sp>
-          <p:nvSpPr>
-            <p:cNvPr id="14" name="Freeform: Shape 13">
-              <a:extLst>
-                <a:ext uri="{FF2B5EF4-FFF2-40B4-BE49-F238E27FC236}">
-                  <a16:creationId xmlns:a16="http://schemas.microsoft.com/office/drawing/2014/main" id="{95C99F96-8984-456F-BD66-5C019A651033}"/>
-                </a:ext>
-                <a:ext uri="{C183D7F6-B498-43B3-948B-1728B52AA6E4}">
-                  <adec:decorative xmlns:adec="http://schemas.microsoft.com/office/drawing/2017/decorative" val="1"/>
-                </a:ext>
-              </a:extLst>
-            </p:cNvPr>
-            <p:cNvSpPr/>
-            <p:nvPr>
-              <p:extLst>
-                <p:ext uri="{386F3935-93C4-4BCD-93E2-E3B085C9AB24}">
-                  <p16:designElem xmlns:p16="http://schemas.microsoft.com/office/powerpoint/2015/main" val="1"/>
-                </p:ext>
-              </p:extLst>
-            </p:nvPr>
-          </p:nvSpPr>
-          <p:spPr>
-            <a:xfrm>
-              <a:off x="7953086" y="0"/>
-              <a:ext cx="2261351" cy="6858000"/>
-            </a:xfrm>
-            <a:custGeom>
-              <a:avLst/>
-              <a:gdLst>
-                <a:gd name="connsiteX0" fmla="*/ 879731 w 2521425"/>
-                <a:gd name="connsiteY0" fmla="*/ 0 h 6858000"/>
-                <a:gd name="connsiteX1" fmla="*/ 898402 w 2521425"/>
-                <a:gd name="connsiteY1" fmla="*/ 0 h 6858000"/>
-                <a:gd name="connsiteX2" fmla="*/ 920526 w 2521425"/>
-                <a:gd name="connsiteY2" fmla="*/ 14997 h 6858000"/>
-                <a:gd name="connsiteX3" fmla="*/ 2521425 w 2521425"/>
-                <a:gd name="connsiteY3" fmla="*/ 3621656 h 6858000"/>
-                <a:gd name="connsiteX4" fmla="*/ 647075 w 2521425"/>
-                <a:gd name="connsiteY4" fmla="*/ 6374814 h 6858000"/>
-                <a:gd name="connsiteX5" fmla="*/ 130427 w 2521425"/>
-                <a:gd name="connsiteY5" fmla="*/ 6780599 h 6858000"/>
-                <a:gd name="connsiteX6" fmla="*/ 18671 w 2521425"/>
-                <a:gd name="connsiteY6" fmla="*/ 6858000 h 6858000"/>
-                <a:gd name="connsiteX7" fmla="*/ 0 w 2521425"/>
-                <a:gd name="connsiteY7" fmla="*/ 6858000 h 6858000"/>
-                <a:gd name="connsiteX8" fmla="*/ 111756 w 2521425"/>
-                <a:gd name="connsiteY8" fmla="*/ 6780599 h 6858000"/>
-                <a:gd name="connsiteX9" fmla="*/ 628404 w 2521425"/>
-                <a:gd name="connsiteY9" fmla="*/ 6374814 h 6858000"/>
-                <a:gd name="connsiteX10" fmla="*/ 2502754 w 2521425"/>
-                <a:gd name="connsiteY10" fmla="*/ 3621656 h 6858000"/>
-                <a:gd name="connsiteX11" fmla="*/ 901855 w 2521425"/>
-                <a:gd name="connsiteY11" fmla="*/ 14997 h 6858000"/>
-              </a:gdLst>
-              <a:ahLst/>
-              <a:cxnLst>
-                <a:cxn ang="0">
-                  <a:pos x="connsiteX0" y="connsiteY0"/>
-                </a:cxn>
-                <a:cxn ang="0">
-                  <a:pos x="connsiteX1" y="connsiteY1"/>
-                </a:cxn>
-                <a:cxn ang="0">
-                  <a:pos x="connsiteX2" y="connsiteY2"/>
-                </a:cxn>
-                <a:cxn ang="0">
-                  <a:pos x="connsiteX3" y="connsiteY3"/>
-                </a:cxn>
-                <a:cxn ang="0">
-                  <a:pos x="connsiteX4" y="connsiteY4"/>
-                </a:cxn>
-                <a:cxn ang="0">
-                  <a:pos x="connsiteX5" y="connsiteY5"/>
-                </a:cxn>
-                <a:cxn ang="0">
-                  <a:pos x="connsiteX6" y="connsiteY6"/>
-                </a:cxn>
-                <a:cxn ang="0">
-                  <a:pos x="connsiteX7" y="connsiteY7"/>
-                </a:cxn>
-                <a:cxn ang="0">
-                  <a:pos x="connsiteX8" y="connsiteY8"/>
-                </a:cxn>
-                <a:cxn ang="0">
-                  <a:pos x="connsiteX9" y="connsiteY9"/>
-                </a:cxn>
-                <a:cxn ang="0">
-                  <a:pos x="connsiteX10" y="connsiteY10"/>
-                </a:cxn>
-                <a:cxn ang="0">
-                  <a:pos x="connsiteX11" y="connsiteY11"/>
-                </a:cxn>
-              </a:cxnLst>
-              <a:rect l="l" t="t" r="r" b="b"/>
-              <a:pathLst>
-                <a:path w="2521425" h="6858000">
-                  <a:moveTo>
-                    <a:pt x="879731" y="0"/>
-                  </a:moveTo>
-                  <a:lnTo>
-                    <a:pt x="898402" y="0"/>
-                  </a:lnTo>
-                  <a:lnTo>
-                    <a:pt x="920526" y="14997"/>
-                  </a:lnTo>
-                  <a:cubicBezTo>
-                    <a:pt x="1947689" y="754641"/>
-                    <a:pt x="2521425" y="2093192"/>
-                    <a:pt x="2521425" y="3621656"/>
-                  </a:cubicBezTo>
-                  <a:cubicBezTo>
-                    <a:pt x="2521425" y="4969131"/>
-                    <a:pt x="1592700" y="5602839"/>
-                    <a:pt x="647075" y="6374814"/>
-                  </a:cubicBezTo>
-                  <a:cubicBezTo>
-                    <a:pt x="474872" y="6515397"/>
-                    <a:pt x="304245" y="6653108"/>
-                    <a:pt x="130427" y="6780599"/>
-                  </a:cubicBezTo>
-                  <a:lnTo>
-                    <a:pt x="18671" y="6858000"/>
-                  </a:lnTo>
-                  <a:lnTo>
-                    <a:pt x="0" y="6858000"/>
-                  </a:lnTo>
-                  <a:lnTo>
-                    <a:pt x="111756" y="6780599"/>
-                  </a:lnTo>
-                  <a:cubicBezTo>
-                    <a:pt x="285574" y="6653108"/>
-                    <a:pt x="456201" y="6515397"/>
-                    <a:pt x="628404" y="6374814"/>
-                  </a:cubicBezTo>
-                  <a:cubicBezTo>
-                    <a:pt x="1574029" y="5602839"/>
-                    <a:pt x="2502754" y="4969131"/>
-                    <a:pt x="2502754" y="3621656"/>
-                  </a:cubicBezTo>
-                  <a:cubicBezTo>
-                    <a:pt x="2502754" y="2093192"/>
-                    <a:pt x="1929018" y="754641"/>
-                    <a:pt x="901855" y="14997"/>
-                  </a:cubicBezTo>
-                  <a:close/>
-                </a:path>
-              </a:pathLst>
-            </a:custGeom>
-            <a:solidFill>
-              <a:schemeClr val="bg2">
-                <a:lumMod val="90000"/>
-              </a:schemeClr>
-            </a:solidFill>
-            <a:ln>
-              <a:noFill/>
-            </a:ln>
-          </p:spPr>
-          <p:style>
-            <a:lnRef idx="2">
-              <a:schemeClr val="accent1">
-                <a:shade val="50000"/>
-              </a:schemeClr>
-            </a:lnRef>
-            <a:fillRef idx="1">
-              <a:schemeClr val="accent1"/>
-            </a:fillRef>
-            <a:effectRef idx="0">
-              <a:schemeClr val="accent1"/>
-            </a:effectRef>
-            <a:fontRef idx="minor">
-              <a:schemeClr val="lt1"/>
-            </a:fontRef>
-          </p:style>
-          <p:txBody>
-            <a:bodyPr wrap="square" rtlCol="0" anchor="ctr">
-              <a:noAutofit/>
-            </a:bodyPr>
-            <a:lstStyle/>
-            <a:p>
-              <a:pPr marL="0" marR="0" lvl="0" indent="0" algn="ctr" defTabSz="914400" rtl="0" eaLnBrk="1" fontAlgn="auto" latinLnBrk="0" hangingPunct="1">
-                <a:lnSpc>
-                  <a:spcPct val="100000"/>
-                </a:lnSpc>
-                <a:spcBef>
-                  <a:spcPts val="0"/>
-                </a:spcBef>
-                <a:spcAft>
-                  <a:spcPts val="0"/>
-                </a:spcAft>
-                <a:buClrTx/>
-                <a:buSzTx/>
-                <a:buFontTx/>
-                <a:buNone/>
-                <a:tabLst/>
-                <a:defRPr/>
-              </a:pPr>
-              <a:endParaRPr kumimoji="0" lang="en-US" sz="1800" b="0" i="0" u="none" strike="noStrike" kern="1200" cap="none" spc="0" normalizeH="0" baseline="0" noProof="0">
-                <a:ln>
-                  <a:noFill/>
-                </a:ln>
-                <a:solidFill>
-                  <a:prstClr val="white"/>
-                </a:solidFill>
-                <a:effectLst/>
-                <a:uLnTx/>
-                <a:uFillTx/>
-                <a:latin typeface="Meiryo"/>
-                <a:ea typeface="+mn-ea"/>
-                <a:cs typeface="+mn-cs"/>
-              </a:endParaRPr>
-            </a:p>
-          </p:txBody>
-        </p:sp>
-      </p:grpSp>
-      <p:sp>
-        <p:nvSpPr>
-          <p:cNvPr id="2" name="Titre 1">
-            <a:extLst>
-              <a:ext uri="{FF2B5EF4-FFF2-40B4-BE49-F238E27FC236}">
-                <a16:creationId xmlns:a16="http://schemas.microsoft.com/office/drawing/2014/main" id="{98F4B48B-FBF3-BD69-EB1C-0C397BFE8428}"/>
-              </a:ext>
-            </a:extLst>
-          </p:cNvPr>
-          <p:cNvSpPr>
-            <a:spLocks noGrp="1"/>
-          </p:cNvSpPr>
-          <p:nvPr>
-            <p:ph type="title"/>
-          </p:nvPr>
-        </p:nvSpPr>
-        <p:spPr>
-          <a:xfrm>
-            <a:off x="1920875" y="442913"/>
-            <a:ext cx="6857365" cy="1344612"/>
-          </a:xfrm>
-        </p:spPr>
-        <p:txBody>
-          <a:bodyPr anchor="b">
-            <a:normAutofit/>
-          </a:bodyPr>
-          <a:lstStyle/>
-          <a:p>
-            <a:r>
-              <a:rPr lang="fr-FR" dirty="0"/>
-              <a:t>Résultat dans la console</a:t>
-            </a:r>
-          </a:p>
-        </p:txBody>
-      </p:sp>
-      <p:pic>
-        <p:nvPicPr>
-          <p:cNvPr id="7" name="Espace réservé du contenu 6">
-            <a:extLst>
-              <a:ext uri="{FF2B5EF4-FFF2-40B4-BE49-F238E27FC236}">
-                <a16:creationId xmlns:a16="http://schemas.microsoft.com/office/drawing/2014/main" id="{3E766CBC-F804-5DFD-9A52-379AE0A95DE9}"/>
-              </a:ext>
-            </a:extLst>
-          </p:cNvPr>
-          <p:cNvPicPr>
-            <a:picLocks noGrp="1" noChangeAspect="1"/>
-          </p:cNvPicPr>
-          <p:nvPr>
-            <p:ph idx="1"/>
-          </p:nvPr>
-        </p:nvPicPr>
-        <p:blipFill>
-          <a:blip r:embed="rId2"/>
-          <a:stretch>
-            <a:fillRect/>
-          </a:stretch>
-        </p:blipFill>
-        <p:spPr>
-          <a:xfrm>
-            <a:off x="625309" y="2627698"/>
-            <a:ext cx="10941381" cy="2202148"/>
-          </a:xfrm>
-        </p:spPr>
-      </p:pic>
-    </p:spTree>
-    <p:extLst>
-      <p:ext uri="{BB962C8B-B14F-4D97-AF65-F5344CB8AC3E}">
-        <p14:creationId xmlns:p14="http://schemas.microsoft.com/office/powerpoint/2010/main" val="3447224309"/>
-      </p:ext>
-    </p:extLst>
-  </p:cSld>
-  <p:clrMapOvr>
-    <a:masterClrMapping/>
-  </p:clrMapOvr>
-</p:sld>
-</file>
-
-<file path=ppt/slides/slide15.xml><?xml version="1.0" encoding="utf-8"?>
 <p:sld xmlns:a="http://schemas.openxmlformats.org/drawingml/2006/main" xmlns:r="http://schemas.openxmlformats.org/officeDocument/2006/relationships" xmlns:p="http://schemas.openxmlformats.org/presentationml/2006/main">
   <p:cSld>
     <p:bg>
@@ -16426,93 +15427,6 @@
       </p:sp>
       <p:pic>
         <p:nvPicPr>
-          <p:cNvPr id="6" name="Espace réservé du contenu 4" descr="Une image contenant texte, capture d’écran, diagramme, Parallèle&#10;&#10;Description générée automatiquement">
-            <a:extLst>
-              <a:ext uri="{FF2B5EF4-FFF2-40B4-BE49-F238E27FC236}">
-                <a16:creationId xmlns:a16="http://schemas.microsoft.com/office/drawing/2014/main" id="{B248337A-DD97-FB9C-8080-4DDAC1AFBB66}"/>
-              </a:ext>
-            </a:extLst>
-          </p:cNvPr>
-          <p:cNvPicPr>
-            <a:picLocks noChangeAspect="1"/>
-          </p:cNvPicPr>
-          <p:nvPr/>
-        </p:nvPicPr>
-        <p:blipFill>
-          <a:blip r:embed="rId2">
-            <a:extLst>
-              <a:ext uri="{28A0092B-C50C-407E-A947-70E740481C1C}">
-                <a14:useLocalDpi xmlns:a14="http://schemas.microsoft.com/office/drawing/2010/main" val="0"/>
-              </a:ext>
-            </a:extLst>
-          </a:blip>
-          <a:stretch>
-            <a:fillRect/>
-          </a:stretch>
-        </p:blipFill>
-        <p:spPr>
-          <a:xfrm>
-            <a:off x="59954" y="2097157"/>
-            <a:ext cx="4721277" cy="4760843"/>
-          </a:xfrm>
-          <a:prstGeom prst="rect">
-            <a:avLst/>
-          </a:prstGeom>
-        </p:spPr>
-      </p:pic>
-      <mc:AlternateContent xmlns:mc="http://schemas.openxmlformats.org/markup-compatibility/2006" xmlns:p14="http://schemas.microsoft.com/office/powerpoint/2010/main">
-        <mc:Choice Requires="p14">
-          <p:contentPart p14:bwMode="auto" r:id="rId3">
-            <p14:nvContentPartPr>
-              <p14:cNvPr id="7" name="Encre 6">
-                <a:extLst>
-                  <a:ext uri="{FF2B5EF4-FFF2-40B4-BE49-F238E27FC236}">
-                    <a16:creationId xmlns:a16="http://schemas.microsoft.com/office/drawing/2014/main" id="{BA68E1F6-6F51-EFA9-4C13-0547849FA3AB}"/>
-                  </a:ext>
-                </a:extLst>
-              </p14:cNvPr>
-              <p14:cNvContentPartPr/>
-              <p14:nvPr/>
-            </p14:nvContentPartPr>
-            <p14:xfrm>
-              <a:off x="3517654" y="4451963"/>
-              <a:ext cx="1264320" cy="1165320"/>
-            </p14:xfrm>
-          </p:contentPart>
-        </mc:Choice>
-        <mc:Fallback xmlns="">
-          <p:pic>
-            <p:nvPicPr>
-              <p:cNvPr id="7" name="Encre 6">
-                <a:extLst>
-                  <a:ext uri="{FF2B5EF4-FFF2-40B4-BE49-F238E27FC236}">
-                    <a16:creationId xmlns:a16="http://schemas.microsoft.com/office/drawing/2014/main" id="{BA68E1F6-6F51-EFA9-4C13-0547849FA3AB}"/>
-                  </a:ext>
-                </a:extLst>
-              </p:cNvPr>
-              <p:cNvPicPr/>
-              <p:nvPr/>
-            </p:nvPicPr>
-            <p:blipFill>
-              <a:blip r:embed="rId5"/>
-              <a:stretch>
-                <a:fillRect/>
-              </a:stretch>
-            </p:blipFill>
-            <p:spPr>
-              <a:xfrm>
-                <a:off x="3511534" y="4445843"/>
-                <a:ext cx="1276560" cy="1177560"/>
-              </a:xfrm>
-              <a:prstGeom prst="rect">
-                <a:avLst/>
-              </a:prstGeom>
-            </p:spPr>
-          </p:pic>
-        </mc:Fallback>
-      </mc:AlternateContent>
-      <p:pic>
-        <p:nvPicPr>
           <p:cNvPr id="16" name="Image 15">
             <a:extLst>
               <a:ext uri="{FF2B5EF4-FFF2-40B4-BE49-F238E27FC236}">
@@ -16526,7 +15440,7 @@
           <p:nvPr/>
         </p:nvPicPr>
         <p:blipFill>
-          <a:blip r:embed="rId6"/>
+          <a:blip r:embed="rId2"/>
           <a:stretch>
             <a:fillRect/>
           </a:stretch>
@@ -16541,10 +15455,203 @@
           </a:prstGeom>
         </p:spPr>
       </p:pic>
+      <p:sp>
+        <p:nvSpPr>
+          <p:cNvPr id="3" name="Espace réservé du numéro de diapositive 2">
+            <a:extLst>
+              <a:ext uri="{FF2B5EF4-FFF2-40B4-BE49-F238E27FC236}">
+                <a16:creationId xmlns:a16="http://schemas.microsoft.com/office/drawing/2014/main" id="{F373641C-9E93-9D8E-00CF-4A3A35CF5BE7}"/>
+              </a:ext>
+            </a:extLst>
+          </p:cNvPr>
+          <p:cNvSpPr>
+            <a:spLocks noGrp="1"/>
+          </p:cNvSpPr>
+          <p:nvPr>
+            <p:ph type="sldNum" sz="quarter" idx="12"/>
+          </p:nvPr>
+        </p:nvSpPr>
+        <p:spPr/>
+        <p:txBody>
+          <a:bodyPr/>
+          <a:lstStyle/>
+          <a:p>
+            <a:pPr algn="l"/>
+            <a:fld id="{FAEF9944-A4F6-4C59-AEBD-678D6480B8EA}" type="slidenum">
+              <a:rPr lang="en-US" smtClean="0"/>
+              <a:pPr algn="l"/>
+              <a:t>14</a:t>
+            </a:fld>
+            <a:endParaRPr lang="en-US" dirty="0"/>
+          </a:p>
+        </p:txBody>
+      </p:sp>
+      <p:pic>
+        <p:nvPicPr>
+          <p:cNvPr id="5" name="Image 4">
+            <a:extLst>
+              <a:ext uri="{FF2B5EF4-FFF2-40B4-BE49-F238E27FC236}">
+                <a16:creationId xmlns:a16="http://schemas.microsoft.com/office/drawing/2014/main" id="{E072474A-00B8-FB86-B308-3AF2833C926B}"/>
+              </a:ext>
+            </a:extLst>
+          </p:cNvPr>
+          <p:cNvPicPr>
+            <a:picLocks noChangeAspect="1"/>
+          </p:cNvPicPr>
+          <p:nvPr/>
+        </p:nvPicPr>
+        <p:blipFill>
+          <a:blip r:embed="rId3"/>
+          <a:stretch>
+            <a:fillRect/>
+          </a:stretch>
+        </p:blipFill>
+        <p:spPr>
+          <a:xfrm>
+            <a:off x="476752" y="2725729"/>
+            <a:ext cx="3941420" cy="3609899"/>
+          </a:xfrm>
+          <a:prstGeom prst="rect">
+            <a:avLst/>
+          </a:prstGeom>
+        </p:spPr>
+      </p:pic>
     </p:spTree>
     <p:extLst>
       <p:ext uri="{BB962C8B-B14F-4D97-AF65-F5344CB8AC3E}">
         <p14:creationId xmlns:p14="http://schemas.microsoft.com/office/powerpoint/2010/main" val="1737418395"/>
+      </p:ext>
+    </p:extLst>
+  </p:cSld>
+  <p:clrMapOvr>
+    <a:masterClrMapping/>
+  </p:clrMapOvr>
+</p:sld>
+</file>
+
+<file path=ppt/slides/slide15.xml><?xml version="1.0" encoding="utf-8"?>
+<p:sld xmlns:a="http://schemas.openxmlformats.org/drawingml/2006/main" xmlns:r="http://schemas.openxmlformats.org/officeDocument/2006/relationships" xmlns:p="http://schemas.openxmlformats.org/presentationml/2006/main">
+  <p:cSld>
+    <p:spTree>
+      <p:nvGrpSpPr>
+        <p:cNvPr id="1" name="">
+          <a:extLst>
+            <a:ext uri="{FF2B5EF4-FFF2-40B4-BE49-F238E27FC236}">
+              <a16:creationId xmlns:a16="http://schemas.microsoft.com/office/drawing/2014/main" id="{B1D0F713-D99C-BFC9-92A1-C4CC748BDA4F}"/>
+            </a:ext>
+          </a:extLst>
+        </p:cNvPr>
+        <p:cNvGrpSpPr/>
+        <p:nvPr/>
+      </p:nvGrpSpPr>
+      <p:grpSpPr>
+        <a:xfrm>
+          <a:off x="0" y="0"/>
+          <a:ext cx="0" cy="0"/>
+          <a:chOff x="0" y="0"/>
+          <a:chExt cx="0" cy="0"/>
+        </a:xfrm>
+      </p:grpSpPr>
+      <p:sp>
+        <p:nvSpPr>
+          <p:cNvPr id="2" name="Titre 1">
+            <a:extLst>
+              <a:ext uri="{FF2B5EF4-FFF2-40B4-BE49-F238E27FC236}">
+                <a16:creationId xmlns:a16="http://schemas.microsoft.com/office/drawing/2014/main" id="{DD9BDD43-E6E7-7E73-D65D-59D6725BF983}"/>
+              </a:ext>
+            </a:extLst>
+          </p:cNvPr>
+          <p:cNvSpPr>
+            <a:spLocks noGrp="1"/>
+          </p:cNvSpPr>
+          <p:nvPr>
+            <p:ph type="title"/>
+          </p:nvPr>
+        </p:nvSpPr>
+        <p:spPr>
+          <a:xfrm>
+            <a:off x="1920875" y="442913"/>
+            <a:ext cx="7540759" cy="1344612"/>
+          </a:xfrm>
+        </p:spPr>
+        <p:txBody>
+          <a:bodyPr anchor="b">
+            <a:normAutofit/>
+          </a:bodyPr>
+          <a:lstStyle/>
+          <a:p>
+            <a:r>
+              <a:rPr lang="fr-FR" dirty="0"/>
+              <a:t>Résultat que l’on va rechercher</a:t>
+            </a:r>
+          </a:p>
+        </p:txBody>
+      </p:sp>
+      <p:pic>
+        <p:nvPicPr>
+          <p:cNvPr id="6" name="Image 5">
+            <a:extLst>
+              <a:ext uri="{FF2B5EF4-FFF2-40B4-BE49-F238E27FC236}">
+                <a16:creationId xmlns:a16="http://schemas.microsoft.com/office/drawing/2014/main" id="{E81C81C2-CED0-5265-5972-2352894CCE85}"/>
+              </a:ext>
+            </a:extLst>
+          </p:cNvPr>
+          <p:cNvPicPr>
+            <a:picLocks noChangeAspect="1"/>
+          </p:cNvPicPr>
+          <p:nvPr/>
+        </p:nvPicPr>
+        <p:blipFill>
+          <a:blip r:embed="rId2"/>
+          <a:stretch>
+            <a:fillRect/>
+          </a:stretch>
+        </p:blipFill>
+        <p:spPr>
+          <a:xfrm>
+            <a:off x="336242" y="2078222"/>
+            <a:ext cx="11519515" cy="1963554"/>
+          </a:xfrm>
+          <a:prstGeom prst="rect">
+            <a:avLst/>
+          </a:prstGeom>
+        </p:spPr>
+      </p:pic>
+      <p:sp>
+        <p:nvSpPr>
+          <p:cNvPr id="3" name="Espace réservé du numéro de diapositive 2">
+            <a:extLst>
+              <a:ext uri="{FF2B5EF4-FFF2-40B4-BE49-F238E27FC236}">
+                <a16:creationId xmlns:a16="http://schemas.microsoft.com/office/drawing/2014/main" id="{7571C473-76B1-7645-390B-0CE68476CA0A}"/>
+              </a:ext>
+            </a:extLst>
+          </p:cNvPr>
+          <p:cNvSpPr>
+            <a:spLocks noGrp="1"/>
+          </p:cNvSpPr>
+          <p:nvPr>
+            <p:ph type="sldNum" sz="quarter" idx="12"/>
+          </p:nvPr>
+        </p:nvSpPr>
+        <p:spPr/>
+        <p:txBody>
+          <a:bodyPr/>
+          <a:lstStyle/>
+          <a:p>
+            <a:pPr algn="l"/>
+            <a:fld id="{FAEF9944-A4F6-4C59-AEBD-678D6480B8EA}" type="slidenum">
+              <a:rPr lang="en-US" smtClean="0"/>
+              <a:pPr algn="l"/>
+              <a:t>15</a:t>
+            </a:fld>
+            <a:endParaRPr lang="en-US" dirty="0"/>
+          </a:p>
+        </p:txBody>
+      </p:sp>
+    </p:spTree>
+    <p:extLst>
+      <p:ext uri="{BB962C8B-B14F-4D97-AF65-F5344CB8AC3E}">
+        <p14:creationId xmlns:p14="http://schemas.microsoft.com/office/powerpoint/2010/main" val="3996458294"/>
       </p:ext>
     </p:extLst>
   </p:cSld>
@@ -16607,7 +15714,7 @@
           <a:p>
             <a:r>
               <a:rPr lang="fr-FR" dirty="0"/>
-              <a:t>En pratique</a:t>
+              <a:t>Le programme</a:t>
             </a:r>
           </a:p>
         </p:txBody>
@@ -16642,6 +15749,37 @@
           </a:prstGeom>
         </p:spPr>
       </p:pic>
+      <p:sp>
+        <p:nvSpPr>
+          <p:cNvPr id="3" name="Espace réservé du numéro de diapositive 2">
+            <a:extLst>
+              <a:ext uri="{FF2B5EF4-FFF2-40B4-BE49-F238E27FC236}">
+                <a16:creationId xmlns:a16="http://schemas.microsoft.com/office/drawing/2014/main" id="{8C1655A1-E8F9-D97E-BCE8-583B0AE6C60E}"/>
+              </a:ext>
+            </a:extLst>
+          </p:cNvPr>
+          <p:cNvSpPr>
+            <a:spLocks noGrp="1"/>
+          </p:cNvSpPr>
+          <p:nvPr>
+            <p:ph type="sldNum" sz="quarter" idx="12"/>
+          </p:nvPr>
+        </p:nvSpPr>
+        <p:spPr/>
+        <p:txBody>
+          <a:bodyPr/>
+          <a:lstStyle/>
+          <a:p>
+            <a:pPr algn="l"/>
+            <a:fld id="{FAEF9944-A4F6-4C59-AEBD-678D6480B8EA}" type="slidenum">
+              <a:rPr lang="en-US" smtClean="0"/>
+              <a:pPr algn="l"/>
+              <a:t>16</a:t>
+            </a:fld>
+            <a:endParaRPr lang="en-US" dirty="0"/>
+          </a:p>
+        </p:txBody>
+      </p:sp>
     </p:spTree>
     <p:extLst>
       <p:ext uri="{BB962C8B-B14F-4D97-AF65-F5344CB8AC3E}">
@@ -16656,107 +15794,6 @@
 </file>
 
 <file path=ppt/slides/slide17.xml><?xml version="1.0" encoding="utf-8"?>
-<p:sld xmlns:a="http://schemas.openxmlformats.org/drawingml/2006/main" xmlns:r="http://schemas.openxmlformats.org/officeDocument/2006/relationships" xmlns:p="http://schemas.openxmlformats.org/presentationml/2006/main">
-  <p:cSld>
-    <p:spTree>
-      <p:nvGrpSpPr>
-        <p:cNvPr id="1" name="">
-          <a:extLst>
-            <a:ext uri="{FF2B5EF4-FFF2-40B4-BE49-F238E27FC236}">
-              <a16:creationId xmlns:a16="http://schemas.microsoft.com/office/drawing/2014/main" id="{B1D0F713-D99C-BFC9-92A1-C4CC748BDA4F}"/>
-            </a:ext>
-          </a:extLst>
-        </p:cNvPr>
-        <p:cNvGrpSpPr/>
-        <p:nvPr/>
-      </p:nvGrpSpPr>
-      <p:grpSpPr>
-        <a:xfrm>
-          <a:off x="0" y="0"/>
-          <a:ext cx="0" cy="0"/>
-          <a:chOff x="0" y="0"/>
-          <a:chExt cx="0" cy="0"/>
-        </a:xfrm>
-      </p:grpSpPr>
-      <p:sp>
-        <p:nvSpPr>
-          <p:cNvPr id="2" name="Titre 1">
-            <a:extLst>
-              <a:ext uri="{FF2B5EF4-FFF2-40B4-BE49-F238E27FC236}">
-                <a16:creationId xmlns:a16="http://schemas.microsoft.com/office/drawing/2014/main" id="{DD9BDD43-E6E7-7E73-D65D-59D6725BF983}"/>
-              </a:ext>
-            </a:extLst>
-          </p:cNvPr>
-          <p:cNvSpPr>
-            <a:spLocks noGrp="1"/>
-          </p:cNvSpPr>
-          <p:nvPr>
-            <p:ph type="title"/>
-          </p:nvPr>
-        </p:nvSpPr>
-        <p:spPr>
-          <a:xfrm>
-            <a:off x="1920875" y="442913"/>
-            <a:ext cx="6857365" cy="1344612"/>
-          </a:xfrm>
-        </p:spPr>
-        <p:txBody>
-          <a:bodyPr anchor="b">
-            <a:normAutofit/>
-          </a:bodyPr>
-          <a:lstStyle/>
-          <a:p>
-            <a:r>
-              <a:rPr lang="fr-FR" dirty="0"/>
-              <a:t>Résultat dans la console</a:t>
-            </a:r>
-          </a:p>
-        </p:txBody>
-      </p:sp>
-      <p:pic>
-        <p:nvPicPr>
-          <p:cNvPr id="6" name="Image 5">
-            <a:extLst>
-              <a:ext uri="{FF2B5EF4-FFF2-40B4-BE49-F238E27FC236}">
-                <a16:creationId xmlns:a16="http://schemas.microsoft.com/office/drawing/2014/main" id="{E81C81C2-CED0-5265-5972-2352894CCE85}"/>
-              </a:ext>
-            </a:extLst>
-          </p:cNvPr>
-          <p:cNvPicPr>
-            <a:picLocks noChangeAspect="1"/>
-          </p:cNvPicPr>
-          <p:nvPr/>
-        </p:nvPicPr>
-        <p:blipFill>
-          <a:blip r:embed="rId2"/>
-          <a:stretch>
-            <a:fillRect/>
-          </a:stretch>
-        </p:blipFill>
-        <p:spPr>
-          <a:xfrm>
-            <a:off x="336242" y="2078222"/>
-            <a:ext cx="11519515" cy="1963554"/>
-          </a:xfrm>
-          <a:prstGeom prst="rect">
-            <a:avLst/>
-          </a:prstGeom>
-        </p:spPr>
-      </p:pic>
-    </p:spTree>
-    <p:extLst>
-      <p:ext uri="{BB962C8B-B14F-4D97-AF65-F5344CB8AC3E}">
-        <p14:creationId xmlns:p14="http://schemas.microsoft.com/office/powerpoint/2010/main" val="3996458294"/>
-      </p:ext>
-    </p:extLst>
-  </p:cSld>
-  <p:clrMapOvr>
-    <a:masterClrMapping/>
-  </p:clrMapOvr>
-</p:sld>
-</file>
-
-<file path=ppt/slides/slide18.xml><?xml version="1.0" encoding="utf-8"?>
 <p:sld xmlns:a="http://schemas.openxmlformats.org/drawingml/2006/main" xmlns:r="http://schemas.openxmlformats.org/officeDocument/2006/relationships" xmlns:p="http://schemas.openxmlformats.org/presentationml/2006/main">
   <p:cSld>
     <p:bg>
@@ -18094,6 +17131,36 @@
           </a:p>
         </p:txBody>
       </p:sp>
+      <p:sp>
+        <p:nvSpPr>
+          <p:cNvPr id="5" name="Espace réservé du numéro de diapositive 4">
+            <a:extLst>
+              <a:ext uri="{FF2B5EF4-FFF2-40B4-BE49-F238E27FC236}">
+                <a16:creationId xmlns:a16="http://schemas.microsoft.com/office/drawing/2014/main" id="{FCD0DFC6-DE64-8619-3CB8-120EB218CA89}"/>
+              </a:ext>
+            </a:extLst>
+          </p:cNvPr>
+          <p:cNvSpPr>
+            <a:spLocks noGrp="1"/>
+          </p:cNvSpPr>
+          <p:nvPr>
+            <p:ph type="sldNum" sz="quarter" idx="12"/>
+          </p:nvPr>
+        </p:nvSpPr>
+        <p:spPr/>
+        <p:txBody>
+          <a:bodyPr/>
+          <a:lstStyle/>
+          <a:p>
+            <a:fld id="{FAEF9944-A4F6-4C59-AEBD-678D6480B8EA}" type="slidenum">
+              <a:rPr lang="en-US" smtClean="0"/>
+              <a:pPr/>
+              <a:t>17</a:t>
+            </a:fld>
+            <a:endParaRPr lang="en-US" dirty="0"/>
+          </a:p>
+        </p:txBody>
+      </p:sp>
     </p:spTree>
     <p:extLst>
       <p:ext uri="{BB962C8B-B14F-4D97-AF65-F5344CB8AC3E}">
@@ -19368,6 +18435,37 @@
           </a:p>
         </p:txBody>
       </p:sp>
+      <p:sp>
+        <p:nvSpPr>
+          <p:cNvPr id="4" name="Espace réservé du numéro de diapositive 3">
+            <a:extLst>
+              <a:ext uri="{FF2B5EF4-FFF2-40B4-BE49-F238E27FC236}">
+                <a16:creationId xmlns:a16="http://schemas.microsoft.com/office/drawing/2014/main" id="{6733F7F1-CB88-D5E9-EC89-A77FE7754C87}"/>
+              </a:ext>
+            </a:extLst>
+          </p:cNvPr>
+          <p:cNvSpPr>
+            <a:spLocks noGrp="1"/>
+          </p:cNvSpPr>
+          <p:nvPr>
+            <p:ph type="sldNum" sz="quarter" idx="12"/>
+          </p:nvPr>
+        </p:nvSpPr>
+        <p:spPr/>
+        <p:txBody>
+          <a:bodyPr/>
+          <a:lstStyle/>
+          <a:p>
+            <a:pPr algn="l"/>
+            <a:fld id="{FAEF9944-A4F6-4C59-AEBD-678D6480B8EA}" type="slidenum">
+              <a:rPr lang="en-US" smtClean="0"/>
+              <a:pPr algn="l"/>
+              <a:t>2</a:t>
+            </a:fld>
+            <a:endParaRPr lang="en-US" dirty="0"/>
+          </a:p>
+        </p:txBody>
+      </p:sp>
     </p:spTree>
     <p:extLst>
       <p:ext uri="{BB962C8B-B14F-4D97-AF65-F5344CB8AC3E}">
@@ -20563,6 +19661,37 @@
           </a:prstGeom>
         </p:spPr>
       </p:pic>
+      <p:sp>
+        <p:nvSpPr>
+          <p:cNvPr id="4" name="Espace réservé du numéro de diapositive 3">
+            <a:extLst>
+              <a:ext uri="{FF2B5EF4-FFF2-40B4-BE49-F238E27FC236}">
+                <a16:creationId xmlns:a16="http://schemas.microsoft.com/office/drawing/2014/main" id="{985749A8-2F26-2861-1CF7-E27178549F31}"/>
+              </a:ext>
+            </a:extLst>
+          </p:cNvPr>
+          <p:cNvSpPr>
+            <a:spLocks noGrp="1"/>
+          </p:cNvSpPr>
+          <p:nvPr>
+            <p:ph type="sldNum" sz="quarter" idx="12"/>
+          </p:nvPr>
+        </p:nvSpPr>
+        <p:spPr/>
+        <p:txBody>
+          <a:bodyPr/>
+          <a:lstStyle/>
+          <a:p>
+            <a:pPr algn="l"/>
+            <a:fld id="{FAEF9944-A4F6-4C59-AEBD-678D6480B8EA}" type="slidenum">
+              <a:rPr lang="en-US" smtClean="0"/>
+              <a:pPr algn="l"/>
+              <a:t>3</a:t>
+            </a:fld>
+            <a:endParaRPr lang="en-US" dirty="0"/>
+          </a:p>
+        </p:txBody>
+      </p:sp>
     </p:spTree>
     <p:extLst>
       <p:ext uri="{BB962C8B-B14F-4D97-AF65-F5344CB8AC3E}">
@@ -21771,6 +20900,37 @@
           </a:prstGeom>
         </p:spPr>
       </p:pic>
+      <p:sp>
+        <p:nvSpPr>
+          <p:cNvPr id="4" name="Espace réservé du numéro de diapositive 3">
+            <a:extLst>
+              <a:ext uri="{FF2B5EF4-FFF2-40B4-BE49-F238E27FC236}">
+                <a16:creationId xmlns:a16="http://schemas.microsoft.com/office/drawing/2014/main" id="{BF568945-1428-4C1E-4B95-29E3B84BDA50}"/>
+              </a:ext>
+            </a:extLst>
+          </p:cNvPr>
+          <p:cNvSpPr>
+            <a:spLocks noGrp="1"/>
+          </p:cNvSpPr>
+          <p:nvPr>
+            <p:ph type="sldNum" sz="quarter" idx="12"/>
+          </p:nvPr>
+        </p:nvSpPr>
+        <p:spPr/>
+        <p:txBody>
+          <a:bodyPr/>
+          <a:lstStyle/>
+          <a:p>
+            <a:pPr algn="l"/>
+            <a:fld id="{FAEF9944-A4F6-4C59-AEBD-678D6480B8EA}" type="slidenum">
+              <a:rPr lang="en-US" smtClean="0"/>
+              <a:pPr algn="l"/>
+              <a:t>4</a:t>
+            </a:fld>
+            <a:endParaRPr lang="en-US" dirty="0"/>
+          </a:p>
+        </p:txBody>
+      </p:sp>
     </p:spTree>
     <p:extLst>
       <p:ext uri="{BB962C8B-B14F-4D97-AF65-F5344CB8AC3E}">
@@ -22915,6 +22075,88 @@
           </a:xfrm>
         </p:spPr>
       </p:pic>
+      <p:sp>
+        <p:nvSpPr>
+          <p:cNvPr id="3" name="Espace réservé du numéro de diapositive 2">
+            <a:extLst>
+              <a:ext uri="{FF2B5EF4-FFF2-40B4-BE49-F238E27FC236}">
+                <a16:creationId xmlns:a16="http://schemas.microsoft.com/office/drawing/2014/main" id="{87B176F2-1E2D-C084-697F-9DE1446B9554}"/>
+              </a:ext>
+            </a:extLst>
+          </p:cNvPr>
+          <p:cNvSpPr>
+            <a:spLocks noGrp="1"/>
+          </p:cNvSpPr>
+          <p:nvPr>
+            <p:ph type="sldNum" sz="quarter" idx="12"/>
+          </p:nvPr>
+        </p:nvSpPr>
+        <p:spPr/>
+        <p:txBody>
+          <a:bodyPr/>
+          <a:lstStyle/>
+          <a:p>
+            <a:pPr algn="l"/>
+            <a:fld id="{FAEF9944-A4F6-4C59-AEBD-678D6480B8EA}" type="slidenum">
+              <a:rPr lang="en-US" smtClean="0"/>
+              <a:pPr algn="l"/>
+              <a:t>5</a:t>
+            </a:fld>
+            <a:endParaRPr lang="en-US" dirty="0"/>
+          </a:p>
+        </p:txBody>
+      </p:sp>
+      <mc:AlternateContent xmlns:mc="http://schemas.openxmlformats.org/markup-compatibility/2006">
+        <mc:Choice xmlns:p14="http://schemas.microsoft.com/office/powerpoint/2010/main" Requires="p14">
+          <p:contentPart p14:bwMode="auto" r:id="rId4">
+            <p14:nvContentPartPr>
+              <p14:cNvPr id="6" name="Encre 5">
+                <a:extLst>
+                  <a:ext uri="{FF2B5EF4-FFF2-40B4-BE49-F238E27FC236}">
+                    <a16:creationId xmlns:a16="http://schemas.microsoft.com/office/drawing/2014/main" id="{CA37F50D-6455-3DAE-4FEE-3A3EA34D08E3}"/>
+                  </a:ext>
+                </a:extLst>
+              </p14:cNvPr>
+              <p14:cNvContentPartPr/>
+              <p14:nvPr/>
+            </p14:nvContentPartPr>
+            <p14:xfrm>
+              <a:off x="4606685" y="6101920"/>
+              <a:ext cx="48600" cy="106920"/>
+            </p14:xfrm>
+          </p:contentPart>
+        </mc:Choice>
+        <mc:Fallback>
+          <p:pic>
+            <p:nvPicPr>
+              <p:cNvPr id="6" name="Encre 5">
+                <a:extLst>
+                  <a:ext uri="{FF2B5EF4-FFF2-40B4-BE49-F238E27FC236}">
+                    <a16:creationId xmlns:a16="http://schemas.microsoft.com/office/drawing/2014/main" id="{CA37F50D-6455-3DAE-4FEE-3A3EA34D08E3}"/>
+                  </a:ext>
+                </a:extLst>
+              </p:cNvPr>
+              <p:cNvPicPr/>
+              <p:nvPr/>
+            </p:nvPicPr>
+            <p:blipFill>
+              <a:blip r:embed="rId5"/>
+              <a:stretch>
+                <a:fillRect/>
+              </a:stretch>
+            </p:blipFill>
+            <p:spPr>
+              <a:xfrm>
+                <a:off x="4600565" y="6095800"/>
+                <a:ext cx="60840" cy="119160"/>
+              </a:xfrm>
+              <a:prstGeom prst="rect">
+                <a:avLst/>
+              </a:prstGeom>
+            </p:spPr>
+          </p:pic>
+        </mc:Fallback>
+      </mc:AlternateContent>
     </p:spTree>
     <p:extLst>
       <p:ext uri="{BB962C8B-B14F-4D97-AF65-F5344CB8AC3E}">
@@ -24041,7 +23283,7 @@
           </p:nvPr>
         </p:nvPicPr>
         <p:blipFill>
-          <a:blip r:embed="rId2">
+          <a:blip r:embed="rId3">
             <a:extLst>
               <a:ext uri="{28A0092B-C50C-407E-A947-70E740481C1C}">
                 <a14:useLocalDpi xmlns:a14="http://schemas.microsoft.com/office/drawing/2010/main" val="0"/>
@@ -24059,6 +23301,37 @@
           </a:xfrm>
         </p:spPr>
       </p:pic>
+      <p:sp>
+        <p:nvSpPr>
+          <p:cNvPr id="3" name="Espace réservé du numéro de diapositive 2">
+            <a:extLst>
+              <a:ext uri="{FF2B5EF4-FFF2-40B4-BE49-F238E27FC236}">
+                <a16:creationId xmlns:a16="http://schemas.microsoft.com/office/drawing/2014/main" id="{87DAE2E3-D946-0B9B-471A-AF821458EA1B}"/>
+              </a:ext>
+            </a:extLst>
+          </p:cNvPr>
+          <p:cNvSpPr>
+            <a:spLocks noGrp="1"/>
+          </p:cNvSpPr>
+          <p:nvPr>
+            <p:ph type="sldNum" sz="quarter" idx="12"/>
+          </p:nvPr>
+        </p:nvSpPr>
+        <p:spPr/>
+        <p:txBody>
+          <a:bodyPr/>
+          <a:lstStyle/>
+          <a:p>
+            <a:pPr algn="l"/>
+            <a:fld id="{FAEF9944-A4F6-4C59-AEBD-678D6480B8EA}" type="slidenum">
+              <a:rPr lang="en-US" smtClean="0"/>
+              <a:pPr algn="l"/>
+              <a:t>6</a:t>
+            </a:fld>
+            <a:endParaRPr lang="en-US" dirty="0"/>
+          </a:p>
+        </p:txBody>
+      </p:sp>
     </p:spTree>
     <p:extLst>
       <p:ext uri="{BB962C8B-B14F-4D97-AF65-F5344CB8AC3E}">
@@ -25253,6 +24526,37 @@
               <a:rPr lang="fr-FR" dirty="0"/>
               <a:t>Sinon=&gt;Méthode générale</a:t>
             </a:r>
+          </a:p>
+        </p:txBody>
+      </p:sp>
+      <p:sp>
+        <p:nvSpPr>
+          <p:cNvPr id="3" name="Espace réservé du numéro de diapositive 2">
+            <a:extLst>
+              <a:ext uri="{FF2B5EF4-FFF2-40B4-BE49-F238E27FC236}">
+                <a16:creationId xmlns:a16="http://schemas.microsoft.com/office/drawing/2014/main" id="{38A1C7C7-44AC-284F-66EB-EDE86863324A}"/>
+              </a:ext>
+            </a:extLst>
+          </p:cNvPr>
+          <p:cNvSpPr>
+            <a:spLocks noGrp="1"/>
+          </p:cNvSpPr>
+          <p:nvPr>
+            <p:ph type="sldNum" sz="quarter" idx="12"/>
+          </p:nvPr>
+        </p:nvSpPr>
+        <p:spPr/>
+        <p:txBody>
+          <a:bodyPr/>
+          <a:lstStyle/>
+          <a:p>
+            <a:pPr algn="l"/>
+            <a:fld id="{FAEF9944-A4F6-4C59-AEBD-678D6480B8EA}" type="slidenum">
+              <a:rPr lang="en-US" smtClean="0"/>
+              <a:pPr algn="l"/>
+              <a:t>7</a:t>
+            </a:fld>
+            <a:endParaRPr lang="en-US" dirty="0"/>
           </a:p>
         </p:txBody>
       </p:sp>
@@ -26586,6 +25890,36 @@
           </a:prstGeom>
         </p:spPr>
       </p:pic>
+      <p:sp>
+        <p:nvSpPr>
+          <p:cNvPr id="3" name="Espace réservé du numéro de diapositive 2">
+            <a:extLst>
+              <a:ext uri="{FF2B5EF4-FFF2-40B4-BE49-F238E27FC236}">
+                <a16:creationId xmlns:a16="http://schemas.microsoft.com/office/drawing/2014/main" id="{54E105A9-D3E0-8A8C-7E0E-62061230887E}"/>
+              </a:ext>
+            </a:extLst>
+          </p:cNvPr>
+          <p:cNvSpPr>
+            <a:spLocks noGrp="1"/>
+          </p:cNvSpPr>
+          <p:nvPr>
+            <p:ph type="sldNum" sz="quarter" idx="12"/>
+          </p:nvPr>
+        </p:nvSpPr>
+        <p:spPr/>
+        <p:txBody>
+          <a:bodyPr/>
+          <a:lstStyle/>
+          <a:p>
+            <a:fld id="{FAEF9944-A4F6-4C59-AEBD-678D6480B8EA}" type="slidenum">
+              <a:rPr lang="en-US" smtClean="0"/>
+              <a:pPr/>
+              <a:t>8</a:t>
+            </a:fld>
+            <a:endParaRPr lang="en-US" dirty="0"/>
+          </a:p>
+        </p:txBody>
+      </p:sp>
     </p:spTree>
     <p:extLst>
       <p:ext uri="{BB962C8B-B14F-4D97-AF65-F5344CB8AC3E}">
@@ -27867,6 +27201,37 @@
               <a:rPr lang="fr-FR" dirty="0"/>
               <a:t>Mais comment peut-on la parcourir pour trouver le livre que l’on recherche?</a:t>
             </a:r>
+          </a:p>
+        </p:txBody>
+      </p:sp>
+      <p:sp>
+        <p:nvSpPr>
+          <p:cNvPr id="4" name="Espace réservé du numéro de diapositive 3">
+            <a:extLst>
+              <a:ext uri="{FF2B5EF4-FFF2-40B4-BE49-F238E27FC236}">
+                <a16:creationId xmlns:a16="http://schemas.microsoft.com/office/drawing/2014/main" id="{3444A599-01C1-8EA3-4FB9-F2A32B4C2632}"/>
+              </a:ext>
+            </a:extLst>
+          </p:cNvPr>
+          <p:cNvSpPr>
+            <a:spLocks noGrp="1"/>
+          </p:cNvSpPr>
+          <p:nvPr>
+            <p:ph type="sldNum" sz="quarter" idx="12"/>
+          </p:nvPr>
+        </p:nvSpPr>
+        <p:spPr/>
+        <p:txBody>
+          <a:bodyPr/>
+          <a:lstStyle/>
+          <a:p>
+            <a:pPr algn="l"/>
+            <a:fld id="{FAEF9944-A4F6-4C59-AEBD-678D6480B8EA}" type="slidenum">
+              <a:rPr lang="en-US" smtClean="0"/>
+              <a:pPr algn="l"/>
+              <a:t>9</a:t>
+            </a:fld>
+            <a:endParaRPr lang="en-US" dirty="0"/>
           </a:p>
         </p:txBody>
       </p:sp>

--- a/Iterator/présentation iterator.pptx
+++ b/Iterator/présentation iterator.pptx
@@ -131,33 +131,6 @@
 </p:presentation>
 </file>
 
-<file path=ppt/ink/ink1.xml><?xml version="1.0" encoding="utf-8"?>
-<inkml:ink xmlns:inkml="http://www.w3.org/2003/InkML">
-  <inkml:definitions>
-    <inkml:context xml:id="ctx0">
-      <inkml:inkSource xml:id="inkSrc0">
-        <inkml:traceFormat>
-          <inkml:channel name="X" type="integer" min="-2.14748E9" max="2.14748E9" units="cm"/>
-          <inkml:channel name="Y" type="integer" min="-2.14748E9" max="2.14748E9" units="cm"/>
-          <inkml:channel name="F" type="integer" max="32767" units="dev"/>
-        </inkml:traceFormat>
-        <inkml:channelProperties>
-          <inkml:channelProperty channel="X" name="resolution" value="1000" units="1/cm"/>
-          <inkml:channelProperty channel="Y" name="resolution" value="1000" units="1/cm"/>
-          <inkml:channelProperty channel="F" name="resolution" value="0" units="1/dev"/>
-        </inkml:channelProperties>
-      </inkml:inkSource>
-      <inkml:timestamp xml:id="ts0" timeString="2024-12-03T09:57:35.224"/>
-    </inkml:context>
-    <inkml:brush xml:id="br0">
-      <inkml:brushProperty name="width" value="0.035" units="cm"/>
-      <inkml:brushProperty name="height" value="0.035" units="cm"/>
-    </inkml:brush>
-  </inkml:definitions>
-  <inkml:trace contextRef="#ctx0" brushRef="#br0">1 177 24575,'0'-5'0,"2"-1"0,-1 1 0,0 0 0,1-1 0,0 1 0,1 0 0,-1 0 0,1 0 0,0 0 0,5-6 0,15-32 0,-23 41 0,1 1 0,-1-1 0,1 1 0,-1 0 0,1-1 0,-1 1 0,1 0 0,0-1 0,-1 1 0,1 0 0,0 0 0,0 0 0,0 0 0,0 0 0,0 0 0,0 0 0,0 0 0,1 0 0,-1 0 0,0 0 0,0 1 0,1-1 0,-1 0 0,0 1 0,1-1 0,-1 1 0,1 0 0,-1-1 0,1 1 0,-1 0 0,0 0 0,1 0 0,-1 0 0,1 0 0,-1 0 0,1 1 0,-1-1 0,1 0 0,-1 1 0,0-1 0,2 2 0,0-1 0,-1 0 0,0 0 0,1 1 0,-1 0 0,0-1 0,0 1 0,0 0 0,-1 0 0,1 0 0,0 0 0,-1 0 0,1 0 0,-1 0 0,1 1 0,-1-1 0,0 1 0,0-1 0,0 1 0,-1-1 0,1 1 0,-1-1 0,1 5 0,0 7 0,-3 167 0,1-176 0,-1-7 0,-1-17 0,0-27 0,4-13 0,-2-92 0,1 150 0,0 1 0,0-1 0,0 1 0,0-1 0,0 0 0,0 1 0,0-1 0,0 0 0,0 1 0,0-1 0,0 0 0,0 1 0,0-1 0,-1 0 0,1 1 0,0-1 0,0 1 0,-1-1 0,1 0 0,-1 1 0,1-1 0,0 1 0,-1-1 0,1 1 0,-1-1 0,1 1 0,-1 0 0,1-1 0,-1 1 0,1-1 0,-1 1 0,0 0 0,1 0 0,-1-1 0,1 1 0,-1 0 0,0 0 0,0 0 0,-1 0 0,0 1 0,0 0 0,0 0 0,0 0 0,0 0 0,0 0 0,0 0 0,1 1 0,-1-1 0,0 0 0,-2 4 0,-36 48 0,31-34-1365,5-11-5461</inkml:trace>
-</inkml:ink>
-</file>
-
 <file path=ppt/notesMasters/notesMaster1.xml><?xml version="1.0" encoding="utf-8"?>
 <p:notesMaster xmlns:a="http://schemas.openxmlformats.org/drawingml/2006/main" xmlns:r="http://schemas.openxmlformats.org/officeDocument/2006/relationships" xmlns:p="http://schemas.openxmlformats.org/presentationml/2006/main">
   <p:cSld>
@@ -240,7 +213,7 @@
           <a:p>
             <a:fld id="{C12EE09F-724B-4FDB-834F-9B71A09FEBA6}" type="datetimeFigureOut">
               <a:rPr lang="fr-FR" smtClean="0"/>
-              <a:t>03/12/2024</a:t>
+              <a:t>05/12/2024</a:t>
             </a:fld>
             <a:endParaRPr lang="fr-FR"/>
           </a:p>
@@ -2100,7 +2073,7 @@
           <a:p>
             <a:fld id="{B31607DD-8D99-4230-A445-A19E20C55594}" type="datetime1">
               <a:rPr lang="en-US" smtClean="0"/>
-              <a:t>12/3/2024</a:t>
+              <a:t>12/5/2024</a:t>
             </a:fld>
             <a:endParaRPr lang="en-US" dirty="0"/>
           </a:p>
@@ -2911,7 +2884,7 @@
           <a:p>
             <a:fld id="{62B7C118-15AE-41DB-8CC8-7DC847C37ACD}" type="datetime1">
               <a:rPr lang="en-US" smtClean="0"/>
-              <a:t>12/3/2024</a:t>
+              <a:t>12/5/2024</a:t>
             </a:fld>
             <a:endParaRPr lang="en-US" dirty="0"/>
           </a:p>
@@ -3110,7 +3083,7 @@
           <a:p>
             <a:fld id="{5F7D9F23-983D-4E90-831C-D5C04F102D94}" type="datetime1">
               <a:rPr lang="en-US" smtClean="0"/>
-              <a:t>12/3/2024</a:t>
+              <a:t>12/5/2024</a:t>
             </a:fld>
             <a:endParaRPr lang="en-US" dirty="0"/>
           </a:p>
@@ -3345,7 +3318,7 @@
           <a:p>
             <a:fld id="{EFC871DD-2851-4902-BE17-B7266653F2C7}" type="datetime1">
               <a:rPr lang="en-US" smtClean="0"/>
-              <a:t>12/3/2024</a:t>
+              <a:t>12/5/2024</a:t>
             </a:fld>
             <a:endParaRPr lang="en-US" dirty="0"/>
           </a:p>
@@ -6038,7 +6011,7 @@
           <a:p>
             <a:fld id="{A9946E12-FC9E-46BB-8576-84EEBD753403}" type="datetime1">
               <a:rPr lang="en-US" smtClean="0"/>
-              <a:t>12/3/2024</a:t>
+              <a:t>12/5/2024</a:t>
             </a:fld>
             <a:endParaRPr lang="en-US" dirty="0"/>
           </a:p>
@@ -6234,7 +6207,7 @@
           <a:p>
             <a:fld id="{847CD089-AF9F-40D1-A886-8CB1024A89D1}" type="datetime1">
               <a:rPr lang="en-US" smtClean="0"/>
-              <a:t>12/3/2024</a:t>
+              <a:t>12/5/2024</a:t>
             </a:fld>
             <a:endParaRPr lang="en-US" dirty="0"/>
           </a:p>
@@ -6623,7 +6596,7 @@
           <a:p>
             <a:fld id="{8A0F00D2-CCFC-46D0-83F3-AE0651419626}" type="datetime1">
               <a:rPr lang="en-US" smtClean="0"/>
-              <a:t>12/3/2024</a:t>
+              <a:t>12/5/2024</a:t>
             </a:fld>
             <a:endParaRPr lang="en-US" dirty="0"/>
           </a:p>
@@ -6789,7 +6762,7 @@
           <a:p>
             <a:fld id="{5A2B0CB5-F66A-4C84-8A26-86C6B8765356}" type="datetime1">
               <a:rPr lang="en-US" smtClean="0"/>
-              <a:t>12/3/2024</a:t>
+              <a:t>12/5/2024</a:t>
             </a:fld>
             <a:endParaRPr lang="en-US" dirty="0"/>
           </a:p>
@@ -6912,7 +6885,7 @@
           <a:p>
             <a:fld id="{BC2D71F8-472D-4514-B99E-2ABD3D5618AE}" type="datetime1">
               <a:rPr lang="en-US" smtClean="0"/>
-              <a:t>12/3/2024</a:t>
+              <a:t>12/5/2024</a:t>
             </a:fld>
             <a:endParaRPr lang="en-US" dirty="0"/>
           </a:p>
@@ -7222,7 +7195,7 @@
           <a:p>
             <a:fld id="{18B25936-9EA0-41D8-9E19-7D6312425B92}" type="datetime1">
               <a:rPr lang="en-US" smtClean="0"/>
-              <a:t>12/3/2024</a:t>
+              <a:t>12/5/2024</a:t>
             </a:fld>
             <a:endParaRPr lang="en-US" dirty="0"/>
           </a:p>
@@ -7522,7 +7495,7 @@
           <a:p>
             <a:fld id="{5626FFCB-C15A-4318-A20A-4AC4829974B9}" type="datetime1">
               <a:rPr lang="en-US" smtClean="0"/>
-              <a:t>12/3/2024</a:t>
+              <a:t>12/5/2024</a:t>
             </a:fld>
             <a:endParaRPr lang="en-US" dirty="0"/>
           </a:p>
@@ -7774,7 +7747,7 @@
           <a:p>
             <a:fld id="{54B9FF97-0D1A-40D9-8896-246C39C9116E}" type="datetime1">
               <a:rPr lang="en-US" smtClean="0"/>
-              <a:t>12/3/2024</a:t>
+              <a:t>12/5/2024</a:t>
             </a:fld>
             <a:endParaRPr lang="en-US" dirty="0"/>
           </a:p>
@@ -22023,8 +21996,8 @@
         </p:nvSpPr>
         <p:spPr>
           <a:xfrm>
-            <a:off x="1920875" y="442913"/>
-            <a:ext cx="7785833" cy="1344612"/>
+            <a:off x="311728" y="442912"/>
+            <a:ext cx="4506573" cy="1693705"/>
           </a:xfrm>
         </p:spPr>
         <p:txBody>
@@ -22040,41 +22013,6 @@
           </a:p>
         </p:txBody>
       </p:sp>
-      <p:pic>
-        <p:nvPicPr>
-          <p:cNvPr id="5" name="Espace réservé du contenu 4" descr="Une image contenant texte, capture d’écran, diagramme, Rectangle&#10;&#10;Description générée automatiquement">
-            <a:extLst>
-              <a:ext uri="{FF2B5EF4-FFF2-40B4-BE49-F238E27FC236}">
-                <a16:creationId xmlns:a16="http://schemas.microsoft.com/office/drawing/2014/main" id="{5DE7B3B8-5FC3-58D4-D760-340A3B983F30}"/>
-              </a:ext>
-            </a:extLst>
-          </p:cNvPr>
-          <p:cNvPicPr>
-            <a:picLocks noGrp="1" noChangeAspect="1"/>
-          </p:cNvPicPr>
-          <p:nvPr>
-            <p:ph idx="1"/>
-          </p:nvPr>
-        </p:nvPicPr>
-        <p:blipFill>
-          <a:blip r:embed="rId3">
-            <a:extLst>
-              <a:ext uri="{28A0092B-C50C-407E-A947-70E740481C1C}">
-                <a14:useLocalDpi xmlns:a14="http://schemas.microsoft.com/office/drawing/2010/main" val="0"/>
-              </a:ext>
-            </a:extLst>
-          </a:blip>
-          <a:stretch>
-            <a:fillRect/>
-          </a:stretch>
-        </p:blipFill>
-        <p:spPr>
-          <a:xfrm>
-            <a:off x="1920875" y="1861380"/>
-            <a:ext cx="7968713" cy="4922764"/>
-          </a:xfrm>
-        </p:spPr>
-      </p:pic>
       <p:sp>
         <p:nvSpPr>
           <p:cNvPr id="3" name="Espace réservé du numéro de diapositive 2">
@@ -22106,57 +22044,36 @@
           </a:p>
         </p:txBody>
       </p:sp>
-      <mc:AlternateContent xmlns:mc="http://schemas.openxmlformats.org/markup-compatibility/2006">
-        <mc:Choice xmlns:p14="http://schemas.microsoft.com/office/powerpoint/2010/main" Requires="p14">
-          <p:contentPart p14:bwMode="auto" r:id="rId4">
-            <p14:nvContentPartPr>
-              <p14:cNvPr id="6" name="Encre 5">
-                <a:extLst>
-                  <a:ext uri="{FF2B5EF4-FFF2-40B4-BE49-F238E27FC236}">
-                    <a16:creationId xmlns:a16="http://schemas.microsoft.com/office/drawing/2014/main" id="{CA37F50D-6455-3DAE-4FEE-3A3EA34D08E3}"/>
-                  </a:ext>
-                </a:extLst>
-              </p14:cNvPr>
-              <p14:cNvContentPartPr/>
-              <p14:nvPr/>
-            </p14:nvContentPartPr>
-            <p14:xfrm>
-              <a:off x="4606685" y="6101920"/>
-              <a:ext cx="48600" cy="106920"/>
-            </p14:xfrm>
-          </p:contentPart>
-        </mc:Choice>
-        <mc:Fallback>
-          <p:pic>
-            <p:nvPicPr>
-              <p:cNvPr id="6" name="Encre 5">
-                <a:extLst>
-                  <a:ext uri="{FF2B5EF4-FFF2-40B4-BE49-F238E27FC236}">
-                    <a16:creationId xmlns:a16="http://schemas.microsoft.com/office/drawing/2014/main" id="{CA37F50D-6455-3DAE-4FEE-3A3EA34D08E3}"/>
-                  </a:ext>
-                </a:extLst>
-              </p:cNvPr>
-              <p:cNvPicPr/>
-              <p:nvPr/>
-            </p:nvPicPr>
-            <p:blipFill>
-              <a:blip r:embed="rId5"/>
-              <a:stretch>
-                <a:fillRect/>
-              </a:stretch>
-            </p:blipFill>
-            <p:spPr>
-              <a:xfrm>
-                <a:off x="4600565" y="6095800"/>
-                <a:ext cx="60840" cy="119160"/>
-              </a:xfrm>
-              <a:prstGeom prst="rect">
-                <a:avLst/>
-              </a:prstGeom>
-            </p:spPr>
-          </p:pic>
-        </mc:Fallback>
-      </mc:AlternateContent>
+      <p:pic>
+        <p:nvPicPr>
+          <p:cNvPr id="15" name="Image 14">
+            <a:extLst>
+              <a:ext uri="{FF2B5EF4-FFF2-40B4-BE49-F238E27FC236}">
+                <a16:creationId xmlns:a16="http://schemas.microsoft.com/office/drawing/2014/main" id="{D62A158D-D5CD-E429-7C01-B11EF07BB117}"/>
+              </a:ext>
+            </a:extLst>
+          </p:cNvPr>
+          <p:cNvPicPr>
+            <a:picLocks noChangeAspect="1"/>
+          </p:cNvPicPr>
+          <p:nvPr/>
+        </p:nvPicPr>
+        <p:blipFill>
+          <a:blip r:embed="rId3"/>
+          <a:stretch>
+            <a:fillRect/>
+          </a:stretch>
+        </p:blipFill>
+        <p:spPr>
+          <a:xfrm>
+            <a:off x="4239756" y="333318"/>
+            <a:ext cx="6510179" cy="6294372"/>
+          </a:xfrm>
+          <a:prstGeom prst="rect">
+            <a:avLst/>
+          </a:prstGeom>
+        </p:spPr>
+      </p:pic>
     </p:spTree>
     <p:extLst>
       <p:ext uri="{BB962C8B-B14F-4D97-AF65-F5344CB8AC3E}">
